--- a/現代 JavaScript 職人之路｜ 中階篇.pptx
+++ b/現代 JavaScript 職人之路｜ 中階篇.pptx
@@ -1,71 +1,74 @@
 
 <file path=ppt/presentation.xml><?xml version="1.0" encoding="utf-8"?>
-<p:presentation xmlns:a="http://schemas.openxmlformats.org/drawingml/2006/main" xmlns:r="http://schemas.openxmlformats.org/officeDocument/2006/relationships" xmlns:p="http://schemas.openxmlformats.org/presentationml/2006/main" saveSubsetFonts="1">
+<p:presentation xmlns:a="http://schemas.openxmlformats.org/drawingml/2006/main" xmlns:r="http://schemas.openxmlformats.org/officeDocument/2006/relationships" xmlns:p="http://schemas.openxmlformats.org/presentationml/2006/main">
   <p:sldMasterIdLst>
     <p:sldMasterId id="2147483648" r:id="rId1"/>
   </p:sldMasterIdLst>
+  <p:notesMasterIdLst>
+    <p:notesMasterId r:id="rId45"/>
+  </p:notesMasterIdLst>
   <p:sldIdLst>
-    <p:sldId id="256" r:id="rId2"/>
-    <p:sldId id="257" r:id="rId3"/>
-    <p:sldId id="258" r:id="rId4"/>
-    <p:sldId id="259" r:id="rId5"/>
-    <p:sldId id="260" r:id="rId6"/>
-    <p:sldId id="261" r:id="rId7"/>
-    <p:sldId id="262" r:id="rId8"/>
-    <p:sldId id="263" r:id="rId9"/>
-    <p:sldId id="264" r:id="rId10"/>
-    <p:sldId id="265" r:id="rId11"/>
-    <p:sldId id="266" r:id="rId12"/>
-    <p:sldId id="267" r:id="rId13"/>
-    <p:sldId id="269" r:id="rId14"/>
-    <p:sldId id="268" r:id="rId15"/>
-    <p:sldId id="270" r:id="rId16"/>
-    <p:sldId id="271" r:id="rId17"/>
-    <p:sldId id="272" r:id="rId18"/>
-    <p:sldId id="273" r:id="rId19"/>
-    <p:sldId id="274" r:id="rId20"/>
-    <p:sldId id="277" r:id="rId21"/>
-    <p:sldId id="278" r:id="rId22"/>
-    <p:sldId id="275" r:id="rId23"/>
-    <p:sldId id="276" r:id="rId24"/>
-    <p:sldId id="279" r:id="rId25"/>
-    <p:sldId id="307" r:id="rId26"/>
-    <p:sldId id="280" r:id="rId27"/>
-    <p:sldId id="281" r:id="rId28"/>
-    <p:sldId id="282" r:id="rId29"/>
-    <p:sldId id="284" r:id="rId30"/>
-    <p:sldId id="285" r:id="rId31"/>
-    <p:sldId id="283" r:id="rId32"/>
-    <p:sldId id="286" r:id="rId33"/>
-    <p:sldId id="287" r:id="rId34"/>
-    <p:sldId id="288" r:id="rId35"/>
-    <p:sldId id="298" r:id="rId36"/>
-    <p:sldId id="289" r:id="rId37"/>
-    <p:sldId id="290" r:id="rId38"/>
-    <p:sldId id="291" r:id="rId39"/>
-    <p:sldId id="292" r:id="rId40"/>
-    <p:sldId id="293" r:id="rId41"/>
-    <p:sldId id="294" r:id="rId42"/>
-    <p:sldId id="297" r:id="rId43"/>
-    <p:sldId id="295" r:id="rId44"/>
-    <p:sldId id="299" r:id="rId45"/>
-    <p:sldId id="308" r:id="rId46"/>
-    <p:sldId id="305" r:id="rId47"/>
-    <p:sldId id="301" r:id="rId48"/>
-    <p:sldId id="302" r:id="rId49"/>
-    <p:sldId id="300" r:id="rId50"/>
-    <p:sldId id="303" r:id="rId51"/>
-    <p:sldId id="304" r:id="rId52"/>
-    <p:sldId id="306" r:id="rId53"/>
-    <p:sldId id="309" r:id="rId54"/>
-    <p:sldId id="310" r:id="rId55"/>
-    <p:sldId id="311" r:id="rId56"/>
-    <p:sldId id="313" r:id="rId57"/>
-    <p:sldId id="296" r:id="rId58"/>
-    <p:sldId id="312" r:id="rId59"/>
-    <p:sldId id="314" r:id="rId60"/>
-    <p:sldId id="316" r:id="rId61"/>
-    <p:sldId id="315" r:id="rId62"/>
+    <p:sldId id="256" r:id="rId3"/>
+    <p:sldId id="257" r:id="rId4"/>
+    <p:sldId id="258" r:id="rId5"/>
+    <p:sldId id="259" r:id="rId6"/>
+    <p:sldId id="260" r:id="rId7"/>
+    <p:sldId id="261" r:id="rId8"/>
+    <p:sldId id="262" r:id="rId9"/>
+    <p:sldId id="263" r:id="rId10"/>
+    <p:sldId id="264" r:id="rId11"/>
+    <p:sldId id="265" r:id="rId12"/>
+    <p:sldId id="266" r:id="rId13"/>
+    <p:sldId id="267" r:id="rId14"/>
+    <p:sldId id="269" r:id="rId15"/>
+    <p:sldId id="268" r:id="rId16"/>
+    <p:sldId id="270" r:id="rId17"/>
+    <p:sldId id="271" r:id="rId18"/>
+    <p:sldId id="272" r:id="rId19"/>
+    <p:sldId id="273" r:id="rId20"/>
+    <p:sldId id="274" r:id="rId21"/>
+    <p:sldId id="277" r:id="rId22"/>
+    <p:sldId id="278" r:id="rId23"/>
+    <p:sldId id="275" r:id="rId24"/>
+    <p:sldId id="276" r:id="rId25"/>
+    <p:sldId id="279" r:id="rId26"/>
+    <p:sldId id="307" r:id="rId27"/>
+    <p:sldId id="280" r:id="rId28"/>
+    <p:sldId id="281" r:id="rId29"/>
+    <p:sldId id="282" r:id="rId30"/>
+    <p:sldId id="284" r:id="rId31"/>
+    <p:sldId id="285" r:id="rId32"/>
+    <p:sldId id="283" r:id="rId33"/>
+    <p:sldId id="286" r:id="rId34"/>
+    <p:sldId id="287" r:id="rId35"/>
+    <p:sldId id="288" r:id="rId36"/>
+    <p:sldId id="298" r:id="rId37"/>
+    <p:sldId id="289" r:id="rId38"/>
+    <p:sldId id="290" r:id="rId39"/>
+    <p:sldId id="291" r:id="rId40"/>
+    <p:sldId id="292" r:id="rId41"/>
+    <p:sldId id="293" r:id="rId42"/>
+    <p:sldId id="294" r:id="rId43"/>
+    <p:sldId id="297" r:id="rId44"/>
+    <p:sldId id="295" r:id="rId46"/>
+    <p:sldId id="299" r:id="rId47"/>
+    <p:sldId id="308" r:id="rId48"/>
+    <p:sldId id="305" r:id="rId49"/>
+    <p:sldId id="301" r:id="rId50"/>
+    <p:sldId id="302" r:id="rId51"/>
+    <p:sldId id="300" r:id="rId52"/>
+    <p:sldId id="303" r:id="rId53"/>
+    <p:sldId id="304" r:id="rId54"/>
+    <p:sldId id="306" r:id="rId55"/>
+    <p:sldId id="309" r:id="rId56"/>
+    <p:sldId id="310" r:id="rId57"/>
+    <p:sldId id="311" r:id="rId58"/>
+    <p:sldId id="313" r:id="rId59"/>
+    <p:sldId id="296" r:id="rId60"/>
+    <p:sldId id="312" r:id="rId61"/>
+    <p:sldId id="314" r:id="rId62"/>
+    <p:sldId id="316" r:id="rId63"/>
+    <p:sldId id="315" r:id="rId64"/>
   </p:sldIdLst>
   <p:sldSz cx="12192000" cy="6858000"/>
   <p:notesSz cx="6858000" cy="9144000"/>
@@ -164,12 +167,794 @@
       </a:defRPr>
     </a:lvl9pPr>
   </p:defaultTextStyle>
-  <p:extLst>
-    <p:ext uri="{EFAFB233-063F-42B5-8137-9DF3F51BA10A}">
-      <p15:sldGuideLst xmlns:p15="http://schemas.microsoft.com/office/powerpoint/2012/main"/>
-    </p:ext>
-  </p:extLst>
 </p:presentation>
+</file>
+
+<file path=ppt/notesMasters/notesMaster1.xml><?xml version="1.0" encoding="utf-8"?>
+<p:notesMaster xmlns:a="http://schemas.openxmlformats.org/drawingml/2006/main" xmlns:r="http://schemas.openxmlformats.org/officeDocument/2006/relationships" xmlns:p="http://schemas.openxmlformats.org/presentationml/2006/main">
+  <p:cSld>
+    <p:bg>
+      <p:bgRef idx="1001">
+        <a:schemeClr val="bg1"/>
+      </p:bgRef>
+    </p:bg>
+    <p:spTree>
+      <p:nvGrpSpPr>
+        <p:cNvPr id="1" name=""/>
+        <p:cNvGrpSpPr/>
+        <p:nvPr/>
+      </p:nvGrpSpPr>
+      <p:grpSpPr>
+        <a:xfrm>
+          <a:off x="0" y="0"/>
+          <a:ext cx="0" cy="0"/>
+          <a:chOff x="0" y="0"/>
+          <a:chExt cx="0" cy="0"/>
+        </a:xfrm>
+      </p:grpSpPr>
+      <p:sp>
+        <p:nvSpPr>
+          <p:cNvPr id="2" name="頁首版面配置區 1"/>
+          <p:cNvSpPr>
+            <a:spLocks noGrp="1"/>
+          </p:cNvSpPr>
+          <p:nvPr>
+            <p:ph type="hdr" sz="quarter"/>
+          </p:nvPr>
+        </p:nvSpPr>
+        <p:spPr>
+          <a:xfrm>
+            <a:off x="0" y="0"/>
+            <a:ext cx="2971800" cy="458788"/>
+          </a:xfrm>
+          <a:prstGeom prst="rect">
+            <a:avLst/>
+          </a:prstGeom>
+        </p:spPr>
+        <p:txBody>
+          <a:bodyPr vert="horz" lIns="91440" tIns="45720" rIns="91440" bIns="45720" rtlCol="0"/>
+          <a:lstStyle>
+            <a:lvl1pPr algn="l">
+              <a:defRPr sz="1200"/>
+            </a:lvl1pPr>
+          </a:lstStyle>
+          <a:p>
+            <a:endParaRPr lang="zh-TW" altLang="en-US"/>
+          </a:p>
+        </p:txBody>
+      </p:sp>
+      <p:sp>
+        <p:nvSpPr>
+          <p:cNvPr id="3" name="日期版面配置區 2"/>
+          <p:cNvSpPr>
+            <a:spLocks noGrp="1"/>
+          </p:cNvSpPr>
+          <p:nvPr>
+            <p:ph type="dt" idx="1"/>
+          </p:nvPr>
+        </p:nvSpPr>
+        <p:spPr>
+          <a:xfrm>
+            <a:off x="3884613" y="0"/>
+            <a:ext cx="2971800" cy="458788"/>
+          </a:xfrm>
+          <a:prstGeom prst="rect">
+            <a:avLst/>
+          </a:prstGeom>
+        </p:spPr>
+        <p:txBody>
+          <a:bodyPr vert="horz" lIns="91440" tIns="45720" rIns="91440" bIns="45720" rtlCol="0"/>
+          <a:lstStyle>
+            <a:lvl1pPr algn="r">
+              <a:defRPr sz="1200"/>
+            </a:lvl1pPr>
+          </a:lstStyle>
+          <a:p>
+            <a:fld id="{23B6967E-542D-46BB-99C2-28920E914199}" type="datetimeFigureOut">
+              <a:rPr lang="zh-TW" altLang="en-US" smtClean="0"/>
+            </a:fld>
+            <a:endParaRPr lang="zh-TW" altLang="en-US"/>
+          </a:p>
+        </p:txBody>
+      </p:sp>
+      <p:sp>
+        <p:nvSpPr>
+          <p:cNvPr id="4" name="投影片圖像版面配置區 3"/>
+          <p:cNvSpPr>
+            <a:spLocks noGrp="1" noRot="1" noChangeAspect="1"/>
+          </p:cNvSpPr>
+          <p:nvPr>
+            <p:ph type="sldImg" idx="2"/>
+          </p:nvPr>
+        </p:nvSpPr>
+        <p:spPr>
+          <a:xfrm>
+            <a:off x="685800" y="1143000"/>
+            <a:ext cx="5486400" cy="3086100"/>
+          </a:xfrm>
+          <a:prstGeom prst="rect">
+            <a:avLst/>
+          </a:prstGeom>
+          <a:noFill/>
+          <a:ln w="12700">
+            <a:solidFill>
+              <a:prstClr val="black"/>
+            </a:solidFill>
+          </a:ln>
+        </p:spPr>
+        <p:txBody>
+          <a:bodyPr vert="horz" lIns="91440" tIns="45720" rIns="91440" bIns="45720" rtlCol="0" anchor="ctr"/>
+          <a:lstStyle/>
+          <a:p>
+            <a:endParaRPr lang="zh-TW" altLang="en-US"/>
+          </a:p>
+        </p:txBody>
+      </p:sp>
+      <p:sp>
+        <p:nvSpPr>
+          <p:cNvPr id="5" name="備忘稿版面配置區 4"/>
+          <p:cNvSpPr>
+            <a:spLocks noGrp="1"/>
+          </p:cNvSpPr>
+          <p:nvPr>
+            <p:ph type="body" sz="quarter" idx="3"/>
+          </p:nvPr>
+        </p:nvSpPr>
+        <p:spPr>
+          <a:xfrm>
+            <a:off x="685800" y="4400550"/>
+            <a:ext cx="5486400" cy="3600450"/>
+          </a:xfrm>
+          <a:prstGeom prst="rect">
+            <a:avLst/>
+          </a:prstGeom>
+        </p:spPr>
+        <p:txBody>
+          <a:bodyPr vert="horz" lIns="91440" tIns="45720" rIns="91440" bIns="45720" rtlCol="0"/>
+          <a:lstStyle/>
+          <a:p>
+            <a:pPr lvl="0"/>
+            <a:r>
+              <a:rPr lang="zh-TW" altLang="en-US" smtClean="0"/>
+              <a:t>按一下以編輯母片文字樣式</a:t>
+            </a:r>
+            <a:endParaRPr lang="zh-TW" altLang="en-US" smtClean="0"/>
+          </a:p>
+          <a:p>
+            <a:pPr lvl="1"/>
+            <a:r>
+              <a:rPr lang="zh-TW" altLang="en-US" smtClean="0"/>
+              <a:t>第二層</a:t>
+            </a:r>
+            <a:endParaRPr lang="zh-TW" altLang="en-US" smtClean="0"/>
+          </a:p>
+          <a:p>
+            <a:pPr lvl="2"/>
+            <a:r>
+              <a:rPr lang="zh-TW" altLang="en-US" smtClean="0"/>
+              <a:t>第三層</a:t>
+            </a:r>
+            <a:endParaRPr lang="zh-TW" altLang="en-US" smtClean="0"/>
+          </a:p>
+          <a:p>
+            <a:pPr lvl="3"/>
+            <a:r>
+              <a:rPr lang="zh-TW" altLang="en-US" smtClean="0"/>
+              <a:t>第四層</a:t>
+            </a:r>
+            <a:endParaRPr lang="zh-TW" altLang="en-US" smtClean="0"/>
+          </a:p>
+          <a:p>
+            <a:pPr lvl="4"/>
+            <a:r>
+              <a:rPr lang="zh-TW" altLang="en-US" smtClean="0"/>
+              <a:t>第五層</a:t>
+            </a:r>
+            <a:endParaRPr lang="zh-TW" altLang="en-US"/>
+          </a:p>
+        </p:txBody>
+      </p:sp>
+      <p:sp>
+        <p:nvSpPr>
+          <p:cNvPr id="6" name="頁尾版面配置區 5"/>
+          <p:cNvSpPr>
+            <a:spLocks noGrp="1"/>
+          </p:cNvSpPr>
+          <p:nvPr>
+            <p:ph type="ftr" sz="quarter" idx="4"/>
+          </p:nvPr>
+        </p:nvSpPr>
+        <p:spPr>
+          <a:xfrm>
+            <a:off x="0" y="8685213"/>
+            <a:ext cx="2971800" cy="458787"/>
+          </a:xfrm>
+          <a:prstGeom prst="rect">
+            <a:avLst/>
+          </a:prstGeom>
+        </p:spPr>
+        <p:txBody>
+          <a:bodyPr vert="horz" lIns="91440" tIns="45720" rIns="91440" bIns="45720" rtlCol="0" anchor="b"/>
+          <a:lstStyle>
+            <a:lvl1pPr algn="l">
+              <a:defRPr sz="1200"/>
+            </a:lvl1pPr>
+          </a:lstStyle>
+          <a:p>
+            <a:endParaRPr lang="zh-TW" altLang="en-US"/>
+          </a:p>
+        </p:txBody>
+      </p:sp>
+      <p:sp>
+        <p:nvSpPr>
+          <p:cNvPr id="7" name="投影片編號版面配置區 6"/>
+          <p:cNvSpPr>
+            <a:spLocks noGrp="1"/>
+          </p:cNvSpPr>
+          <p:nvPr>
+            <p:ph type="sldNum" sz="quarter" idx="5"/>
+          </p:nvPr>
+        </p:nvSpPr>
+        <p:spPr>
+          <a:xfrm>
+            <a:off x="3884613" y="8685213"/>
+            <a:ext cx="2971800" cy="458787"/>
+          </a:xfrm>
+          <a:prstGeom prst="rect">
+            <a:avLst/>
+          </a:prstGeom>
+        </p:spPr>
+        <p:txBody>
+          <a:bodyPr vert="horz" lIns="91440" tIns="45720" rIns="91440" bIns="45720" rtlCol="0" anchor="b"/>
+          <a:lstStyle>
+            <a:lvl1pPr algn="r">
+              <a:defRPr sz="1200"/>
+            </a:lvl1pPr>
+          </a:lstStyle>
+          <a:p>
+            <a:fld id="{30937628-B820-42EF-A241-CE9D2C9CD08B}" type="slidenum">
+              <a:rPr lang="zh-TW" altLang="en-US" smtClean="0"/>
+            </a:fld>
+            <a:endParaRPr lang="zh-TW" altLang="en-US"/>
+          </a:p>
+        </p:txBody>
+      </p:sp>
+    </p:spTree>
+  </p:cSld>
+  <p:clrMap bg1="lt1" tx1="dk1" bg2="lt2" tx2="dk2" accent1="accent1" accent2="accent2" accent3="accent3" accent4="accent4" accent5="accent5" accent6="accent6" hlink="hlink" folHlink="folHlink"/>
+  <p:notesStyle>
+    <a:lvl1pPr marL="0" algn="l" defTabSz="914400" rtl="0" eaLnBrk="1" latinLnBrk="0" hangingPunct="1">
+      <a:defRPr sz="1200" kern="1200">
+        <a:solidFill>
+          <a:schemeClr val="tx1"/>
+        </a:solidFill>
+        <a:latin typeface="+mn-lt"/>
+        <a:ea typeface="+mn-ea"/>
+        <a:cs typeface="+mn-cs"/>
+      </a:defRPr>
+    </a:lvl1pPr>
+    <a:lvl2pPr marL="457200" algn="l" defTabSz="914400" rtl="0" eaLnBrk="1" latinLnBrk="0" hangingPunct="1">
+      <a:defRPr sz="1200" kern="1200">
+        <a:solidFill>
+          <a:schemeClr val="tx1"/>
+        </a:solidFill>
+        <a:latin typeface="+mn-lt"/>
+        <a:ea typeface="+mn-ea"/>
+        <a:cs typeface="+mn-cs"/>
+      </a:defRPr>
+    </a:lvl2pPr>
+    <a:lvl3pPr marL="914400" algn="l" defTabSz="914400" rtl="0" eaLnBrk="1" latinLnBrk="0" hangingPunct="1">
+      <a:defRPr sz="1200" kern="1200">
+        <a:solidFill>
+          <a:schemeClr val="tx1"/>
+        </a:solidFill>
+        <a:latin typeface="+mn-lt"/>
+        <a:ea typeface="+mn-ea"/>
+        <a:cs typeface="+mn-cs"/>
+      </a:defRPr>
+    </a:lvl3pPr>
+    <a:lvl4pPr marL="1371600" algn="l" defTabSz="914400" rtl="0" eaLnBrk="1" latinLnBrk="0" hangingPunct="1">
+      <a:defRPr sz="1200" kern="1200">
+        <a:solidFill>
+          <a:schemeClr val="tx1"/>
+        </a:solidFill>
+        <a:latin typeface="+mn-lt"/>
+        <a:ea typeface="+mn-ea"/>
+        <a:cs typeface="+mn-cs"/>
+      </a:defRPr>
+    </a:lvl4pPr>
+    <a:lvl5pPr marL="1828800" algn="l" defTabSz="914400" rtl="0" eaLnBrk="1" latinLnBrk="0" hangingPunct="1">
+      <a:defRPr sz="1200" kern="1200">
+        <a:solidFill>
+          <a:schemeClr val="tx1"/>
+        </a:solidFill>
+        <a:latin typeface="+mn-lt"/>
+        <a:ea typeface="+mn-ea"/>
+        <a:cs typeface="+mn-cs"/>
+      </a:defRPr>
+    </a:lvl5pPr>
+    <a:lvl6pPr marL="2286000" algn="l" defTabSz="914400" rtl="0" eaLnBrk="1" latinLnBrk="0" hangingPunct="1">
+      <a:defRPr sz="1200" kern="1200">
+        <a:solidFill>
+          <a:schemeClr val="tx1"/>
+        </a:solidFill>
+        <a:latin typeface="+mn-lt"/>
+        <a:ea typeface="+mn-ea"/>
+        <a:cs typeface="+mn-cs"/>
+      </a:defRPr>
+    </a:lvl6pPr>
+    <a:lvl7pPr marL="2743200" algn="l" defTabSz="914400" rtl="0" eaLnBrk="1" latinLnBrk="0" hangingPunct="1">
+      <a:defRPr sz="1200" kern="1200">
+        <a:solidFill>
+          <a:schemeClr val="tx1"/>
+        </a:solidFill>
+        <a:latin typeface="+mn-lt"/>
+        <a:ea typeface="+mn-ea"/>
+        <a:cs typeface="+mn-cs"/>
+      </a:defRPr>
+    </a:lvl7pPr>
+    <a:lvl8pPr marL="3200400" algn="l" defTabSz="914400" rtl="0" eaLnBrk="1" latinLnBrk="0" hangingPunct="1">
+      <a:defRPr sz="1200" kern="1200">
+        <a:solidFill>
+          <a:schemeClr val="tx1"/>
+        </a:solidFill>
+        <a:latin typeface="+mn-lt"/>
+        <a:ea typeface="+mn-ea"/>
+        <a:cs typeface="+mn-cs"/>
+      </a:defRPr>
+    </a:lvl8pPr>
+    <a:lvl9pPr marL="3657600" algn="l" defTabSz="914400" rtl="0" eaLnBrk="1" latinLnBrk="0" hangingPunct="1">
+      <a:defRPr sz="1200" kern="1200">
+        <a:solidFill>
+          <a:schemeClr val="tx1"/>
+        </a:solidFill>
+        <a:latin typeface="+mn-lt"/>
+        <a:ea typeface="+mn-ea"/>
+        <a:cs typeface="+mn-cs"/>
+      </a:defRPr>
+    </a:lvl9pPr>
+  </p:notesStyle>
+</p:notesMaster>
+</file>
+
+<file path=ppt/notesSlides/notesSlide1.xml><?xml version="1.0" encoding="utf-8"?>
+<p:notes xmlns:a="http://schemas.openxmlformats.org/drawingml/2006/main" xmlns:r="http://schemas.openxmlformats.org/officeDocument/2006/relationships" xmlns:p="http://schemas.openxmlformats.org/presentationml/2006/main">
+  <p:cSld>
+    <p:spTree>
+      <p:nvGrpSpPr>
+        <p:cNvPr id="1" name=""/>
+        <p:cNvGrpSpPr/>
+        <p:nvPr/>
+      </p:nvGrpSpPr>
+      <p:grpSpPr/>
+      <p:sp>
+        <p:nvSpPr>
+          <p:cNvPr id="2" name="投影片圖像版面配置區 1"/>
+          <p:cNvSpPr/>
+          <p:nvPr>
+            <p:ph type="sldImg" idx="2"/>
+          </p:nvPr>
+        </p:nvSpPr>
+        <p:spPr/>
+      </p:sp>
+      <p:sp>
+        <p:nvSpPr>
+          <p:cNvPr id="3" name="文字版面配置區 2"/>
+          <p:cNvSpPr/>
+          <p:nvPr>
+            <p:ph type="body" idx="3"/>
+          </p:nvPr>
+        </p:nvSpPr>
+        <p:spPr/>
+        <p:txBody>
+          <a:bodyPr/>
+          <a:p>
+            <a:endParaRPr lang="zh-TW" altLang="en-US"/>
+          </a:p>
+        </p:txBody>
+      </p:sp>
+    </p:spTree>
+  </p:cSld>
+  <p:clrMapOvr>
+    <a:masterClrMapping/>
+  </p:clrMapOvr>
+</p:notes>
+</file>
+
+<file path=ppt/notesSlides/notesSlide10.xml><?xml version="1.0" encoding="utf-8"?>
+<p:notes xmlns:a="http://schemas.openxmlformats.org/drawingml/2006/main" xmlns:r="http://schemas.openxmlformats.org/officeDocument/2006/relationships" xmlns:p="http://schemas.openxmlformats.org/presentationml/2006/main">
+  <p:cSld>
+    <p:spTree>
+      <p:nvGrpSpPr>
+        <p:cNvPr id="1" name=""/>
+        <p:cNvGrpSpPr/>
+        <p:nvPr/>
+      </p:nvGrpSpPr>
+      <p:grpSpPr/>
+      <p:sp>
+        <p:nvSpPr>
+          <p:cNvPr id="2" name="投影片圖像版面配置區 1"/>
+          <p:cNvSpPr/>
+          <p:nvPr>
+            <p:ph type="sldImg" idx="2"/>
+          </p:nvPr>
+        </p:nvSpPr>
+        <p:spPr/>
+      </p:sp>
+      <p:sp>
+        <p:nvSpPr>
+          <p:cNvPr id="3" name="文字版面配置區 2"/>
+          <p:cNvSpPr/>
+          <p:nvPr>
+            <p:ph type="body" idx="3"/>
+          </p:nvPr>
+        </p:nvSpPr>
+        <p:spPr/>
+        <p:txBody>
+          <a:bodyPr/>
+          <a:p>
+            <a:endParaRPr lang="zh-TW" altLang="en-US"/>
+          </a:p>
+        </p:txBody>
+      </p:sp>
+    </p:spTree>
+  </p:cSld>
+  <p:clrMapOvr>
+    <a:masterClrMapping/>
+  </p:clrMapOvr>
+</p:notes>
+</file>
+
+<file path=ppt/notesSlides/notesSlide2.xml><?xml version="1.0" encoding="utf-8"?>
+<p:notes xmlns:a="http://schemas.openxmlformats.org/drawingml/2006/main" xmlns:r="http://schemas.openxmlformats.org/officeDocument/2006/relationships" xmlns:p="http://schemas.openxmlformats.org/presentationml/2006/main">
+  <p:cSld>
+    <p:spTree>
+      <p:nvGrpSpPr>
+        <p:cNvPr id="1" name=""/>
+        <p:cNvGrpSpPr/>
+        <p:nvPr/>
+      </p:nvGrpSpPr>
+      <p:grpSpPr/>
+      <p:sp>
+        <p:nvSpPr>
+          <p:cNvPr id="2" name="投影片圖像版面配置區 1"/>
+          <p:cNvSpPr/>
+          <p:nvPr>
+            <p:ph type="sldImg" idx="2"/>
+          </p:nvPr>
+        </p:nvSpPr>
+        <p:spPr/>
+      </p:sp>
+      <p:sp>
+        <p:nvSpPr>
+          <p:cNvPr id="3" name="文字版面配置區 2"/>
+          <p:cNvSpPr/>
+          <p:nvPr>
+            <p:ph type="body" idx="3"/>
+          </p:nvPr>
+        </p:nvSpPr>
+        <p:spPr/>
+        <p:txBody>
+          <a:bodyPr/>
+          <a:p>
+            <a:endParaRPr lang="zh-TW" altLang="en-US"/>
+          </a:p>
+        </p:txBody>
+      </p:sp>
+    </p:spTree>
+  </p:cSld>
+  <p:clrMapOvr>
+    <a:masterClrMapping/>
+  </p:clrMapOvr>
+</p:notes>
+</file>
+
+<file path=ppt/notesSlides/notesSlide3.xml><?xml version="1.0" encoding="utf-8"?>
+<p:notes xmlns:a="http://schemas.openxmlformats.org/drawingml/2006/main" xmlns:r="http://schemas.openxmlformats.org/officeDocument/2006/relationships" xmlns:p="http://schemas.openxmlformats.org/presentationml/2006/main">
+  <p:cSld>
+    <p:spTree>
+      <p:nvGrpSpPr>
+        <p:cNvPr id="1" name=""/>
+        <p:cNvGrpSpPr/>
+        <p:nvPr/>
+      </p:nvGrpSpPr>
+      <p:grpSpPr/>
+      <p:sp>
+        <p:nvSpPr>
+          <p:cNvPr id="2" name="投影片圖像版面配置區 1"/>
+          <p:cNvSpPr/>
+          <p:nvPr>
+            <p:ph type="sldImg" idx="2"/>
+          </p:nvPr>
+        </p:nvSpPr>
+        <p:spPr/>
+      </p:sp>
+      <p:sp>
+        <p:nvSpPr>
+          <p:cNvPr id="3" name="文字版面配置區 2"/>
+          <p:cNvSpPr/>
+          <p:nvPr>
+            <p:ph type="body" idx="3"/>
+          </p:nvPr>
+        </p:nvSpPr>
+        <p:spPr/>
+        <p:txBody>
+          <a:bodyPr/>
+          <a:p>
+            <a:endParaRPr lang="zh-TW" altLang="en-US"/>
+          </a:p>
+        </p:txBody>
+      </p:sp>
+    </p:spTree>
+  </p:cSld>
+  <p:clrMapOvr>
+    <a:masterClrMapping/>
+  </p:clrMapOvr>
+</p:notes>
+</file>
+
+<file path=ppt/notesSlides/notesSlide4.xml><?xml version="1.0" encoding="utf-8"?>
+<p:notes xmlns:a="http://schemas.openxmlformats.org/drawingml/2006/main" xmlns:r="http://schemas.openxmlformats.org/officeDocument/2006/relationships" xmlns:p="http://schemas.openxmlformats.org/presentationml/2006/main">
+  <p:cSld>
+    <p:spTree>
+      <p:nvGrpSpPr>
+        <p:cNvPr id="1" name=""/>
+        <p:cNvGrpSpPr/>
+        <p:nvPr/>
+      </p:nvGrpSpPr>
+      <p:grpSpPr/>
+      <p:sp>
+        <p:nvSpPr>
+          <p:cNvPr id="2" name="投影片圖像版面配置區 1"/>
+          <p:cNvSpPr/>
+          <p:nvPr>
+            <p:ph type="sldImg" idx="2"/>
+          </p:nvPr>
+        </p:nvSpPr>
+        <p:spPr/>
+      </p:sp>
+      <p:sp>
+        <p:nvSpPr>
+          <p:cNvPr id="3" name="文字版面配置區 2"/>
+          <p:cNvSpPr/>
+          <p:nvPr>
+            <p:ph type="body" idx="3"/>
+          </p:nvPr>
+        </p:nvSpPr>
+        <p:spPr/>
+        <p:txBody>
+          <a:bodyPr/>
+          <a:p>
+            <a:endParaRPr lang="zh-TW" altLang="en-US"/>
+          </a:p>
+        </p:txBody>
+      </p:sp>
+    </p:spTree>
+  </p:cSld>
+  <p:clrMapOvr>
+    <a:masterClrMapping/>
+  </p:clrMapOvr>
+</p:notes>
+</file>
+
+<file path=ppt/notesSlides/notesSlide5.xml><?xml version="1.0" encoding="utf-8"?>
+<p:notes xmlns:a="http://schemas.openxmlformats.org/drawingml/2006/main" xmlns:r="http://schemas.openxmlformats.org/officeDocument/2006/relationships" xmlns:p="http://schemas.openxmlformats.org/presentationml/2006/main">
+  <p:cSld>
+    <p:spTree>
+      <p:nvGrpSpPr>
+        <p:cNvPr id="1" name=""/>
+        <p:cNvGrpSpPr/>
+        <p:nvPr/>
+      </p:nvGrpSpPr>
+      <p:grpSpPr/>
+      <p:sp>
+        <p:nvSpPr>
+          <p:cNvPr id="2" name="投影片圖像版面配置區 1"/>
+          <p:cNvSpPr/>
+          <p:nvPr>
+            <p:ph type="sldImg" idx="2"/>
+          </p:nvPr>
+        </p:nvSpPr>
+        <p:spPr/>
+      </p:sp>
+      <p:sp>
+        <p:nvSpPr>
+          <p:cNvPr id="3" name="文字版面配置區 2"/>
+          <p:cNvSpPr/>
+          <p:nvPr>
+            <p:ph type="body" idx="3"/>
+          </p:nvPr>
+        </p:nvSpPr>
+        <p:spPr/>
+        <p:txBody>
+          <a:bodyPr/>
+          <a:p>
+            <a:endParaRPr lang="zh-TW" altLang="en-US"/>
+          </a:p>
+        </p:txBody>
+      </p:sp>
+    </p:spTree>
+  </p:cSld>
+  <p:clrMapOvr>
+    <a:masterClrMapping/>
+  </p:clrMapOvr>
+</p:notes>
+</file>
+
+<file path=ppt/notesSlides/notesSlide6.xml><?xml version="1.0" encoding="utf-8"?>
+<p:notes xmlns:a="http://schemas.openxmlformats.org/drawingml/2006/main" xmlns:r="http://schemas.openxmlformats.org/officeDocument/2006/relationships" xmlns:p="http://schemas.openxmlformats.org/presentationml/2006/main">
+  <p:cSld>
+    <p:spTree>
+      <p:nvGrpSpPr>
+        <p:cNvPr id="1" name=""/>
+        <p:cNvGrpSpPr/>
+        <p:nvPr/>
+      </p:nvGrpSpPr>
+      <p:grpSpPr/>
+      <p:sp>
+        <p:nvSpPr>
+          <p:cNvPr id="2" name="投影片圖像版面配置區 1"/>
+          <p:cNvSpPr/>
+          <p:nvPr>
+            <p:ph type="sldImg" idx="2"/>
+          </p:nvPr>
+        </p:nvSpPr>
+        <p:spPr/>
+      </p:sp>
+      <p:sp>
+        <p:nvSpPr>
+          <p:cNvPr id="3" name="文字版面配置區 2"/>
+          <p:cNvSpPr/>
+          <p:nvPr>
+            <p:ph type="body" idx="3"/>
+          </p:nvPr>
+        </p:nvSpPr>
+        <p:spPr/>
+        <p:txBody>
+          <a:bodyPr/>
+          <a:p>
+            <a:endParaRPr lang="zh-TW" altLang="en-US"/>
+          </a:p>
+        </p:txBody>
+      </p:sp>
+    </p:spTree>
+  </p:cSld>
+  <p:clrMapOvr>
+    <a:masterClrMapping/>
+  </p:clrMapOvr>
+</p:notes>
+</file>
+
+<file path=ppt/notesSlides/notesSlide7.xml><?xml version="1.0" encoding="utf-8"?>
+<p:notes xmlns:a="http://schemas.openxmlformats.org/drawingml/2006/main" xmlns:r="http://schemas.openxmlformats.org/officeDocument/2006/relationships" xmlns:p="http://schemas.openxmlformats.org/presentationml/2006/main">
+  <p:cSld>
+    <p:spTree>
+      <p:nvGrpSpPr>
+        <p:cNvPr id="1" name=""/>
+        <p:cNvGrpSpPr/>
+        <p:nvPr/>
+      </p:nvGrpSpPr>
+      <p:grpSpPr/>
+      <p:sp>
+        <p:nvSpPr>
+          <p:cNvPr id="2" name="投影片圖像版面配置區 1"/>
+          <p:cNvSpPr/>
+          <p:nvPr>
+            <p:ph type="sldImg" idx="2"/>
+          </p:nvPr>
+        </p:nvSpPr>
+        <p:spPr/>
+      </p:sp>
+      <p:sp>
+        <p:nvSpPr>
+          <p:cNvPr id="3" name="文字版面配置區 2"/>
+          <p:cNvSpPr/>
+          <p:nvPr>
+            <p:ph type="body" idx="3"/>
+          </p:nvPr>
+        </p:nvSpPr>
+        <p:spPr/>
+        <p:txBody>
+          <a:bodyPr/>
+          <a:p>
+            <a:endParaRPr lang="zh-TW" altLang="en-US"/>
+          </a:p>
+        </p:txBody>
+      </p:sp>
+    </p:spTree>
+  </p:cSld>
+  <p:clrMapOvr>
+    <a:masterClrMapping/>
+  </p:clrMapOvr>
+</p:notes>
+</file>
+
+<file path=ppt/notesSlides/notesSlide8.xml><?xml version="1.0" encoding="utf-8"?>
+<p:notes xmlns:a="http://schemas.openxmlformats.org/drawingml/2006/main" xmlns:r="http://schemas.openxmlformats.org/officeDocument/2006/relationships" xmlns:p="http://schemas.openxmlformats.org/presentationml/2006/main">
+  <p:cSld>
+    <p:spTree>
+      <p:nvGrpSpPr>
+        <p:cNvPr id="1" name=""/>
+        <p:cNvGrpSpPr/>
+        <p:nvPr/>
+      </p:nvGrpSpPr>
+      <p:grpSpPr/>
+      <p:sp>
+        <p:nvSpPr>
+          <p:cNvPr id="2" name="投影片圖像版面配置區 1"/>
+          <p:cNvSpPr/>
+          <p:nvPr>
+            <p:ph type="sldImg" idx="2"/>
+          </p:nvPr>
+        </p:nvSpPr>
+        <p:spPr/>
+      </p:sp>
+      <p:sp>
+        <p:nvSpPr>
+          <p:cNvPr id="3" name="文字版面配置區 2"/>
+          <p:cNvSpPr/>
+          <p:nvPr>
+            <p:ph type="body" idx="3"/>
+          </p:nvPr>
+        </p:nvSpPr>
+        <p:spPr/>
+        <p:txBody>
+          <a:bodyPr/>
+          <a:p>
+            <a:endParaRPr lang="zh-TW" altLang="en-US"/>
+          </a:p>
+        </p:txBody>
+      </p:sp>
+    </p:spTree>
+  </p:cSld>
+  <p:clrMapOvr>
+    <a:masterClrMapping/>
+  </p:clrMapOvr>
+</p:notes>
+</file>
+
+<file path=ppt/notesSlides/notesSlide9.xml><?xml version="1.0" encoding="utf-8"?>
+<p:notes xmlns:a="http://schemas.openxmlformats.org/drawingml/2006/main" xmlns:r="http://schemas.openxmlformats.org/officeDocument/2006/relationships" xmlns:p="http://schemas.openxmlformats.org/presentationml/2006/main">
+  <p:cSld>
+    <p:spTree>
+      <p:nvGrpSpPr>
+        <p:cNvPr id="1" name=""/>
+        <p:cNvGrpSpPr/>
+        <p:nvPr/>
+      </p:nvGrpSpPr>
+      <p:grpSpPr/>
+      <p:sp>
+        <p:nvSpPr>
+          <p:cNvPr id="2" name="投影片圖像版面配置區 1"/>
+          <p:cNvSpPr/>
+          <p:nvPr>
+            <p:ph type="sldImg" idx="2"/>
+          </p:nvPr>
+        </p:nvSpPr>
+        <p:spPr/>
+      </p:sp>
+      <p:sp>
+        <p:nvSpPr>
+          <p:cNvPr id="3" name="文字版面配置區 2"/>
+          <p:cNvSpPr/>
+          <p:nvPr>
+            <p:ph type="body" idx="3"/>
+          </p:nvPr>
+        </p:nvSpPr>
+        <p:spPr/>
+        <p:txBody>
+          <a:bodyPr/>
+          <a:p>
+            <a:endParaRPr lang="zh-TW" altLang="en-US"/>
+          </a:p>
+        </p:txBody>
+      </p:sp>
+    </p:spTree>
+  </p:cSld>
+  <p:clrMapOvr>
+    <a:masterClrMapping/>
+  </p:clrMapOvr>
+</p:notes>
 </file>
 
 <file path=ppt/slideLayouts/slideLayout1.xml><?xml version="1.0" encoding="utf-8"?>
@@ -217,6 +1002,7 @@
               <a:rPr lang="zh-TW" altLang="en-US"/>
               <a:t>按一下以編輯母片標題樣式</a:t>
             </a:r>
+            <a:endParaRPr lang="zh-TW" altLang="en-US"/>
           </a:p>
         </p:txBody>
       </p:sp>
@@ -281,6 +1067,7 @@
               <a:rPr lang="zh-TW" altLang="en-US"/>
               <a:t>按一下以編輯母片副標題樣式</a:t>
             </a:r>
+            <a:endParaRPr lang="zh-TW" altLang="en-US"/>
           </a:p>
         </p:txBody>
       </p:sp>
@@ -301,7 +1088,6 @@
           <a:p>
             <a:fld id="{952160C1-7EC0-47F7-AD8A-DCC1B5F0EDED}" type="datetimeFigureOut">
               <a:rPr lang="zh-TW" altLang="en-US" smtClean="0"/>
-              <a:t>2020/4/15</a:t>
             </a:fld>
             <a:endParaRPr lang="zh-TW" altLang="en-US"/>
           </a:p>
@@ -343,18 +1129,12 @@
           <a:p>
             <a:fld id="{BF064D7B-8131-4AD9-91AB-770274F13257}" type="slidenum">
               <a:rPr lang="zh-TW" altLang="en-US" smtClean="0"/>
-              <a:t>‹#›</a:t>
             </a:fld>
             <a:endParaRPr lang="zh-TW" altLang="en-US"/>
           </a:p>
         </p:txBody>
       </p:sp>
     </p:spTree>
-    <p:extLst>
-      <p:ext uri="{BB962C8B-B14F-4D97-AF65-F5344CB8AC3E}">
-        <p14:creationId xmlns:p14="http://schemas.microsoft.com/office/powerpoint/2010/main" val="3696428552"/>
-      </p:ext>
-    </p:extLst>
   </p:cSld>
   <p:clrMapOvr>
     <a:masterClrMapping/>
@@ -398,6 +1178,7 @@
               <a:rPr lang="zh-TW" altLang="en-US"/>
               <a:t>按一下以編輯母片標題樣式</a:t>
             </a:r>
+            <a:endParaRPr lang="zh-TW" altLang="en-US"/>
           </a:p>
         </p:txBody>
       </p:sp>
@@ -421,6 +1202,7 @@
               <a:rPr lang="zh-TW" altLang="en-US"/>
               <a:t>按一下以編輯母片文字樣式</a:t>
             </a:r>
+            <a:endParaRPr lang="zh-TW" altLang="en-US"/>
           </a:p>
           <a:p>
             <a:pPr lvl="1"/>
@@ -428,6 +1210,7 @@
               <a:rPr lang="zh-TW" altLang="en-US"/>
               <a:t>第二層</a:t>
             </a:r>
+            <a:endParaRPr lang="zh-TW" altLang="en-US"/>
           </a:p>
           <a:p>
             <a:pPr lvl="2"/>
@@ -435,6 +1218,7 @@
               <a:rPr lang="zh-TW" altLang="en-US"/>
               <a:t>第三層</a:t>
             </a:r>
+            <a:endParaRPr lang="zh-TW" altLang="en-US"/>
           </a:p>
           <a:p>
             <a:pPr lvl="3"/>
@@ -442,6 +1226,7 @@
               <a:rPr lang="zh-TW" altLang="en-US"/>
               <a:t>第四層</a:t>
             </a:r>
+            <a:endParaRPr lang="zh-TW" altLang="en-US"/>
           </a:p>
           <a:p>
             <a:pPr lvl="4"/>
@@ -449,6 +1234,7 @@
               <a:rPr lang="zh-TW" altLang="en-US"/>
               <a:t>第五層</a:t>
             </a:r>
+            <a:endParaRPr lang="zh-TW" altLang="en-US"/>
           </a:p>
         </p:txBody>
       </p:sp>
@@ -469,7 +1255,6 @@
           <a:p>
             <a:fld id="{952160C1-7EC0-47F7-AD8A-DCC1B5F0EDED}" type="datetimeFigureOut">
               <a:rPr lang="zh-TW" altLang="en-US" smtClean="0"/>
-              <a:t>2020/4/15</a:t>
             </a:fld>
             <a:endParaRPr lang="zh-TW" altLang="en-US"/>
           </a:p>
@@ -511,18 +1296,12 @@
           <a:p>
             <a:fld id="{BF064D7B-8131-4AD9-91AB-770274F13257}" type="slidenum">
               <a:rPr lang="zh-TW" altLang="en-US" smtClean="0"/>
-              <a:t>‹#›</a:t>
             </a:fld>
             <a:endParaRPr lang="zh-TW" altLang="en-US"/>
           </a:p>
         </p:txBody>
       </p:sp>
     </p:spTree>
-    <p:extLst>
-      <p:ext uri="{BB962C8B-B14F-4D97-AF65-F5344CB8AC3E}">
-        <p14:creationId xmlns:p14="http://schemas.microsoft.com/office/powerpoint/2010/main" val="4096701914"/>
-      </p:ext>
-    </p:extLst>
   </p:cSld>
   <p:clrMapOvr>
     <a:masterClrMapping/>
@@ -571,6 +1350,7 @@
               <a:rPr lang="zh-TW" altLang="en-US"/>
               <a:t>按一下以編輯母片標題樣式</a:t>
             </a:r>
+            <a:endParaRPr lang="zh-TW" altLang="en-US"/>
           </a:p>
         </p:txBody>
       </p:sp>
@@ -599,6 +1379,7 @@
               <a:rPr lang="zh-TW" altLang="en-US"/>
               <a:t>按一下以編輯母片文字樣式</a:t>
             </a:r>
+            <a:endParaRPr lang="zh-TW" altLang="en-US"/>
           </a:p>
           <a:p>
             <a:pPr lvl="1"/>
@@ -606,6 +1387,7 @@
               <a:rPr lang="zh-TW" altLang="en-US"/>
               <a:t>第二層</a:t>
             </a:r>
+            <a:endParaRPr lang="zh-TW" altLang="en-US"/>
           </a:p>
           <a:p>
             <a:pPr lvl="2"/>
@@ -613,6 +1395,7 @@
               <a:rPr lang="zh-TW" altLang="en-US"/>
               <a:t>第三層</a:t>
             </a:r>
+            <a:endParaRPr lang="zh-TW" altLang="en-US"/>
           </a:p>
           <a:p>
             <a:pPr lvl="3"/>
@@ -620,6 +1403,7 @@
               <a:rPr lang="zh-TW" altLang="en-US"/>
               <a:t>第四層</a:t>
             </a:r>
+            <a:endParaRPr lang="zh-TW" altLang="en-US"/>
           </a:p>
           <a:p>
             <a:pPr lvl="4"/>
@@ -627,6 +1411,7 @@
               <a:rPr lang="zh-TW" altLang="en-US"/>
               <a:t>第五層</a:t>
             </a:r>
+            <a:endParaRPr lang="zh-TW" altLang="en-US"/>
           </a:p>
         </p:txBody>
       </p:sp>
@@ -647,7 +1432,6 @@
           <a:p>
             <a:fld id="{952160C1-7EC0-47F7-AD8A-DCC1B5F0EDED}" type="datetimeFigureOut">
               <a:rPr lang="zh-TW" altLang="en-US" smtClean="0"/>
-              <a:t>2020/4/15</a:t>
             </a:fld>
             <a:endParaRPr lang="zh-TW" altLang="en-US"/>
           </a:p>
@@ -689,18 +1473,12 @@
           <a:p>
             <a:fld id="{BF064D7B-8131-4AD9-91AB-770274F13257}" type="slidenum">
               <a:rPr lang="zh-TW" altLang="en-US" smtClean="0"/>
-              <a:t>‹#›</a:t>
             </a:fld>
             <a:endParaRPr lang="zh-TW" altLang="en-US"/>
           </a:p>
         </p:txBody>
       </p:sp>
     </p:spTree>
-    <p:extLst>
-      <p:ext uri="{BB962C8B-B14F-4D97-AF65-F5344CB8AC3E}">
-        <p14:creationId xmlns:p14="http://schemas.microsoft.com/office/powerpoint/2010/main" val="3481851736"/>
-      </p:ext>
-    </p:extLst>
   </p:cSld>
   <p:clrMapOvr>
     <a:masterClrMapping/>
@@ -744,6 +1522,7 @@
               <a:rPr lang="zh-TW" altLang="en-US"/>
               <a:t>按一下以編輯母片標題樣式</a:t>
             </a:r>
+            <a:endParaRPr lang="zh-TW" altLang="en-US"/>
           </a:p>
         </p:txBody>
       </p:sp>
@@ -767,6 +1546,7 @@
               <a:rPr lang="zh-TW" altLang="en-US"/>
               <a:t>按一下以編輯母片文字樣式</a:t>
             </a:r>
+            <a:endParaRPr lang="zh-TW" altLang="en-US"/>
           </a:p>
           <a:p>
             <a:pPr lvl="1"/>
@@ -774,6 +1554,7 @@
               <a:rPr lang="zh-TW" altLang="en-US"/>
               <a:t>第二層</a:t>
             </a:r>
+            <a:endParaRPr lang="zh-TW" altLang="en-US"/>
           </a:p>
           <a:p>
             <a:pPr lvl="2"/>
@@ -781,6 +1562,7 @@
               <a:rPr lang="zh-TW" altLang="en-US"/>
               <a:t>第三層</a:t>
             </a:r>
+            <a:endParaRPr lang="zh-TW" altLang="en-US"/>
           </a:p>
           <a:p>
             <a:pPr lvl="3"/>
@@ -788,6 +1570,7 @@
               <a:rPr lang="zh-TW" altLang="en-US"/>
               <a:t>第四層</a:t>
             </a:r>
+            <a:endParaRPr lang="zh-TW" altLang="en-US"/>
           </a:p>
           <a:p>
             <a:pPr lvl="4"/>
@@ -795,6 +1578,7 @@
               <a:rPr lang="zh-TW" altLang="en-US"/>
               <a:t>第五層</a:t>
             </a:r>
+            <a:endParaRPr lang="zh-TW" altLang="en-US"/>
           </a:p>
         </p:txBody>
       </p:sp>
@@ -815,7 +1599,6 @@
           <a:p>
             <a:fld id="{952160C1-7EC0-47F7-AD8A-DCC1B5F0EDED}" type="datetimeFigureOut">
               <a:rPr lang="zh-TW" altLang="en-US" smtClean="0"/>
-              <a:t>2020/4/15</a:t>
             </a:fld>
             <a:endParaRPr lang="zh-TW" altLang="en-US"/>
           </a:p>
@@ -857,18 +1640,12 @@
           <a:p>
             <a:fld id="{BF064D7B-8131-4AD9-91AB-770274F13257}" type="slidenum">
               <a:rPr lang="zh-TW" altLang="en-US" smtClean="0"/>
-              <a:t>‹#›</a:t>
             </a:fld>
             <a:endParaRPr lang="zh-TW" altLang="en-US"/>
           </a:p>
         </p:txBody>
       </p:sp>
     </p:spTree>
-    <p:extLst>
-      <p:ext uri="{BB962C8B-B14F-4D97-AF65-F5344CB8AC3E}">
-        <p14:creationId xmlns:p14="http://schemas.microsoft.com/office/powerpoint/2010/main" val="1954362778"/>
-      </p:ext>
-    </p:extLst>
   </p:cSld>
   <p:clrMapOvr>
     <a:masterClrMapping/>
@@ -921,6 +1698,7 @@
               <a:rPr lang="zh-TW" altLang="en-US"/>
               <a:t>按一下以編輯母片標題樣式</a:t>
             </a:r>
+            <a:endParaRPr lang="zh-TW" altLang="en-US"/>
           </a:p>
         </p:txBody>
       </p:sp>
@@ -1040,6 +1818,7 @@
               <a:rPr lang="zh-TW" altLang="en-US"/>
               <a:t>按一下以編輯母片文字樣式</a:t>
             </a:r>
+            <a:endParaRPr lang="zh-TW" altLang="en-US"/>
           </a:p>
         </p:txBody>
       </p:sp>
@@ -1060,7 +1839,6 @@
           <a:p>
             <a:fld id="{952160C1-7EC0-47F7-AD8A-DCC1B5F0EDED}" type="datetimeFigureOut">
               <a:rPr lang="zh-TW" altLang="en-US" smtClean="0"/>
-              <a:t>2020/4/15</a:t>
             </a:fld>
             <a:endParaRPr lang="zh-TW" altLang="en-US"/>
           </a:p>
@@ -1102,18 +1880,12 @@
           <a:p>
             <a:fld id="{BF064D7B-8131-4AD9-91AB-770274F13257}" type="slidenum">
               <a:rPr lang="zh-TW" altLang="en-US" smtClean="0"/>
-              <a:t>‹#›</a:t>
             </a:fld>
             <a:endParaRPr lang="zh-TW" altLang="en-US"/>
           </a:p>
         </p:txBody>
       </p:sp>
     </p:spTree>
-    <p:extLst>
-      <p:ext uri="{BB962C8B-B14F-4D97-AF65-F5344CB8AC3E}">
-        <p14:creationId xmlns:p14="http://schemas.microsoft.com/office/powerpoint/2010/main" val="2254884941"/>
-      </p:ext>
-    </p:extLst>
   </p:cSld>
   <p:clrMapOvr>
     <a:masterClrMapping/>
@@ -1157,6 +1929,7 @@
               <a:rPr lang="zh-TW" altLang="en-US"/>
               <a:t>按一下以編輯母片標題樣式</a:t>
             </a:r>
+            <a:endParaRPr lang="zh-TW" altLang="en-US"/>
           </a:p>
         </p:txBody>
       </p:sp>
@@ -1185,6 +1958,7 @@
               <a:rPr lang="zh-TW" altLang="en-US"/>
               <a:t>按一下以編輯母片文字樣式</a:t>
             </a:r>
+            <a:endParaRPr lang="zh-TW" altLang="en-US"/>
           </a:p>
           <a:p>
             <a:pPr lvl="1"/>
@@ -1192,6 +1966,7 @@
               <a:rPr lang="zh-TW" altLang="en-US"/>
               <a:t>第二層</a:t>
             </a:r>
+            <a:endParaRPr lang="zh-TW" altLang="en-US"/>
           </a:p>
           <a:p>
             <a:pPr lvl="2"/>
@@ -1199,6 +1974,7 @@
               <a:rPr lang="zh-TW" altLang="en-US"/>
               <a:t>第三層</a:t>
             </a:r>
+            <a:endParaRPr lang="zh-TW" altLang="en-US"/>
           </a:p>
           <a:p>
             <a:pPr lvl="3"/>
@@ -1206,6 +1982,7 @@
               <a:rPr lang="zh-TW" altLang="en-US"/>
               <a:t>第四層</a:t>
             </a:r>
+            <a:endParaRPr lang="zh-TW" altLang="en-US"/>
           </a:p>
           <a:p>
             <a:pPr lvl="4"/>
@@ -1213,6 +1990,7 @@
               <a:rPr lang="zh-TW" altLang="en-US"/>
               <a:t>第五層</a:t>
             </a:r>
+            <a:endParaRPr lang="zh-TW" altLang="en-US"/>
           </a:p>
         </p:txBody>
       </p:sp>
@@ -1241,6 +2019,7 @@
               <a:rPr lang="zh-TW" altLang="en-US"/>
               <a:t>按一下以編輯母片文字樣式</a:t>
             </a:r>
+            <a:endParaRPr lang="zh-TW" altLang="en-US"/>
           </a:p>
           <a:p>
             <a:pPr lvl="1"/>
@@ -1248,6 +2027,7 @@
               <a:rPr lang="zh-TW" altLang="en-US"/>
               <a:t>第二層</a:t>
             </a:r>
+            <a:endParaRPr lang="zh-TW" altLang="en-US"/>
           </a:p>
           <a:p>
             <a:pPr lvl="2"/>
@@ -1255,6 +2035,7 @@
               <a:rPr lang="zh-TW" altLang="en-US"/>
               <a:t>第三層</a:t>
             </a:r>
+            <a:endParaRPr lang="zh-TW" altLang="en-US"/>
           </a:p>
           <a:p>
             <a:pPr lvl="3"/>
@@ -1262,6 +2043,7 @@
               <a:rPr lang="zh-TW" altLang="en-US"/>
               <a:t>第四層</a:t>
             </a:r>
+            <a:endParaRPr lang="zh-TW" altLang="en-US"/>
           </a:p>
           <a:p>
             <a:pPr lvl="4"/>
@@ -1269,6 +2051,7 @@
               <a:rPr lang="zh-TW" altLang="en-US"/>
               <a:t>第五層</a:t>
             </a:r>
+            <a:endParaRPr lang="zh-TW" altLang="en-US"/>
           </a:p>
         </p:txBody>
       </p:sp>
@@ -1289,7 +2072,6 @@
           <a:p>
             <a:fld id="{952160C1-7EC0-47F7-AD8A-DCC1B5F0EDED}" type="datetimeFigureOut">
               <a:rPr lang="zh-TW" altLang="en-US" smtClean="0"/>
-              <a:t>2020/4/15</a:t>
             </a:fld>
             <a:endParaRPr lang="zh-TW" altLang="en-US"/>
           </a:p>
@@ -1331,18 +2113,12 @@
           <a:p>
             <a:fld id="{BF064D7B-8131-4AD9-91AB-770274F13257}" type="slidenum">
               <a:rPr lang="zh-TW" altLang="en-US" smtClean="0"/>
-              <a:t>‹#›</a:t>
             </a:fld>
             <a:endParaRPr lang="zh-TW" altLang="en-US"/>
           </a:p>
         </p:txBody>
       </p:sp>
     </p:spTree>
-    <p:extLst>
-      <p:ext uri="{BB962C8B-B14F-4D97-AF65-F5344CB8AC3E}">
-        <p14:creationId xmlns:p14="http://schemas.microsoft.com/office/powerpoint/2010/main" val="3928450172"/>
-      </p:ext>
-    </p:extLst>
   </p:cSld>
   <p:clrMapOvr>
     <a:masterClrMapping/>
@@ -1391,6 +2167,7 @@
               <a:rPr lang="zh-TW" altLang="en-US"/>
               <a:t>按一下以編輯母片標題樣式</a:t>
             </a:r>
+            <a:endParaRPr lang="zh-TW" altLang="en-US"/>
           </a:p>
         </p:txBody>
       </p:sp>
@@ -1456,6 +2233,7 @@
               <a:rPr lang="zh-TW" altLang="en-US"/>
               <a:t>按一下以編輯母片文字樣式</a:t>
             </a:r>
+            <a:endParaRPr lang="zh-TW" altLang="en-US"/>
           </a:p>
         </p:txBody>
       </p:sp>
@@ -1484,6 +2262,7 @@
               <a:rPr lang="zh-TW" altLang="en-US"/>
               <a:t>按一下以編輯母片文字樣式</a:t>
             </a:r>
+            <a:endParaRPr lang="zh-TW" altLang="en-US"/>
           </a:p>
           <a:p>
             <a:pPr lvl="1"/>
@@ -1491,6 +2270,7 @@
               <a:rPr lang="zh-TW" altLang="en-US"/>
               <a:t>第二層</a:t>
             </a:r>
+            <a:endParaRPr lang="zh-TW" altLang="en-US"/>
           </a:p>
           <a:p>
             <a:pPr lvl="2"/>
@@ -1498,6 +2278,7 @@
               <a:rPr lang="zh-TW" altLang="en-US"/>
               <a:t>第三層</a:t>
             </a:r>
+            <a:endParaRPr lang="zh-TW" altLang="en-US"/>
           </a:p>
           <a:p>
             <a:pPr lvl="3"/>
@@ -1505,6 +2286,7 @@
               <a:rPr lang="zh-TW" altLang="en-US"/>
               <a:t>第四層</a:t>
             </a:r>
+            <a:endParaRPr lang="zh-TW" altLang="en-US"/>
           </a:p>
           <a:p>
             <a:pPr lvl="4"/>
@@ -1512,6 +2294,7 @@
               <a:rPr lang="zh-TW" altLang="en-US"/>
               <a:t>第五層</a:t>
             </a:r>
+            <a:endParaRPr lang="zh-TW" altLang="en-US"/>
           </a:p>
         </p:txBody>
       </p:sp>
@@ -1577,6 +2360,7 @@
               <a:rPr lang="zh-TW" altLang="en-US"/>
               <a:t>按一下以編輯母片文字樣式</a:t>
             </a:r>
+            <a:endParaRPr lang="zh-TW" altLang="en-US"/>
           </a:p>
         </p:txBody>
       </p:sp>
@@ -1605,6 +2389,7 @@
               <a:rPr lang="zh-TW" altLang="en-US"/>
               <a:t>按一下以編輯母片文字樣式</a:t>
             </a:r>
+            <a:endParaRPr lang="zh-TW" altLang="en-US"/>
           </a:p>
           <a:p>
             <a:pPr lvl="1"/>
@@ -1612,6 +2397,7 @@
               <a:rPr lang="zh-TW" altLang="en-US"/>
               <a:t>第二層</a:t>
             </a:r>
+            <a:endParaRPr lang="zh-TW" altLang="en-US"/>
           </a:p>
           <a:p>
             <a:pPr lvl="2"/>
@@ -1619,6 +2405,7 @@
               <a:rPr lang="zh-TW" altLang="en-US"/>
               <a:t>第三層</a:t>
             </a:r>
+            <a:endParaRPr lang="zh-TW" altLang="en-US"/>
           </a:p>
           <a:p>
             <a:pPr lvl="3"/>
@@ -1626,6 +2413,7 @@
               <a:rPr lang="zh-TW" altLang="en-US"/>
               <a:t>第四層</a:t>
             </a:r>
+            <a:endParaRPr lang="zh-TW" altLang="en-US"/>
           </a:p>
           <a:p>
             <a:pPr lvl="4"/>
@@ -1633,6 +2421,7 @@
               <a:rPr lang="zh-TW" altLang="en-US"/>
               <a:t>第五層</a:t>
             </a:r>
+            <a:endParaRPr lang="zh-TW" altLang="en-US"/>
           </a:p>
         </p:txBody>
       </p:sp>
@@ -1653,7 +2442,6 @@
           <a:p>
             <a:fld id="{952160C1-7EC0-47F7-AD8A-DCC1B5F0EDED}" type="datetimeFigureOut">
               <a:rPr lang="zh-TW" altLang="en-US" smtClean="0"/>
-              <a:t>2020/4/15</a:t>
             </a:fld>
             <a:endParaRPr lang="zh-TW" altLang="en-US"/>
           </a:p>
@@ -1695,18 +2483,12 @@
           <a:p>
             <a:fld id="{BF064D7B-8131-4AD9-91AB-770274F13257}" type="slidenum">
               <a:rPr lang="zh-TW" altLang="en-US" smtClean="0"/>
-              <a:t>‹#›</a:t>
             </a:fld>
             <a:endParaRPr lang="zh-TW" altLang="en-US"/>
           </a:p>
         </p:txBody>
       </p:sp>
     </p:spTree>
-    <p:extLst>
-      <p:ext uri="{BB962C8B-B14F-4D97-AF65-F5344CB8AC3E}">
-        <p14:creationId xmlns:p14="http://schemas.microsoft.com/office/powerpoint/2010/main" val="2159929335"/>
-      </p:ext>
-    </p:extLst>
   </p:cSld>
   <p:clrMapOvr>
     <a:masterClrMapping/>
@@ -1750,6 +2532,7 @@
               <a:rPr lang="zh-TW" altLang="en-US"/>
               <a:t>按一下以編輯母片標題樣式</a:t>
             </a:r>
+            <a:endParaRPr lang="zh-TW" altLang="en-US"/>
           </a:p>
         </p:txBody>
       </p:sp>
@@ -1770,7 +2553,6 @@
           <a:p>
             <a:fld id="{952160C1-7EC0-47F7-AD8A-DCC1B5F0EDED}" type="datetimeFigureOut">
               <a:rPr lang="zh-TW" altLang="en-US" smtClean="0"/>
-              <a:t>2020/4/15</a:t>
             </a:fld>
             <a:endParaRPr lang="zh-TW" altLang="en-US"/>
           </a:p>
@@ -1812,18 +2594,12 @@
           <a:p>
             <a:fld id="{BF064D7B-8131-4AD9-91AB-770274F13257}" type="slidenum">
               <a:rPr lang="zh-TW" altLang="en-US" smtClean="0"/>
-              <a:t>‹#›</a:t>
             </a:fld>
             <a:endParaRPr lang="zh-TW" altLang="en-US"/>
           </a:p>
         </p:txBody>
       </p:sp>
     </p:spTree>
-    <p:extLst>
-      <p:ext uri="{BB962C8B-B14F-4D97-AF65-F5344CB8AC3E}">
-        <p14:creationId xmlns:p14="http://schemas.microsoft.com/office/powerpoint/2010/main" val="437778470"/>
-      </p:ext>
-    </p:extLst>
   </p:cSld>
   <p:clrMapOvr>
     <a:masterClrMapping/>
@@ -1865,7 +2641,6 @@
           <a:p>
             <a:fld id="{952160C1-7EC0-47F7-AD8A-DCC1B5F0EDED}" type="datetimeFigureOut">
               <a:rPr lang="zh-TW" altLang="en-US" smtClean="0"/>
-              <a:t>2020/4/15</a:t>
             </a:fld>
             <a:endParaRPr lang="zh-TW" altLang="en-US"/>
           </a:p>
@@ -1907,18 +2682,12 @@
           <a:p>
             <a:fld id="{BF064D7B-8131-4AD9-91AB-770274F13257}" type="slidenum">
               <a:rPr lang="zh-TW" altLang="en-US" smtClean="0"/>
-              <a:t>‹#›</a:t>
             </a:fld>
             <a:endParaRPr lang="zh-TW" altLang="en-US"/>
           </a:p>
         </p:txBody>
       </p:sp>
     </p:spTree>
-    <p:extLst>
-      <p:ext uri="{BB962C8B-B14F-4D97-AF65-F5344CB8AC3E}">
-        <p14:creationId xmlns:p14="http://schemas.microsoft.com/office/powerpoint/2010/main" val="2336412762"/>
-      </p:ext>
-    </p:extLst>
   </p:cSld>
   <p:clrMapOvr>
     <a:masterClrMapping/>
@@ -1971,6 +2740,7 @@
               <a:rPr lang="zh-TW" altLang="en-US"/>
               <a:t>按一下以編輯母片標題樣式</a:t>
             </a:r>
+            <a:endParaRPr lang="zh-TW" altLang="en-US"/>
           </a:p>
         </p:txBody>
       </p:sp>
@@ -2027,6 +2797,7 @@
               <a:rPr lang="zh-TW" altLang="en-US"/>
               <a:t>按一下以編輯母片文字樣式</a:t>
             </a:r>
+            <a:endParaRPr lang="zh-TW" altLang="en-US"/>
           </a:p>
           <a:p>
             <a:pPr lvl="1"/>
@@ -2034,6 +2805,7 @@
               <a:rPr lang="zh-TW" altLang="en-US"/>
               <a:t>第二層</a:t>
             </a:r>
+            <a:endParaRPr lang="zh-TW" altLang="en-US"/>
           </a:p>
           <a:p>
             <a:pPr lvl="2"/>
@@ -2041,6 +2813,7 @@
               <a:rPr lang="zh-TW" altLang="en-US"/>
               <a:t>第三層</a:t>
             </a:r>
+            <a:endParaRPr lang="zh-TW" altLang="en-US"/>
           </a:p>
           <a:p>
             <a:pPr lvl="3"/>
@@ -2048,6 +2821,7 @@
               <a:rPr lang="zh-TW" altLang="en-US"/>
               <a:t>第四層</a:t>
             </a:r>
+            <a:endParaRPr lang="zh-TW" altLang="en-US"/>
           </a:p>
           <a:p>
             <a:pPr lvl="4"/>
@@ -2055,6 +2829,7 @@
               <a:rPr lang="zh-TW" altLang="en-US"/>
               <a:t>第五層</a:t>
             </a:r>
+            <a:endParaRPr lang="zh-TW" altLang="en-US"/>
           </a:p>
         </p:txBody>
       </p:sp>
@@ -2120,6 +2895,7 @@
               <a:rPr lang="zh-TW" altLang="en-US"/>
               <a:t>按一下以編輯母片文字樣式</a:t>
             </a:r>
+            <a:endParaRPr lang="zh-TW" altLang="en-US"/>
           </a:p>
         </p:txBody>
       </p:sp>
@@ -2140,7 +2916,6 @@
           <a:p>
             <a:fld id="{952160C1-7EC0-47F7-AD8A-DCC1B5F0EDED}" type="datetimeFigureOut">
               <a:rPr lang="zh-TW" altLang="en-US" smtClean="0"/>
-              <a:t>2020/4/15</a:t>
             </a:fld>
             <a:endParaRPr lang="zh-TW" altLang="en-US"/>
           </a:p>
@@ -2182,18 +2957,12 @@
           <a:p>
             <a:fld id="{BF064D7B-8131-4AD9-91AB-770274F13257}" type="slidenum">
               <a:rPr lang="zh-TW" altLang="en-US" smtClean="0"/>
-              <a:t>‹#›</a:t>
             </a:fld>
             <a:endParaRPr lang="zh-TW" altLang="en-US"/>
           </a:p>
         </p:txBody>
       </p:sp>
     </p:spTree>
-    <p:extLst>
-      <p:ext uri="{BB962C8B-B14F-4D97-AF65-F5344CB8AC3E}">
-        <p14:creationId xmlns:p14="http://schemas.microsoft.com/office/powerpoint/2010/main" val="2042302349"/>
-      </p:ext>
-    </p:extLst>
   </p:cSld>
   <p:clrMapOvr>
     <a:masterClrMapping/>
@@ -2246,6 +3015,7 @@
               <a:rPr lang="zh-TW" altLang="en-US"/>
               <a:t>按一下以編輯母片標題樣式</a:t>
             </a:r>
+            <a:endParaRPr lang="zh-TW" altLang="en-US"/>
           </a:p>
         </p:txBody>
       </p:sp>
@@ -2372,6 +3142,7 @@
               <a:rPr lang="zh-TW" altLang="en-US"/>
               <a:t>按一下以編輯母片文字樣式</a:t>
             </a:r>
+            <a:endParaRPr lang="zh-TW" altLang="en-US"/>
           </a:p>
         </p:txBody>
       </p:sp>
@@ -2392,7 +3163,6 @@
           <a:p>
             <a:fld id="{952160C1-7EC0-47F7-AD8A-DCC1B5F0EDED}" type="datetimeFigureOut">
               <a:rPr lang="zh-TW" altLang="en-US" smtClean="0"/>
-              <a:t>2020/4/15</a:t>
             </a:fld>
             <a:endParaRPr lang="zh-TW" altLang="en-US"/>
           </a:p>
@@ -2434,18 +3204,12 @@
           <a:p>
             <a:fld id="{BF064D7B-8131-4AD9-91AB-770274F13257}" type="slidenum">
               <a:rPr lang="zh-TW" altLang="en-US" smtClean="0"/>
-              <a:t>‹#›</a:t>
             </a:fld>
             <a:endParaRPr lang="zh-TW" altLang="en-US"/>
           </a:p>
         </p:txBody>
       </p:sp>
     </p:spTree>
-    <p:extLst>
-      <p:ext uri="{BB962C8B-B14F-4D97-AF65-F5344CB8AC3E}">
-        <p14:creationId xmlns:p14="http://schemas.microsoft.com/office/powerpoint/2010/main" val="93679688"/>
-      </p:ext>
-    </p:extLst>
   </p:cSld>
   <p:clrMapOvr>
     <a:masterClrMapping/>
@@ -2507,6 +3271,7 @@
               <a:rPr lang="zh-TW" altLang="en-US"/>
               <a:t>按一下以編輯母片標題樣式</a:t>
             </a:r>
+            <a:endParaRPr lang="zh-TW" altLang="en-US"/>
           </a:p>
         </p:txBody>
       </p:sp>
@@ -2540,6 +3305,7 @@
               <a:rPr lang="zh-TW" altLang="en-US"/>
               <a:t>按一下以編輯母片文字樣式</a:t>
             </a:r>
+            <a:endParaRPr lang="zh-TW" altLang="en-US"/>
           </a:p>
           <a:p>
             <a:pPr lvl="1"/>
@@ -2547,6 +3313,7 @@
               <a:rPr lang="zh-TW" altLang="en-US"/>
               <a:t>第二層</a:t>
             </a:r>
+            <a:endParaRPr lang="zh-TW" altLang="en-US"/>
           </a:p>
           <a:p>
             <a:pPr lvl="2"/>
@@ -2554,6 +3321,7 @@
               <a:rPr lang="zh-TW" altLang="en-US"/>
               <a:t>第三層</a:t>
             </a:r>
+            <a:endParaRPr lang="zh-TW" altLang="en-US"/>
           </a:p>
           <a:p>
             <a:pPr lvl="3"/>
@@ -2561,6 +3329,7 @@
               <a:rPr lang="zh-TW" altLang="en-US"/>
               <a:t>第四層</a:t>
             </a:r>
+            <a:endParaRPr lang="zh-TW" altLang="en-US"/>
           </a:p>
           <a:p>
             <a:pPr lvl="4"/>
@@ -2568,6 +3337,7 @@
               <a:rPr lang="zh-TW" altLang="en-US"/>
               <a:t>第五層</a:t>
             </a:r>
+            <a:endParaRPr lang="zh-TW" altLang="en-US"/>
           </a:p>
         </p:txBody>
       </p:sp>
@@ -2606,7 +3376,6 @@
           <a:p>
             <a:fld id="{952160C1-7EC0-47F7-AD8A-DCC1B5F0EDED}" type="datetimeFigureOut">
               <a:rPr lang="zh-TW" altLang="en-US" smtClean="0"/>
-              <a:t>2020/4/15</a:t>
             </a:fld>
             <a:endParaRPr lang="zh-TW" altLang="en-US"/>
           </a:p>
@@ -2684,18 +3453,12 @@
           <a:p>
             <a:fld id="{BF064D7B-8131-4AD9-91AB-770274F13257}" type="slidenum">
               <a:rPr lang="zh-TW" altLang="en-US" smtClean="0"/>
-              <a:t>‹#›</a:t>
             </a:fld>
             <a:endParaRPr lang="zh-TW" altLang="en-US"/>
           </a:p>
         </p:txBody>
       </p:sp>
     </p:spTree>
-    <p:extLst>
-      <p:ext uri="{BB962C8B-B14F-4D97-AF65-F5344CB8AC3E}">
-        <p14:creationId xmlns:p14="http://schemas.microsoft.com/office/powerpoint/2010/main" val="2700577168"/>
-      </p:ext>
-    </p:extLst>
   </p:cSld>
   <p:clrMap bg1="lt1" tx1="dk1" bg2="lt2" tx2="dk2" accent1="accent1" accent2="accent2" accent3="accent3" accent4="accent4" accent5="accent5" accent6="accent6" hlink="hlink" folHlink="folHlink"/>
   <p:sldLayoutIdLst>
@@ -2739,7 +3502,7 @@
         <a:spcBef>
           <a:spcPts val="1000"/>
         </a:spcBef>
-        <a:buFont typeface="Arial" panose="020B0604020202020204" pitchFamily="34" charset="0"/>
+        <a:buFont typeface="Arial" panose="020B0604020202090204" pitchFamily="34" charset="0"/>
         <a:buChar char="•"/>
         <a:defRPr sz="2800" kern="1200">
           <a:solidFill>
@@ -2757,7 +3520,7 @@
         <a:spcBef>
           <a:spcPts val="500"/>
         </a:spcBef>
-        <a:buFont typeface="Arial" panose="020B0604020202020204" pitchFamily="34" charset="0"/>
+        <a:buFont typeface="Arial" panose="020B0604020202090204" pitchFamily="34" charset="0"/>
         <a:buChar char="•"/>
         <a:defRPr sz="2400" kern="1200">
           <a:solidFill>
@@ -2775,7 +3538,7 @@
         <a:spcBef>
           <a:spcPts val="500"/>
         </a:spcBef>
-        <a:buFont typeface="Arial" panose="020B0604020202020204" pitchFamily="34" charset="0"/>
+        <a:buFont typeface="Arial" panose="020B0604020202090204" pitchFamily="34" charset="0"/>
         <a:buChar char="•"/>
         <a:defRPr sz="2000" kern="1200">
           <a:solidFill>
@@ -2793,7 +3556,7 @@
         <a:spcBef>
           <a:spcPts val="500"/>
         </a:spcBef>
-        <a:buFont typeface="Arial" panose="020B0604020202020204" pitchFamily="34" charset="0"/>
+        <a:buFont typeface="Arial" panose="020B0604020202090204" pitchFamily="34" charset="0"/>
         <a:buChar char="•"/>
         <a:defRPr sz="1800" kern="1200">
           <a:solidFill>
@@ -2811,7 +3574,7 @@
         <a:spcBef>
           <a:spcPts val="500"/>
         </a:spcBef>
-        <a:buFont typeface="Arial" panose="020B0604020202020204" pitchFamily="34" charset="0"/>
+        <a:buFont typeface="Arial" panose="020B0604020202090204" pitchFamily="34" charset="0"/>
         <a:buChar char="•"/>
         <a:defRPr sz="1800" kern="1200">
           <a:solidFill>
@@ -2829,7 +3592,7 @@
         <a:spcBef>
           <a:spcPts val="500"/>
         </a:spcBef>
-        <a:buFont typeface="Arial" panose="020B0604020202020204" pitchFamily="34" charset="0"/>
+        <a:buFont typeface="Arial" panose="020B0604020202090204" pitchFamily="34" charset="0"/>
         <a:buChar char="•"/>
         <a:defRPr sz="1800" kern="1200">
           <a:solidFill>
@@ -2847,7 +3610,7 @@
         <a:spcBef>
           <a:spcPts val="500"/>
         </a:spcBef>
-        <a:buFont typeface="Arial" panose="020B0604020202020204" pitchFamily="34" charset="0"/>
+        <a:buFont typeface="Arial" panose="020B0604020202090204" pitchFamily="34" charset="0"/>
         <a:buChar char="•"/>
         <a:defRPr sz="1800" kern="1200">
           <a:solidFill>
@@ -2865,7 +3628,7 @@
         <a:spcBef>
           <a:spcPts val="500"/>
         </a:spcBef>
-        <a:buFont typeface="Arial" panose="020B0604020202020204" pitchFamily="34" charset="0"/>
+        <a:buFont typeface="Arial" panose="020B0604020202090204" pitchFamily="34" charset="0"/>
         <a:buChar char="•"/>
         <a:defRPr sz="1800" kern="1200">
           <a:solidFill>
@@ -2883,7 +3646,7 @@
         <a:spcBef>
           <a:spcPts val="500"/>
         </a:spcBef>
-        <a:buFont typeface="Arial" panose="020B0604020202020204" pitchFamily="34" charset="0"/>
+        <a:buFont typeface="Arial" panose="020B0604020202090204" pitchFamily="34" charset="0"/>
         <a:buChar char="•"/>
         <a:defRPr sz="1800" kern="1200">
           <a:solidFill>
@@ -3020,7 +3783,7 @@
           <p:nvPr/>
         </p:nvPicPr>
         <p:blipFill>
-          <a:blip r:embed="rId2" cstate="print">
+          <a:blip r:embed="rId1" cstate="print">
             <a:extLst>
               <a:ext uri="{28A0092B-C50C-407E-A947-70E740481C1C}">
                 <a14:useLocalDpi xmlns:a14="http://schemas.microsoft.com/office/drawing/2010/main" val="0"/>
@@ -3050,7 +3813,7 @@
           <p:nvPr/>
         </p:nvPicPr>
         <p:blipFill>
-          <a:blip r:embed="rId3">
+          <a:blip r:embed="rId2">
             <a:extLst>
               <a:ext uri="{28A0092B-C50C-407E-A947-70E740481C1C}">
                 <a14:useLocalDpi xmlns:a14="http://schemas.microsoft.com/office/drawing/2010/main" val="0"/>
@@ -3072,11 +3835,6 @@
         </p:spPr>
       </p:pic>
     </p:spTree>
-    <p:extLst>
-      <p:ext uri="{BB962C8B-B14F-4D97-AF65-F5344CB8AC3E}">
-        <p14:creationId xmlns:p14="http://schemas.microsoft.com/office/powerpoint/2010/main" val="2516971790"/>
-      </p:ext>
-    </p:extLst>
   </p:cSld>
   <p:clrMapOvr>
     <a:masterClrMapping/>
@@ -3170,6 +3928,13 @@
               </a:rPr>
               <a:t>(){</a:t>
             </a:r>
+            <a:endParaRPr lang="en-US" altLang="zh-TW" sz="3200" b="0" dirty="0">
+              <a:solidFill>
+                <a:srgbClr val="F8F8F2"/>
+              </a:solidFill>
+              <a:effectLst/>
+              <a:latin typeface="Consolas" panose="020B0609020204030204" pitchFamily="49" charset="0"/>
+            </a:endParaRPr>
           </a:p>
           <a:p>
             <a:r>
@@ -3212,6 +3977,13 @@
               </a:rPr>
               <a:t>;</a:t>
             </a:r>
+            <a:endParaRPr lang="en-US" altLang="zh-TW" sz="3200" b="0" dirty="0">
+              <a:solidFill>
+                <a:srgbClr val="F8F8F2"/>
+              </a:solidFill>
+              <a:effectLst/>
+              <a:latin typeface="Consolas" panose="020B0609020204030204" pitchFamily="49" charset="0"/>
+            </a:endParaRPr>
           </a:p>
           <a:p>
             <a:r>
@@ -3224,6 +3996,13 @@
               </a:rPr>
               <a:t>}</a:t>
             </a:r>
+            <a:endParaRPr lang="en-US" altLang="zh-TW" sz="3200" b="0" dirty="0">
+              <a:solidFill>
+                <a:srgbClr val="F8F8F2"/>
+              </a:solidFill>
+              <a:effectLst/>
+              <a:latin typeface="Consolas" panose="020B0609020204030204" pitchFamily="49" charset="0"/>
+            </a:endParaRPr>
           </a:p>
         </p:txBody>
       </p:sp>
@@ -3284,11 +4063,6 @@
         </p:txBody>
       </p:sp>
     </p:spTree>
-    <p:extLst>
-      <p:ext uri="{BB962C8B-B14F-4D97-AF65-F5344CB8AC3E}">
-        <p14:creationId xmlns:p14="http://schemas.microsoft.com/office/powerpoint/2010/main" val="1898258484"/>
-      </p:ext>
-    </p:extLst>
   </p:cSld>
   <p:clrMapOvr>
     <a:masterClrMapping/>
@@ -3330,9 +4104,7 @@
         <p:sp>
           <p:nvSpPr>
             <p:cNvPr id="13" name="標題 1"/>
-            <p:cNvSpPr txBox="1">
-              <a:spLocks/>
-            </p:cNvSpPr>
+            <p:cNvSpPr txBox="1"/>
             <p:nvPr/>
           </p:nvSpPr>
           <p:spPr>
@@ -3389,15 +4161,20 @@
                 </a:rPr>
                 <a:t> 但是希望可以這樣</a:t>
               </a:r>
+              <a:endParaRPr lang="zh-TW" altLang="en-US" sz="2000" b="1" dirty="0">
+                <a:solidFill>
+                  <a:srgbClr val="323230"/>
+                </a:solidFill>
+                <a:latin typeface="Microsoft YaHei UI" panose="020B0503020204020204" pitchFamily="34" charset="-122"/>
+                <a:ea typeface="Microsoft YaHei UI" panose="020B0503020204020204" pitchFamily="34" charset="-122"/>
+              </a:endParaRPr>
             </a:p>
           </p:txBody>
         </p:sp>
         <p:sp>
           <p:nvSpPr>
             <p:cNvPr id="14" name="標題 1"/>
-            <p:cNvSpPr txBox="1">
-              <a:spLocks/>
-            </p:cNvSpPr>
+            <p:cNvSpPr txBox="1"/>
             <p:nvPr/>
           </p:nvSpPr>
           <p:spPr>
@@ -3448,6 +4225,13 @@
                 </a:rPr>
                 <a:t>我</a:t>
               </a:r>
+              <a:endParaRPr lang="zh-TW" altLang="en-US" sz="3200" dirty="0">
+                <a:solidFill>
+                  <a:srgbClr val="323230"/>
+                </a:solidFill>
+                <a:latin typeface="Microsoft YaHei UI" panose="020B0503020204020204" pitchFamily="34" charset="-122"/>
+                <a:ea typeface="Microsoft YaHei UI" panose="020B0503020204020204" pitchFamily="34" charset="-122"/>
+              </a:endParaRPr>
             </a:p>
           </p:txBody>
         </p:sp>
@@ -3772,9 +4556,7 @@
         <p:sp>
           <p:nvSpPr>
             <p:cNvPr id="4" name="標題 1"/>
-            <p:cNvSpPr txBox="1">
-              <a:spLocks/>
-            </p:cNvSpPr>
+            <p:cNvSpPr txBox="1"/>
             <p:nvPr/>
           </p:nvSpPr>
           <p:spPr>
@@ -3838,9 +4620,7 @@
         <p:sp>
           <p:nvSpPr>
             <p:cNvPr id="5" name="標題 1"/>
-            <p:cNvSpPr txBox="1">
-              <a:spLocks/>
-            </p:cNvSpPr>
+            <p:cNvSpPr txBox="1"/>
             <p:nvPr/>
           </p:nvSpPr>
           <p:spPr>
@@ -3891,15 +4671,20 @@
                 </a:rPr>
                 <a:t>我</a:t>
               </a:r>
+              <a:endParaRPr lang="zh-TW" altLang="en-US" sz="3200" dirty="0">
+                <a:solidFill>
+                  <a:srgbClr val="323230"/>
+                </a:solidFill>
+                <a:latin typeface="Microsoft YaHei UI" panose="020B0503020204020204" pitchFamily="34" charset="-122"/>
+                <a:ea typeface="Microsoft YaHei UI" panose="020B0503020204020204" pitchFamily="34" charset="-122"/>
+              </a:endParaRPr>
             </a:p>
           </p:txBody>
         </p:sp>
         <p:sp>
           <p:nvSpPr>
             <p:cNvPr id="12" name="標題 1"/>
-            <p:cNvSpPr txBox="1">
-              <a:spLocks/>
-            </p:cNvSpPr>
+            <p:cNvSpPr txBox="1"/>
             <p:nvPr/>
           </p:nvSpPr>
           <p:spPr>
@@ -3956,6 +4741,13 @@
                 </a:rPr>
                 <a:t> 大部分都是這樣</a:t>
               </a:r>
+              <a:endParaRPr lang="zh-TW" altLang="en-US" sz="2000" b="1" dirty="0">
+                <a:solidFill>
+                  <a:srgbClr val="323230"/>
+                </a:solidFill>
+                <a:latin typeface="Microsoft YaHei UI" panose="020B0503020204020204" pitchFamily="34" charset="-122"/>
+                <a:ea typeface="Microsoft YaHei UI" panose="020B0503020204020204" pitchFamily="34" charset="-122"/>
+              </a:endParaRPr>
             </a:p>
           </p:txBody>
         </p:sp>
@@ -4149,11 +4941,6 @@
         </p:cxnSp>
       </p:grpSp>
     </p:spTree>
-    <p:extLst>
-      <p:ext uri="{BB962C8B-B14F-4D97-AF65-F5344CB8AC3E}">
-        <p14:creationId xmlns:p14="http://schemas.microsoft.com/office/powerpoint/2010/main" val="1723014521"/>
-      </p:ext>
-    </p:extLst>
   </p:cSld>
   <p:clrMapOvr>
     <a:masterClrMapping/>
@@ -4209,6 +4996,12 @@
               </a:rPr>
               <a:t>Object​.define​Property()</a:t>
             </a:r>
+            <a:endParaRPr lang="en-US" altLang="zh-TW" sz="4000" b="1" dirty="0">
+              <a:solidFill>
+                <a:srgbClr val="333333"/>
+              </a:solidFill>
+              <a:latin typeface="x-locale-heading-primary"/>
+            </a:endParaRPr>
           </a:p>
         </p:txBody>
       </p:sp>
@@ -4284,15 +5077,17 @@
               </a:rPr>
               <a:t>&gt;</a:t>
             </a:r>
+            <a:endParaRPr lang="en-US" altLang="zh-TW" b="1" dirty="0">
+              <a:solidFill>
+                <a:srgbClr val="333333"/>
+              </a:solidFill>
+              <a:latin typeface="Adobe 黑体 Std R" panose="020B0400000000000000" pitchFamily="34" charset="-128"/>
+              <a:ea typeface="Adobe 黑体 Std R" panose="020B0400000000000000" pitchFamily="34" charset="-128"/>
+            </a:endParaRPr>
           </a:p>
         </p:txBody>
       </p:sp>
     </p:spTree>
-    <p:extLst>
-      <p:ext uri="{BB962C8B-B14F-4D97-AF65-F5344CB8AC3E}">
-        <p14:creationId xmlns:p14="http://schemas.microsoft.com/office/powerpoint/2010/main" val="3589785944"/>
-      </p:ext>
-    </p:extLst>
   </p:cSld>
   <p:clrMapOvr>
     <a:masterClrMapping/>
@@ -4382,6 +5177,12 @@
               </a:rPr>
               <a:t> {</a:t>
             </a:r>
+            <a:endParaRPr lang="en-US" altLang="zh-TW" dirty="0">
+              <a:solidFill>
+                <a:srgbClr val="F8F8F2"/>
+              </a:solidFill>
+              <a:latin typeface="Consolas" panose="020B0609020204030204" pitchFamily="49" charset="0"/>
+            </a:endParaRPr>
           </a:p>
           <a:p>
             <a:r>
@@ -4429,6 +5230,12 @@
               </a:rPr>
               <a:t>,</a:t>
             </a:r>
+            <a:endParaRPr lang="en-US" altLang="zh-TW" dirty="0">
+              <a:solidFill>
+                <a:srgbClr val="F8F8F2"/>
+              </a:solidFill>
+              <a:latin typeface="Consolas" panose="020B0609020204030204" pitchFamily="49" charset="0"/>
+            </a:endParaRPr>
           </a:p>
           <a:p>
             <a:r>
@@ -4440,6 +5247,12 @@
               </a:rPr>
               <a:t>}</a:t>
             </a:r>
+            <a:endParaRPr lang="en-US" altLang="zh-TW" dirty="0">
+              <a:solidFill>
+                <a:srgbClr val="F8F8F2"/>
+              </a:solidFill>
+              <a:latin typeface="Consolas" panose="020B0609020204030204" pitchFamily="49" charset="0"/>
+            </a:endParaRPr>
           </a:p>
           <a:p>
             <a:br>
@@ -4477,6 +5290,12 @@
               </a:rPr>
               <a:t>name;</a:t>
             </a:r>
+            <a:endParaRPr lang="en-US" altLang="zh-TW" dirty="0">
+              <a:solidFill>
+                <a:srgbClr val="F8F8F2"/>
+              </a:solidFill>
+              <a:latin typeface="Consolas" panose="020B0609020204030204" pitchFamily="49" charset="0"/>
+            </a:endParaRPr>
           </a:p>
           <a:p>
             <a:br>
@@ -4550,6 +5369,12 @@
               </a:rPr>
               <a:t>;</a:t>
             </a:r>
+            <a:endParaRPr lang="en-US" altLang="zh-TW" dirty="0">
+              <a:solidFill>
+                <a:srgbClr val="F8F8F2"/>
+              </a:solidFill>
+              <a:latin typeface="Consolas" panose="020B0609020204030204" pitchFamily="49" charset="0"/>
+            </a:endParaRPr>
           </a:p>
           <a:p>
             <a:endParaRPr lang="en-US" altLang="zh-TW" b="0" dirty="0">
@@ -4565,9 +5390,7 @@
       <p:sp>
         <p:nvSpPr>
           <p:cNvPr id="5" name="標題 1"/>
-          <p:cNvSpPr txBox="1">
-            <a:spLocks/>
-          </p:cNvSpPr>
+          <p:cNvSpPr txBox="1"/>
           <p:nvPr/>
         </p:nvSpPr>
         <p:spPr>
@@ -4643,9 +5466,7 @@
       <p:sp>
         <p:nvSpPr>
           <p:cNvPr id="6" name="標題 1"/>
-          <p:cNvSpPr txBox="1">
-            <a:spLocks/>
-          </p:cNvSpPr>
+          <p:cNvSpPr txBox="1"/>
           <p:nvPr/>
         </p:nvSpPr>
         <p:spPr>
@@ -4719,11 +5540,6 @@
         </p:txBody>
       </p:sp>
     </p:spTree>
-    <p:extLst>
-      <p:ext uri="{BB962C8B-B14F-4D97-AF65-F5344CB8AC3E}">
-        <p14:creationId xmlns:p14="http://schemas.microsoft.com/office/powerpoint/2010/main" val="3420559203"/>
-      </p:ext>
-    </p:extLst>
   </p:cSld>
   <p:clrMapOvr>
     <a:masterClrMapping/>
@@ -4813,6 +5629,12 @@
               </a:rPr>
               <a:t> {</a:t>
             </a:r>
+            <a:endParaRPr lang="en-US" altLang="zh-TW" sz="1400" dirty="0">
+              <a:solidFill>
+                <a:srgbClr val="F8F8F2"/>
+              </a:solidFill>
+              <a:latin typeface="Consolas" panose="020B0609020204030204" pitchFamily="49" charset="0"/>
+            </a:endParaRPr>
           </a:p>
           <a:p>
             <a:r>
@@ -4860,6 +5682,12 @@
               </a:rPr>
               <a:t>,</a:t>
             </a:r>
+            <a:endParaRPr lang="en-US" altLang="zh-TW" sz="1400" dirty="0">
+              <a:solidFill>
+                <a:srgbClr val="F8F8F2"/>
+              </a:solidFill>
+              <a:latin typeface="Consolas" panose="020B0609020204030204" pitchFamily="49" charset="0"/>
+            </a:endParaRPr>
           </a:p>
           <a:p>
             <a:r>
@@ -4871,6 +5699,12 @@
               </a:rPr>
               <a:t>}</a:t>
             </a:r>
+            <a:endParaRPr lang="en-US" altLang="zh-TW" sz="1400" dirty="0">
+              <a:solidFill>
+                <a:srgbClr val="F8F8F2"/>
+              </a:solidFill>
+              <a:latin typeface="Consolas" panose="020B0609020204030204" pitchFamily="49" charset="0"/>
+            </a:endParaRPr>
           </a:p>
           <a:p>
             <a:br>
@@ -4935,6 +5769,12 @@
               </a:rPr>
               <a:t>, {</a:t>
             </a:r>
+            <a:endParaRPr lang="en-US" altLang="zh-TW" sz="1400" dirty="0">
+              <a:solidFill>
+                <a:srgbClr val="F8F8F2"/>
+              </a:solidFill>
+              <a:latin typeface="Consolas" panose="020B0609020204030204" pitchFamily="49" charset="0"/>
+            </a:endParaRPr>
           </a:p>
           <a:p>
             <a:pPr lvl="1"/>
@@ -4974,6 +5814,12 @@
               </a:rPr>
               <a:t>() {</a:t>
             </a:r>
+            <a:endParaRPr lang="en-US" altLang="zh-TW" sz="1400" dirty="0">
+              <a:solidFill>
+                <a:srgbClr val="F8F8F2"/>
+              </a:solidFill>
+              <a:latin typeface="Consolas" panose="020B0609020204030204" pitchFamily="49" charset="0"/>
+            </a:endParaRPr>
           </a:p>
           <a:p>
             <a:pPr lvl="1"/>
@@ -4995,6 +5841,12 @@
               </a:rPr>
               <a:t> name;</a:t>
             </a:r>
+            <a:endParaRPr lang="en-US" altLang="zh-TW" sz="1400" dirty="0">
+              <a:solidFill>
+                <a:srgbClr val="F8F8F2"/>
+              </a:solidFill>
+              <a:latin typeface="Consolas" panose="020B0609020204030204" pitchFamily="49" charset="0"/>
+            </a:endParaRPr>
           </a:p>
           <a:p>
             <a:pPr lvl="1"/>
@@ -5007,6 +5859,12 @@
               </a:rPr>
               <a:t>},</a:t>
             </a:r>
+            <a:endParaRPr lang="en-US" altLang="zh-TW" sz="1400" dirty="0">
+              <a:solidFill>
+                <a:srgbClr val="F8F8F2"/>
+              </a:solidFill>
+              <a:latin typeface="Consolas" panose="020B0609020204030204" pitchFamily="49" charset="0"/>
+            </a:endParaRPr>
           </a:p>
           <a:p>
             <a:pPr lvl="1"/>
@@ -5046,6 +5904,12 @@
               </a:rPr>
               <a:t>(value) {</a:t>
             </a:r>
+            <a:endParaRPr lang="en-US" altLang="zh-TW" sz="1400" dirty="0">
+              <a:solidFill>
+                <a:srgbClr val="F8F8F2"/>
+              </a:solidFill>
+              <a:latin typeface="Consolas" panose="020B0609020204030204" pitchFamily="49" charset="0"/>
+            </a:endParaRPr>
           </a:p>
           <a:p>
             <a:pPr lvl="1"/>
@@ -5076,6 +5940,12 @@
               </a:rPr>
               <a:t> value;</a:t>
             </a:r>
+            <a:endParaRPr lang="en-US" altLang="zh-TW" sz="1400" dirty="0">
+              <a:solidFill>
+                <a:srgbClr val="F8F8F2"/>
+              </a:solidFill>
+              <a:latin typeface="Consolas" panose="020B0609020204030204" pitchFamily="49" charset="0"/>
+            </a:endParaRPr>
           </a:p>
           <a:p>
             <a:pPr lvl="1"/>
@@ -5088,6 +5958,12 @@
               </a:rPr>
               <a:t>}</a:t>
             </a:r>
+            <a:endParaRPr lang="en-US" altLang="zh-TW" sz="1400" dirty="0">
+              <a:solidFill>
+                <a:srgbClr val="F8F8F2"/>
+              </a:solidFill>
+              <a:latin typeface="Consolas" panose="020B0609020204030204" pitchFamily="49" charset="0"/>
+            </a:endParaRPr>
           </a:p>
           <a:p>
             <a:r>
@@ -5099,6 +5975,12 @@
               </a:rPr>
               <a:t>})</a:t>
             </a:r>
+            <a:endParaRPr lang="en-US" altLang="zh-TW" sz="1400" dirty="0">
+              <a:solidFill>
+                <a:srgbClr val="F8F8F2"/>
+              </a:solidFill>
+              <a:latin typeface="Consolas" panose="020B0609020204030204" pitchFamily="49" charset="0"/>
+            </a:endParaRPr>
           </a:p>
           <a:p>
             <a:endParaRPr lang="en-US" altLang="zh-TW" sz="1400" dirty="0">
@@ -5185,9 +6067,7 @@
       <p:sp>
         <p:nvSpPr>
           <p:cNvPr id="30" name="標題 1"/>
-          <p:cNvSpPr txBox="1">
-            <a:spLocks/>
-          </p:cNvSpPr>
+          <p:cNvSpPr txBox="1"/>
           <p:nvPr/>
         </p:nvSpPr>
         <p:spPr>
@@ -5431,11 +6311,6 @@
         </p:txBody>
       </p:sp>
     </p:spTree>
-    <p:extLst>
-      <p:ext uri="{BB962C8B-B14F-4D97-AF65-F5344CB8AC3E}">
-        <p14:creationId xmlns:p14="http://schemas.microsoft.com/office/powerpoint/2010/main" val="1616961062"/>
-      </p:ext>
-    </p:extLst>
   </p:cSld>
   <p:clrMapOvr>
     <a:masterClrMapping/>
@@ -5512,9 +6387,6 @@
         </p:spPr>
         <p:txBody>
           <a:bodyPr vert="horz" wrap="square" lIns="0" tIns="0" rIns="0" bIns="0" numCol="1" anchor="ctr" anchorCtr="0" compatLnSpc="1">
-            <a:prstTxWarp prst="textNoShape">
-              <a:avLst/>
-            </a:prstTxWarp>
             <a:spAutoFit/>
           </a:bodyPr>
           <a:lstStyle>
@@ -5529,7 +6401,7 @@
                 <a:solidFill>
                   <a:schemeClr val="tx1"/>
                 </a:solidFill>
-                <a:latin typeface="Arial" panose="020B0604020202020204" pitchFamily="34" charset="0"/>
+                <a:latin typeface="Arial" panose="020B0604020202090204" pitchFamily="34" charset="0"/>
               </a:defRPr>
             </a:lvl1pPr>
             <a:lvl2pPr eaLnBrk="0" fontAlgn="base" hangingPunct="0">
@@ -5543,7 +6415,7 @@
                 <a:solidFill>
                   <a:schemeClr val="tx1"/>
                 </a:solidFill>
-                <a:latin typeface="Arial" panose="020B0604020202020204" pitchFamily="34" charset="0"/>
+                <a:latin typeface="Arial" panose="020B0604020202090204" pitchFamily="34" charset="0"/>
               </a:defRPr>
             </a:lvl2pPr>
             <a:lvl3pPr eaLnBrk="0" fontAlgn="base" hangingPunct="0">
@@ -5557,7 +6429,7 @@
                 <a:solidFill>
                   <a:schemeClr val="tx1"/>
                 </a:solidFill>
-                <a:latin typeface="Arial" panose="020B0604020202020204" pitchFamily="34" charset="0"/>
+                <a:latin typeface="Arial" panose="020B0604020202090204" pitchFamily="34" charset="0"/>
               </a:defRPr>
             </a:lvl3pPr>
             <a:lvl4pPr eaLnBrk="0" fontAlgn="base" hangingPunct="0">
@@ -5571,7 +6443,7 @@
                 <a:solidFill>
                   <a:schemeClr val="tx1"/>
                 </a:solidFill>
-                <a:latin typeface="Arial" panose="020B0604020202020204" pitchFamily="34" charset="0"/>
+                <a:latin typeface="Arial" panose="020B0604020202090204" pitchFamily="34" charset="0"/>
               </a:defRPr>
             </a:lvl4pPr>
             <a:lvl5pPr eaLnBrk="0" fontAlgn="base" hangingPunct="0">
@@ -5585,7 +6457,7 @@
                 <a:solidFill>
                   <a:schemeClr val="tx1"/>
                 </a:solidFill>
-                <a:latin typeface="Arial" panose="020B0604020202020204" pitchFamily="34" charset="0"/>
+                <a:latin typeface="Arial" panose="020B0604020202090204" pitchFamily="34" charset="0"/>
               </a:defRPr>
             </a:lvl5pPr>
             <a:lvl6pPr eaLnBrk="0" fontAlgn="base" hangingPunct="0">
@@ -5599,7 +6471,7 @@
                 <a:solidFill>
                   <a:schemeClr val="tx1"/>
                 </a:solidFill>
-                <a:latin typeface="Arial" panose="020B0604020202020204" pitchFamily="34" charset="0"/>
+                <a:latin typeface="Arial" panose="020B0604020202090204" pitchFamily="34" charset="0"/>
               </a:defRPr>
             </a:lvl6pPr>
             <a:lvl7pPr eaLnBrk="0" fontAlgn="base" hangingPunct="0">
@@ -5613,7 +6485,7 @@
                 <a:solidFill>
                   <a:schemeClr val="tx1"/>
                 </a:solidFill>
-                <a:latin typeface="Arial" panose="020B0604020202020204" pitchFamily="34" charset="0"/>
+                <a:latin typeface="Arial" panose="020B0604020202090204" pitchFamily="34" charset="0"/>
               </a:defRPr>
             </a:lvl7pPr>
             <a:lvl8pPr eaLnBrk="0" fontAlgn="base" hangingPunct="0">
@@ -5627,7 +6499,7 @@
                 <a:solidFill>
                   <a:schemeClr val="tx1"/>
                 </a:solidFill>
-                <a:latin typeface="Arial" panose="020B0604020202020204" pitchFamily="34" charset="0"/>
+                <a:latin typeface="Arial" panose="020B0604020202090204" pitchFamily="34" charset="0"/>
               </a:defRPr>
             </a:lvl8pPr>
             <a:lvl9pPr eaLnBrk="0" fontAlgn="base" hangingPunct="0">
@@ -5641,7 +6513,7 @@
                 <a:solidFill>
                   <a:schemeClr val="tx1"/>
                 </a:solidFill>
-                <a:latin typeface="Arial" panose="020B0604020202020204" pitchFamily="34" charset="0"/>
+                <a:latin typeface="Arial" panose="020B0604020202090204" pitchFamily="34" charset="0"/>
               </a:defRPr>
             </a:lvl9pPr>
           </a:lstStyle>
@@ -5660,7 +6532,6 @@
               <a:buSzTx/>
               <a:buFontTx/>
               <a:buNone/>
-              <a:tabLst/>
             </a:pPr>
             <a:r>
               <a:rPr kumimoji="0" lang="zh-TW" altLang="zh-TW" sz="1600" i="0" u="none" strike="noStrike" cap="none" normalizeH="0" baseline="0" dirty="0">
@@ -5694,7 +6565,7 @@
                 <a:effectLst/>
                 <a:latin typeface="Adobe 黑体 Std R" panose="020B0400000000000000" pitchFamily="34" charset="-128"/>
                 <a:ea typeface="Adobe 黑体 Std R" panose="020B0400000000000000" pitchFamily="34" charset="-128"/>
-                <a:cs typeface="Arial" panose="020B0604020202020204" pitchFamily="34" charset="0"/>
+                <a:cs typeface="Arial" panose="020B0604020202090204" pitchFamily="34" charset="0"/>
               </a:rPr>
               <a:t> 方法會將陣列內的每個元素，皆傳入並執行給定的函式一次。</a:t>
             </a:r>
@@ -5715,6 +6586,20 @@
               </a:rPr>
               <a:t> </a:t>
             </a:r>
+            <a:endParaRPr kumimoji="0" lang="zh-TW" altLang="zh-TW" sz="1600" i="0" u="none" strike="noStrike" cap="none" normalizeH="0" baseline="0" dirty="0">
+              <a:ln>
+                <a:noFill/>
+              </a:ln>
+              <a:solidFill>
+                <a:schemeClr val="tx1">
+                  <a:lumMod val="65000"/>
+                  <a:lumOff val="35000"/>
+                </a:schemeClr>
+              </a:solidFill>
+              <a:effectLst/>
+              <a:latin typeface="Adobe 黑体 Std R" panose="020B0400000000000000" pitchFamily="34" charset="-128"/>
+              <a:ea typeface="Adobe 黑体 Std R" panose="020B0400000000000000" pitchFamily="34" charset="-128"/>
+            </a:endParaRPr>
           </a:p>
         </p:txBody>
       </p:sp>
@@ -5765,6 +6650,16 @@
               </a:rPr>
               <a:t>方法會搜尋符合條件的資料然後返回再構成的新陣列。</a:t>
             </a:r>
+            <a:endParaRPr lang="zh-TW" altLang="en-US" sz="1600" dirty="0">
+              <a:solidFill>
+                <a:schemeClr val="tx1">
+                  <a:lumMod val="65000"/>
+                  <a:lumOff val="35000"/>
+                </a:schemeClr>
+              </a:solidFill>
+              <a:latin typeface="Adobe 黑体 Std R" panose="020B0400000000000000" pitchFamily="34" charset="-128"/>
+              <a:ea typeface="Adobe 黑体 Std R" panose="020B0400000000000000" pitchFamily="34" charset="-128"/>
+            </a:endParaRPr>
           </a:p>
         </p:txBody>
       </p:sp>
@@ -5867,6 +6762,16 @@
               </a:rPr>
               <a:t> 。</a:t>
             </a:r>
+            <a:endParaRPr lang="zh-TW" altLang="en-US" sz="1600" dirty="0">
+              <a:solidFill>
+                <a:schemeClr val="tx1">
+                  <a:lumMod val="65000"/>
+                  <a:lumOff val="35000"/>
+                </a:schemeClr>
+              </a:solidFill>
+              <a:latin typeface="Adobe 黑体 Std R" panose="020B0400000000000000" pitchFamily="34" charset="-128"/>
+              <a:ea typeface="Adobe 黑体 Std R" panose="020B0400000000000000" pitchFamily="34" charset="-128"/>
+            </a:endParaRPr>
           </a:p>
         </p:txBody>
       </p:sp>
@@ -5917,15 +6822,20 @@
               </a:rPr>
               <a:t>方法會透過函式內所回傳的值而組合成一個新陣列。</a:t>
             </a:r>
+            <a:endParaRPr lang="zh-TW" altLang="en-US" sz="1600" dirty="0">
+              <a:solidFill>
+                <a:schemeClr val="tx1">
+                  <a:lumMod val="65000"/>
+                  <a:lumOff val="35000"/>
+                </a:schemeClr>
+              </a:solidFill>
+              <a:latin typeface="Adobe 黑体 Std R" panose="020B0400000000000000" pitchFamily="34" charset="-128"/>
+              <a:ea typeface="Adobe 黑体 Std R" panose="020B0400000000000000" pitchFamily="34" charset="-128"/>
+            </a:endParaRPr>
           </a:p>
         </p:txBody>
       </p:sp>
     </p:spTree>
-    <p:extLst>
-      <p:ext uri="{BB962C8B-B14F-4D97-AF65-F5344CB8AC3E}">
-        <p14:creationId xmlns:p14="http://schemas.microsoft.com/office/powerpoint/2010/main" val="3386813803"/>
-      </p:ext>
-    </p:extLst>
   </p:cSld>
   <p:clrMapOvr>
     <a:masterClrMapping/>
@@ -6033,6 +6943,12 @@
               </a:rPr>
               <a:t>;</a:t>
             </a:r>
+            <a:endParaRPr lang="en-US" altLang="zh-TW" dirty="0">
+              <a:solidFill>
+                <a:srgbClr val="F8F8F2"/>
+              </a:solidFill>
+              <a:latin typeface="Consolas" panose="020B0609020204030204" pitchFamily="49" charset="0"/>
+            </a:endParaRPr>
           </a:p>
           <a:p>
             <a:r>
@@ -6228,11 +7144,6 @@
         </p:txBody>
       </p:sp>
     </p:spTree>
-    <p:extLst>
-      <p:ext uri="{BB962C8B-B14F-4D97-AF65-F5344CB8AC3E}">
-        <p14:creationId xmlns:p14="http://schemas.microsoft.com/office/powerpoint/2010/main" val="3777665413"/>
-      </p:ext>
-    </p:extLst>
   </p:cSld>
   <p:clrMapOvr>
     <a:masterClrMapping/>
@@ -7162,11 +8073,6 @@
         </p:txBody>
       </p:sp>
     </p:spTree>
-    <p:extLst>
-      <p:ext uri="{BB962C8B-B14F-4D97-AF65-F5344CB8AC3E}">
-        <p14:creationId xmlns:p14="http://schemas.microsoft.com/office/powerpoint/2010/main" val="1580467043"/>
-      </p:ext>
-    </p:extLst>
   </p:cSld>
   <p:clrMapOvr>
     <a:masterClrMapping/>
@@ -7964,11 +8870,6 @@
         </p:txBody>
       </p:sp>
     </p:spTree>
-    <p:extLst>
-      <p:ext uri="{BB962C8B-B14F-4D97-AF65-F5344CB8AC3E}">
-        <p14:creationId xmlns:p14="http://schemas.microsoft.com/office/powerpoint/2010/main" val="1186815396"/>
-      </p:ext>
-    </p:extLst>
   </p:cSld>
   <p:clrMapOvr>
     <a:masterClrMapping/>
@@ -8724,6 +9625,12 @@
               </a:rPr>
               <a:t>)</a:t>
             </a:r>
+            <a:endParaRPr lang="en-US" altLang="zh-TW" dirty="0">
+              <a:solidFill>
+                <a:srgbClr val="F8F8F2"/>
+              </a:solidFill>
+              <a:latin typeface="Consolas" panose="020B0609020204030204" pitchFamily="49" charset="0"/>
+            </a:endParaRPr>
           </a:p>
         </p:txBody>
       </p:sp>
@@ -8862,11 +9769,6 @@
         </p:txBody>
       </p:sp>
     </p:spTree>
-    <p:extLst>
-      <p:ext uri="{BB962C8B-B14F-4D97-AF65-F5344CB8AC3E}">
-        <p14:creationId xmlns:p14="http://schemas.microsoft.com/office/powerpoint/2010/main" val="3393825037"/>
-      </p:ext>
-    </p:extLst>
   </p:cSld>
   <p:clrMapOvr>
     <a:masterClrMapping/>
@@ -8915,7 +9817,7 @@
             <a:pPr algn="ctr"/>
             <a:r>
               <a:rPr lang="en-US" altLang="zh-TW" sz="2000" dirty="0">
-                <a:hlinkClick r:id="rId2"/>
+                <a:hlinkClick r:id="rId1"/>
               </a:rPr>
               <a:t>https://github.com/MikeOnlineCourse/JS_Course_Intermediate_Example</a:t>
             </a:r>
@@ -8966,15 +9868,17 @@
               </a:rPr>
               <a:t> 範例下載</a:t>
             </a:r>
+            <a:endParaRPr lang="zh-TW" altLang="en-US" b="1" u="sng" dirty="0">
+              <a:solidFill>
+                <a:srgbClr val="323230"/>
+              </a:solidFill>
+              <a:latin typeface="Microsoft YaHei UI" panose="020B0503020204020204" pitchFamily="34" charset="-122"/>
+              <a:ea typeface="Microsoft YaHei UI" panose="020B0503020204020204" pitchFamily="34" charset="-122"/>
+            </a:endParaRPr>
           </a:p>
         </p:txBody>
       </p:sp>
     </p:spTree>
-    <p:extLst>
-      <p:ext uri="{BB962C8B-B14F-4D97-AF65-F5344CB8AC3E}">
-        <p14:creationId xmlns:p14="http://schemas.microsoft.com/office/powerpoint/2010/main" val="1949680231"/>
-      </p:ext>
-    </p:extLst>
   </p:cSld>
   <p:clrMapOvr>
     <a:masterClrMapping/>
@@ -9042,15 +9946,20 @@
               </a:rPr>
               <a:t>前後端分離</a:t>
             </a:r>
+            <a:endParaRPr lang="zh-TW" altLang="en-US" b="1" u="sng" dirty="0">
+              <a:solidFill>
+                <a:srgbClr val="323230"/>
+              </a:solidFill>
+              <a:latin typeface="Microsoft YaHei UI" panose="020B0503020204020204" pitchFamily="34" charset="-122"/>
+              <a:ea typeface="Microsoft YaHei UI" panose="020B0503020204020204" pitchFamily="34" charset="-122"/>
+            </a:endParaRPr>
           </a:p>
         </p:txBody>
       </p:sp>
       <p:sp>
         <p:nvSpPr>
           <p:cNvPr id="5" name="標題 1"/>
-          <p:cNvSpPr txBox="1">
-            <a:spLocks/>
-          </p:cNvSpPr>
+          <p:cNvSpPr txBox="1"/>
           <p:nvPr/>
         </p:nvSpPr>
         <p:spPr>
@@ -9094,7 +10003,7 @@
                 </a:solidFill>
                 <a:latin typeface="Microsoft YaHei UI" panose="020B0503020204020204" pitchFamily="34" charset="-122"/>
                 <a:ea typeface="Microsoft YaHei UI" panose="020B0503020204020204" pitchFamily="34" charset="-122"/>
-                <a:hlinkClick r:id="rId2"/>
+                <a:hlinkClick r:id="rId1"/>
               </a:rPr>
               <a:t>https://speakerdeck.com/mike1208/xian-dai-qian-duan-kai-fa-qian-hou-duan-fen-li</a:t>
             </a:r>
@@ -9109,11 +10018,6 @@
         </p:txBody>
       </p:sp>
     </p:spTree>
-    <p:extLst>
-      <p:ext uri="{BB962C8B-B14F-4D97-AF65-F5344CB8AC3E}">
-        <p14:creationId xmlns:p14="http://schemas.microsoft.com/office/powerpoint/2010/main" val="4290314496"/>
-      </p:ext>
-    </p:extLst>
   </p:cSld>
   <p:clrMapOvr>
     <a:masterClrMapping/>
@@ -9140,20 +10044,14 @@
       </p:grpSpPr>
       <p:pic>
         <p:nvPicPr>
-          <p:cNvPr id="7" name="圖片 6">
-            <a:extLst>
-              <a:ext uri="{FF2B5EF4-FFF2-40B4-BE49-F238E27FC236}">
-                <a16:creationId xmlns:a16="http://schemas.microsoft.com/office/drawing/2014/main" id="{FCB4471C-65FC-5F49-8514-4E5F2DA03E92}"/>
-              </a:ext>
-            </a:extLst>
-          </p:cNvPr>
+          <p:cNvPr id="7" name="圖片 6"/>
           <p:cNvPicPr>
             <a:picLocks noChangeAspect="1"/>
           </p:cNvPicPr>
           <p:nvPr/>
         </p:nvPicPr>
         <p:blipFill>
-          <a:blip r:embed="rId2">
+          <a:blip r:embed="rId1">
             <a:extLst>
               <a:ext uri="{28A0092B-C50C-407E-A947-70E740481C1C}">
                 <a14:useLocalDpi xmlns:a14="http://schemas.microsoft.com/office/drawing/2010/main" val="0"/>
@@ -9176,13 +10074,7 @@
       </p:pic>
       <p:sp>
         <p:nvSpPr>
-          <p:cNvPr id="8" name="標題 1">
-            <a:extLst>
-              <a:ext uri="{FF2B5EF4-FFF2-40B4-BE49-F238E27FC236}">
-                <a16:creationId xmlns:a16="http://schemas.microsoft.com/office/drawing/2014/main" id="{7312BAB0-ED4E-B441-973A-7DD55EFD13E6}"/>
-              </a:ext>
-            </a:extLst>
-          </p:cNvPr>
+          <p:cNvPr id="8" name="標題 1"/>
           <p:cNvSpPr>
             <a:spLocks noGrp="1"/>
           </p:cNvSpPr>
@@ -9214,7 +10106,7 @@
               <a:t># </a:t>
             </a:r>
             <a:r>
-              <a:rPr lang="zh-Hant" altLang="en-US" sz="3200" b="1" u="sng" dirty="0">
+              <a:rPr lang="en-US" altLang="en-US" sz="3200" b="1" u="sng" dirty="0">
                 <a:solidFill>
                   <a:srgbClr val="323230"/>
                 </a:solidFill>
@@ -9224,7 +10116,7 @@
               <a:t>什麼是</a:t>
             </a:r>
             <a:r>
-              <a:rPr lang="en-US" altLang="zh-Hant" sz="3200" b="1" u="sng" dirty="0" err="1">
+              <a:rPr lang="en-US" altLang="en-US" sz="3200" b="1" u="sng" dirty="0" err="1">
                 <a:solidFill>
                   <a:srgbClr val="323230"/>
                 </a:solidFill>
@@ -9234,7 +10126,7 @@
               <a:t>api</a:t>
             </a:r>
             <a:r>
-              <a:rPr lang="en-US" altLang="zh-Hant" sz="3200" b="1" u="sng" dirty="0">
+              <a:rPr lang="en-US" altLang="en-US" sz="3200" b="1" u="sng" dirty="0">
                 <a:solidFill>
                   <a:srgbClr val="323230"/>
                 </a:solidFill>
@@ -9255,13 +10147,7 @@
       </p:sp>
       <p:sp>
         <p:nvSpPr>
-          <p:cNvPr id="10" name="矩形 9">
-            <a:extLst>
-              <a:ext uri="{FF2B5EF4-FFF2-40B4-BE49-F238E27FC236}">
-                <a16:creationId xmlns:a16="http://schemas.microsoft.com/office/drawing/2014/main" id="{711EB9EB-24D0-9241-AD5B-CA5B1D79376A}"/>
-              </a:ext>
-            </a:extLst>
-          </p:cNvPr>
+          <p:cNvPr id="10" name="矩形 9"/>
           <p:cNvSpPr/>
           <p:nvPr/>
         </p:nvSpPr>
@@ -9282,7 +10168,7 @@
           <a:p>
             <a:r>
               <a:rPr lang="zh-TW" altLang="en-US" dirty="0">
-                <a:hlinkClick r:id="rId3"/>
+                <a:hlinkClick r:id="rId2"/>
               </a:rPr>
               <a:t>https://youtu.be/zvKadd9Cflc</a:t>
             </a:r>
@@ -9292,13 +10178,7 @@
       </p:sp>
       <p:sp>
         <p:nvSpPr>
-          <p:cNvPr id="11" name="矩形 10">
-            <a:extLst>
-              <a:ext uri="{FF2B5EF4-FFF2-40B4-BE49-F238E27FC236}">
-                <a16:creationId xmlns:a16="http://schemas.microsoft.com/office/drawing/2014/main" id="{F703328C-F454-3342-B266-30FBD0602B3E}"/>
-              </a:ext>
-            </a:extLst>
-          </p:cNvPr>
+          <p:cNvPr id="11" name="矩形 10"/>
           <p:cNvSpPr/>
           <p:nvPr/>
         </p:nvSpPr>
@@ -9348,11 +10228,6 @@
         </p:txBody>
       </p:sp>
     </p:spTree>
-    <p:extLst>
-      <p:ext uri="{BB962C8B-B14F-4D97-AF65-F5344CB8AC3E}">
-        <p14:creationId xmlns:p14="http://schemas.microsoft.com/office/powerpoint/2010/main" val="989270293"/>
-      </p:ext>
-    </p:extLst>
   </p:cSld>
   <p:clrMapOvr>
     <a:masterClrMapping/>
@@ -9517,6 +10392,16 @@
               </a:rPr>
               <a:t>物件的標準格式，常用於網站上的資料呈現。</a:t>
             </a:r>
+            <a:endParaRPr lang="zh-TW" altLang="en-US" sz="1400" dirty="0">
+              <a:solidFill>
+                <a:schemeClr val="tx1">
+                  <a:lumMod val="85000"/>
+                  <a:lumOff val="15000"/>
+                </a:schemeClr>
+              </a:solidFill>
+              <a:latin typeface="Adobe 黑体 Std R" panose="020B0400000000000000" pitchFamily="34" charset="-128"/>
+              <a:ea typeface="Adobe 黑体 Std R" panose="020B0400000000000000" pitchFamily="34" charset="-128"/>
+            </a:endParaRPr>
           </a:p>
           <a:p>
             <a:pPr>
@@ -9554,6 +10439,16 @@
               </a:rPr>
               <a:t>JSON 是依照 JavaScript 物件語法的資料格式，雖然 JSON 是以 JavaScript 語法為基礎，但可獨立使用，且許多程式設計環境亦可讀取 (剖析) 並產生 JSON。</a:t>
             </a:r>
+            <a:endParaRPr lang="zh-TW" altLang="en-US" sz="1400" dirty="0">
+              <a:solidFill>
+                <a:schemeClr val="tx1">
+                  <a:lumMod val="85000"/>
+                  <a:lumOff val="15000"/>
+                </a:schemeClr>
+              </a:solidFill>
+              <a:latin typeface="Adobe 黑体 Std R" panose="020B0400000000000000" pitchFamily="34" charset="-128"/>
+              <a:ea typeface="Adobe 黑体 Std R" panose="020B0400000000000000" pitchFamily="34" charset="-128"/>
+            </a:endParaRPr>
           </a:p>
           <a:p>
             <a:pPr>
@@ -9591,6 +10486,16 @@
               </a:rPr>
               <a:t>JSON 可能是物件或字串。當你想從 JSON中讀取資料時，JSON可作為物件；當要跨網路傳送 JSON 時，就會是字串。這不是什麼大問題 —  JavaScript 提供全域 JSON 物件，其內的函式可進行切換。</a:t>
             </a:r>
+            <a:endParaRPr lang="zh-TW" altLang="en-US" sz="1400" dirty="0">
+              <a:solidFill>
+                <a:schemeClr val="tx1">
+                  <a:lumMod val="85000"/>
+                  <a:lumOff val="15000"/>
+                </a:schemeClr>
+              </a:solidFill>
+              <a:latin typeface="Adobe 黑体 Std R" panose="020B0400000000000000" pitchFamily="34" charset="-128"/>
+              <a:ea typeface="Adobe 黑体 Std R" panose="020B0400000000000000" pitchFamily="34" charset="-128"/>
+            </a:endParaRPr>
           </a:p>
           <a:p>
             <a:pPr>
@@ -9628,15 +10533,20 @@
               </a:rPr>
               <a:t>JSON 物件可儲存於其自有的檔案中，基本上就是副檔名為 .json 的文字檔案。</a:t>
             </a:r>
+            <a:endParaRPr lang="zh-TW" altLang="en-US" sz="1400" dirty="0">
+              <a:solidFill>
+                <a:schemeClr val="tx1">
+                  <a:lumMod val="85000"/>
+                  <a:lumOff val="15000"/>
+                </a:schemeClr>
+              </a:solidFill>
+              <a:latin typeface="Adobe 黑体 Std R" panose="020B0400000000000000" pitchFamily="34" charset="-128"/>
+              <a:ea typeface="Adobe 黑体 Std R" panose="020B0400000000000000" pitchFamily="34" charset="-128"/>
+            </a:endParaRPr>
           </a:p>
         </p:txBody>
       </p:sp>
     </p:spTree>
-    <p:extLst>
-      <p:ext uri="{BB962C8B-B14F-4D97-AF65-F5344CB8AC3E}">
-        <p14:creationId xmlns:p14="http://schemas.microsoft.com/office/powerpoint/2010/main" val="2082197014"/>
-      </p:ext>
-    </p:extLst>
   </p:cSld>
   <p:clrMapOvr>
     <a:masterClrMapping/>
@@ -9670,7 +10580,7 @@
           <p:nvPr/>
         </p:nvPicPr>
         <p:blipFill>
-          <a:blip r:embed="rId2">
+          <a:blip r:embed="rId1">
             <a:extLst>
               <a:ext uri="{28A0092B-C50C-407E-A947-70E740481C1C}">
                 <a14:useLocalDpi xmlns:a14="http://schemas.microsoft.com/office/drawing/2010/main" val="0"/>
@@ -9694,9 +10604,7 @@
       <p:sp>
         <p:nvSpPr>
           <p:cNvPr id="7" name="標題 1"/>
-          <p:cNvSpPr txBox="1">
-            <a:spLocks/>
-          </p:cNvSpPr>
+          <p:cNvSpPr txBox="1"/>
           <p:nvPr/>
         </p:nvSpPr>
         <p:spPr>
@@ -9796,7 +10704,7 @@
           <a:p>
             <a:r>
               <a:rPr lang="en-US" altLang="zh-TW" dirty="0">
-                <a:hlinkClick r:id="rId3"/>
+                <a:hlinkClick r:id="rId2"/>
               </a:rPr>
               <a:t>https://www.json.org/</a:t>
             </a:r>
@@ -9805,11 +10713,6 @@
         </p:txBody>
       </p:sp>
     </p:spTree>
-    <p:extLst>
-      <p:ext uri="{BB962C8B-B14F-4D97-AF65-F5344CB8AC3E}">
-        <p14:creationId xmlns:p14="http://schemas.microsoft.com/office/powerpoint/2010/main" val="817703650"/>
-      </p:ext>
-    </p:extLst>
   </p:cSld>
   <p:clrMapOvr>
     <a:masterClrMapping/>
@@ -9836,13 +10739,7 @@
       </p:grpSpPr>
       <p:sp>
         <p:nvSpPr>
-          <p:cNvPr id="4" name="矩形 3">
-            <a:extLst>
-              <a:ext uri="{FF2B5EF4-FFF2-40B4-BE49-F238E27FC236}">
-                <a16:creationId xmlns:a16="http://schemas.microsoft.com/office/drawing/2014/main" id="{156707A3-68A3-2F4A-8CDA-2F9B2532D0B3}"/>
-              </a:ext>
-            </a:extLst>
-          </p:cNvPr>
+          <p:cNvPr id="4" name="矩形 3"/>
           <p:cNvSpPr/>
           <p:nvPr/>
         </p:nvSpPr>
@@ -9872,7 +10769,7 @@
               <a:t># </a:t>
             </a:r>
             <a:r>
-              <a:rPr lang="zh-Hant" altLang="en-US" sz="3200" b="1" u="sng" dirty="0">
+              <a:rPr lang="en-US" altLang="en-US" sz="3200" b="1" u="sng" dirty="0">
                 <a:solidFill>
                   <a:srgbClr val="000000"/>
                 </a:solidFill>
@@ -9904,13 +10801,7 @@
       </p:sp>
       <p:sp>
         <p:nvSpPr>
-          <p:cNvPr id="6" name="矩形 5">
-            <a:extLst>
-              <a:ext uri="{FF2B5EF4-FFF2-40B4-BE49-F238E27FC236}">
-                <a16:creationId xmlns:a16="http://schemas.microsoft.com/office/drawing/2014/main" id="{FB465A35-CC98-3F40-8C26-B37236DA0162}"/>
-              </a:ext>
-            </a:extLst>
-          </p:cNvPr>
+          <p:cNvPr id="6" name="矩形 5"/>
           <p:cNvSpPr/>
           <p:nvPr/>
         </p:nvSpPr>
@@ -9931,7 +10822,7 @@
           <a:p>
             <a:r>
               <a:rPr lang="en-US" altLang="zh-TW" sz="1400" dirty="0">
-                <a:hlinkClick r:id="rId2"/>
+                <a:hlinkClick r:id="rId1"/>
               </a:rPr>
               <a:t>https://zh.wikipedia.org/wiki/HTTP%E7%8A%B6%E6%80%81%E7%A0%81</a:t>
             </a:r>
@@ -9941,13 +10832,7 @@
       </p:sp>
       <p:sp>
         <p:nvSpPr>
-          <p:cNvPr id="7" name="矩形 6">
-            <a:extLst>
-              <a:ext uri="{FF2B5EF4-FFF2-40B4-BE49-F238E27FC236}">
-                <a16:creationId xmlns:a16="http://schemas.microsoft.com/office/drawing/2014/main" id="{DD9E23DF-C692-2246-B23B-E8A7F74751A8}"/>
-              </a:ext>
-            </a:extLst>
-          </p:cNvPr>
+          <p:cNvPr id="7" name="矩形 6"/>
           <p:cNvSpPr/>
           <p:nvPr/>
         </p:nvSpPr>
@@ -9967,7 +10852,7 @@
           <a:lstStyle/>
           <a:p>
             <a:pPr marL="457200" indent="-457200">
-              <a:buFont typeface="Arial" panose="020B0604020202020204" pitchFamily="34" charset="0"/>
+              <a:buFont typeface="Arial" panose="020B0604020202090204" pitchFamily="34" charset="0"/>
               <a:buChar char="•"/>
             </a:pPr>
             <a:r>
@@ -10003,13 +10888,7 @@
       </p:sp>
       <p:sp>
         <p:nvSpPr>
-          <p:cNvPr id="8" name="矩形 7">
-            <a:extLst>
-              <a:ext uri="{FF2B5EF4-FFF2-40B4-BE49-F238E27FC236}">
-                <a16:creationId xmlns:a16="http://schemas.microsoft.com/office/drawing/2014/main" id="{46C433FA-9CCB-9C41-8561-B25FB97C3997}"/>
-              </a:ext>
-            </a:extLst>
-          </p:cNvPr>
+          <p:cNvPr id="8" name="矩形 7"/>
           <p:cNvSpPr/>
           <p:nvPr/>
         </p:nvSpPr>
@@ -10029,7 +10908,7 @@
           <a:lstStyle/>
           <a:p>
             <a:pPr marL="457200" indent="-457200">
-              <a:buFont typeface="Arial" panose="020B0604020202020204" pitchFamily="34" charset="0"/>
+              <a:buFont typeface="Arial" panose="020B0604020202090204" pitchFamily="34" charset="0"/>
               <a:buChar char="•"/>
             </a:pPr>
             <a:r>
@@ -10065,13 +10944,7 @@
       </p:sp>
       <p:sp>
         <p:nvSpPr>
-          <p:cNvPr id="9" name="矩形 8">
-            <a:extLst>
-              <a:ext uri="{FF2B5EF4-FFF2-40B4-BE49-F238E27FC236}">
-                <a16:creationId xmlns:a16="http://schemas.microsoft.com/office/drawing/2014/main" id="{C34E9026-3B18-AE45-AC95-5441221D9DF1}"/>
-              </a:ext>
-            </a:extLst>
-          </p:cNvPr>
+          <p:cNvPr id="9" name="矩形 8"/>
           <p:cNvSpPr/>
           <p:nvPr/>
         </p:nvSpPr>
@@ -10091,7 +10964,7 @@
           <a:lstStyle/>
           <a:p>
             <a:pPr marL="457200" indent="-457200">
-              <a:buFont typeface="Arial" panose="020B0604020202020204" pitchFamily="34" charset="0"/>
+              <a:buFont typeface="Arial" panose="020B0604020202090204" pitchFamily="34" charset="0"/>
               <a:buChar char="•"/>
             </a:pPr>
             <a:r>
@@ -10127,13 +11000,7 @@
       </p:sp>
       <p:sp>
         <p:nvSpPr>
-          <p:cNvPr id="10" name="矩形 9">
-            <a:extLst>
-              <a:ext uri="{FF2B5EF4-FFF2-40B4-BE49-F238E27FC236}">
-                <a16:creationId xmlns:a16="http://schemas.microsoft.com/office/drawing/2014/main" id="{25AFE21C-8976-EB41-9B39-4A8704E5273E}"/>
-              </a:ext>
-            </a:extLst>
-          </p:cNvPr>
+          <p:cNvPr id="10" name="矩形 9"/>
           <p:cNvSpPr/>
           <p:nvPr/>
         </p:nvSpPr>
@@ -10158,7 +11025,7 @@
               </a:lnSpc>
             </a:pPr>
             <a:r>
-              <a:rPr lang="en-US" altLang="zh-Hant" b="0" i="0" dirty="0">
+              <a:rPr lang="en-US" altLang="en-US" b="0" i="0" dirty="0">
                 <a:solidFill>
                   <a:srgbClr val="000000"/>
                 </a:solidFill>
@@ -10166,18 +11033,7 @@
                 <a:latin typeface="Microsoft JhengHei" panose="020B0604030504040204" pitchFamily="34" charset="-120"/>
                 <a:ea typeface="Microsoft JhengHei" panose="020B0604030504040204" pitchFamily="34" charset="-120"/>
               </a:rPr>
-              <a:t>http </a:t>
-            </a:r>
-            <a:r>
-              <a:rPr lang="zh-Hant" altLang="en-US" b="0" i="0" dirty="0">
-                <a:solidFill>
-                  <a:srgbClr val="000000"/>
-                </a:solidFill>
-                <a:effectLst/>
-                <a:latin typeface="Microsoft JhengHei" panose="020B0604030504040204" pitchFamily="34" charset="-120"/>
-                <a:ea typeface="Microsoft JhengHei" panose="020B0604030504040204" pitchFamily="34" charset="-120"/>
-              </a:rPr>
-              <a:t>請求成功</a:t>
+              <a:t>http 請求成功</a:t>
             </a:r>
             <a:endParaRPr lang="zh-TW" altLang="en-US" b="0" i="0" dirty="0">
               <a:solidFill>
@@ -10192,13 +11048,7 @@
       </p:sp>
       <p:sp>
         <p:nvSpPr>
-          <p:cNvPr id="11" name="矩形 10">
-            <a:extLst>
-              <a:ext uri="{FF2B5EF4-FFF2-40B4-BE49-F238E27FC236}">
-                <a16:creationId xmlns:a16="http://schemas.microsoft.com/office/drawing/2014/main" id="{22FA0140-3918-9144-8FB9-1D42FD66FCC6}"/>
-              </a:ext>
-            </a:extLst>
-          </p:cNvPr>
+          <p:cNvPr id="11" name="矩形 10"/>
           <p:cNvSpPr/>
           <p:nvPr/>
         </p:nvSpPr>
@@ -10223,7 +11073,7 @@
               </a:lnSpc>
             </a:pPr>
             <a:r>
-              <a:rPr lang="en-US" altLang="zh-Hant" b="0" i="0" dirty="0">
+              <a:rPr lang="en-US" altLang="en-US" b="0" i="0" dirty="0">
                 <a:solidFill>
                   <a:srgbClr val="000000"/>
                 </a:solidFill>
@@ -10231,30 +11081,19 @@
                 <a:latin typeface="Microsoft JhengHei" panose="020B0604030504040204" pitchFamily="34" charset="-120"/>
                 <a:ea typeface="Microsoft JhengHei" panose="020B0604030504040204" pitchFamily="34" charset="-120"/>
               </a:rPr>
-              <a:t>http </a:t>
-            </a:r>
-            <a:r>
-              <a:rPr lang="zh-Hant" altLang="en-US" b="0" i="0" dirty="0">
+              <a:t>http 請求</a:t>
+            </a:r>
+            <a:r>
+              <a:rPr lang="en-US" altLang="en-US" dirty="0">
                 <a:solidFill>
                   <a:srgbClr val="000000"/>
                 </a:solidFill>
-                <a:effectLst/>
                 <a:latin typeface="Microsoft JhengHei" panose="020B0604030504040204" pitchFamily="34" charset="-120"/>
                 <a:ea typeface="Microsoft JhengHei" panose="020B0604030504040204" pitchFamily="34" charset="-120"/>
               </a:rPr>
-              <a:t>請求</a:t>
-            </a:r>
-            <a:r>
-              <a:rPr lang="zh-Hant" altLang="en-US" dirty="0">
-                <a:solidFill>
-                  <a:srgbClr val="000000"/>
-                </a:solidFill>
-                <a:latin typeface="Microsoft JhengHei" panose="020B0604030504040204" pitchFamily="34" charset="-120"/>
-                <a:ea typeface="Microsoft JhengHei" panose="020B0604030504040204" pitchFamily="34" charset="-120"/>
-              </a:rPr>
               <a:t>失敗，常見的可能是</a:t>
             </a:r>
-            <a:endParaRPr lang="en-US" altLang="zh-Hant" dirty="0">
+            <a:endParaRPr lang="en-US" altLang="en-US" dirty="0">
               <a:solidFill>
                 <a:srgbClr val="000000"/>
               </a:solidFill>
@@ -10269,44 +11108,14 @@
               </a:lnSpc>
             </a:pPr>
             <a:r>
-              <a:rPr lang="en-US" altLang="zh-Hant" dirty="0">
+              <a:rPr lang="en-US" altLang="en-US" dirty="0">
                 <a:solidFill>
                   <a:srgbClr val="000000"/>
                 </a:solidFill>
                 <a:latin typeface="Microsoft JhengHei" panose="020B0604030504040204" pitchFamily="34" charset="-120"/>
                 <a:ea typeface="Microsoft JhengHei" panose="020B0604030504040204" pitchFamily="34" charset="-120"/>
               </a:rPr>
-              <a:t>404</a:t>
-            </a:r>
-            <a:r>
-              <a:rPr lang="zh-Hant" altLang="en-US" dirty="0">
-                <a:solidFill>
-                  <a:srgbClr val="000000"/>
-                </a:solidFill>
-                <a:latin typeface="Microsoft JhengHei" panose="020B0604030504040204" pitchFamily="34" charset="-120"/>
-                <a:ea typeface="Microsoft JhengHei" panose="020B0604030504040204" pitchFamily="34" charset="-120"/>
-              </a:rPr>
-              <a:t>找不到資源，或是</a:t>
-            </a:r>
-            <a:r>
-              <a:rPr lang="en-US" altLang="zh-Hant" dirty="0">
-                <a:solidFill>
-                  <a:srgbClr val="000000"/>
-                </a:solidFill>
-                <a:latin typeface="Microsoft JhengHei" panose="020B0604030504040204" pitchFamily="34" charset="-120"/>
-                <a:ea typeface="Microsoft JhengHei" panose="020B0604030504040204" pitchFamily="34" charset="-120"/>
-              </a:rPr>
-              <a:t>403</a:t>
-            </a:r>
-            <a:r>
-              <a:rPr lang="zh-Hant" altLang="en-US" dirty="0">
-                <a:solidFill>
-                  <a:srgbClr val="000000"/>
-                </a:solidFill>
-                <a:latin typeface="Microsoft JhengHei" panose="020B0604030504040204" pitchFamily="34" charset="-120"/>
-                <a:ea typeface="Microsoft JhengHei" panose="020B0604030504040204" pitchFamily="34" charset="-120"/>
-              </a:rPr>
-              <a:t>請求不符合規範</a:t>
+              <a:t>404找不到資源，或是403請求不符合規範</a:t>
             </a:r>
             <a:endParaRPr lang="zh-TW" altLang="en-US" b="0" i="0" dirty="0">
               <a:solidFill>
@@ -10321,13 +11130,7 @@
       </p:sp>
       <p:sp>
         <p:nvSpPr>
-          <p:cNvPr id="12" name="矩形 11">
-            <a:extLst>
-              <a:ext uri="{FF2B5EF4-FFF2-40B4-BE49-F238E27FC236}">
-                <a16:creationId xmlns:a16="http://schemas.microsoft.com/office/drawing/2014/main" id="{237AA689-99FD-CB47-839A-1BF31D73EC93}"/>
-              </a:ext>
-            </a:extLst>
-          </p:cNvPr>
+          <p:cNvPr id="12" name="矩形 11"/>
           <p:cNvSpPr/>
           <p:nvPr/>
         </p:nvSpPr>
@@ -10382,34 +11185,14 @@
               <a:t>代表了伺服器在處理請求的過程中有錯誤或者異常狀態發生</a:t>
             </a:r>
             <a:r>
-              <a:rPr lang="zh-Hant" altLang="en-US" dirty="0">
+              <a:rPr lang="en-US" altLang="en-US" dirty="0">
                 <a:solidFill>
                   <a:srgbClr val="252525"/>
                 </a:solidFill>
                 <a:latin typeface="Microsoft JhengHei" panose="020B0604030504040204" pitchFamily="34" charset="-120"/>
                 <a:ea typeface="Microsoft JhengHei" panose="020B0604030504040204" pitchFamily="34" charset="-120"/>
               </a:rPr>
-              <a:t>，你就可以先去找後端，不是你的</a:t>
-            </a:r>
-            <a:r>
-              <a:rPr lang="en-US" altLang="zh-Hant" dirty="0">
-                <a:solidFill>
-                  <a:srgbClr val="252525"/>
-                </a:solidFill>
-                <a:latin typeface="Microsoft JhengHei" panose="020B0604030504040204" pitchFamily="34" charset="-120"/>
-                <a:ea typeface="Microsoft JhengHei" panose="020B0604030504040204" pitchFamily="34" charset="-120"/>
-              </a:rPr>
-              <a:t>code</a:t>
-            </a:r>
-            <a:r>
-              <a:rPr lang="zh-Hant" altLang="en-US" dirty="0">
-                <a:solidFill>
-                  <a:srgbClr val="252525"/>
-                </a:solidFill>
-                <a:latin typeface="Microsoft JhengHei" panose="020B0604030504040204" pitchFamily="34" charset="-120"/>
-                <a:ea typeface="Microsoft JhengHei" panose="020B0604030504040204" pitchFamily="34" charset="-120"/>
-              </a:rPr>
-              <a:t>寫錯！</a:t>
+              <a:t>，你就可以先去找後端，不是你的code寫錯！</a:t>
             </a:r>
             <a:endParaRPr lang="zh-TW" altLang="en-US" dirty="0">
               <a:latin typeface="Microsoft JhengHei" panose="020B0604030504040204" pitchFamily="34" charset="-120"/>
@@ -10419,11 +11202,6 @@
         </p:txBody>
       </p:sp>
     </p:spTree>
-    <p:extLst>
-      <p:ext uri="{BB962C8B-B14F-4D97-AF65-F5344CB8AC3E}">
-        <p14:creationId xmlns:p14="http://schemas.microsoft.com/office/powerpoint/2010/main" val="1844861516"/>
-      </p:ext>
-    </p:extLst>
   </p:cSld>
   <p:clrMapOvr>
     <a:masterClrMapping/>
@@ -10450,13 +11228,7 @@
       </p:grpSpPr>
       <p:sp>
         <p:nvSpPr>
-          <p:cNvPr id="4" name="矩形 3">
-            <a:extLst>
-              <a:ext uri="{FF2B5EF4-FFF2-40B4-BE49-F238E27FC236}">
-                <a16:creationId xmlns:a16="http://schemas.microsoft.com/office/drawing/2014/main" id="{156707A3-68A3-2F4A-8CDA-2F9B2532D0B3}"/>
-              </a:ext>
-            </a:extLst>
-          </p:cNvPr>
+          <p:cNvPr id="4" name="矩形 3"/>
           <p:cNvSpPr/>
           <p:nvPr/>
         </p:nvSpPr>
@@ -10493,6 +11265,7 @@
               <a:rPr lang="en-US" altLang="zh-TW" sz="3200" b="1" u="sng" dirty="0"/>
               <a:t> hashtag API </a:t>
             </a:r>
+            <a:endParaRPr lang="en-US" altLang="zh-TW" sz="3200" b="1" u="sng" dirty="0"/>
           </a:p>
         </p:txBody>
       </p:sp>
@@ -10572,13 +11345,7 @@
           <p:cNvGraphicFramePr>
             <a:graphicFrameLocks noGrp="1"/>
           </p:cNvGraphicFramePr>
-          <p:nvPr>
-            <p:extLst>
-              <p:ext uri="{D42A27DB-BD31-4B8C-83A1-F6EECF244321}">
-                <p14:modId xmlns:p14="http://schemas.microsoft.com/office/powerpoint/2010/main" val="3314018778"/>
-              </p:ext>
-            </p:extLst>
-          </p:nvPr>
+          <p:nvPr/>
         </p:nvGraphicFramePr>
         <p:xfrm>
           <a:off x="1926755" y="2300671"/>
@@ -10591,27 +11358,9 @@
                 <a:tableStyleId>{5C22544A-7EE6-4342-B048-85BDC9FD1C3A}</a:tableStyleId>
               </a:tblPr>
               <a:tblGrid>
-                <a:gridCol w="1872735">
-                  <a:extLst>
-                    <a:ext uri="{9D8B030D-6E8A-4147-A177-3AD203B41FA5}">
-                      <a16:colId xmlns:a16="http://schemas.microsoft.com/office/drawing/2014/main" val="20000"/>
-                    </a:ext>
-                  </a:extLst>
-                </a:gridCol>
-                <a:gridCol w="2356944">
-                  <a:extLst>
-                    <a:ext uri="{9D8B030D-6E8A-4147-A177-3AD203B41FA5}">
-                      <a16:colId xmlns:a16="http://schemas.microsoft.com/office/drawing/2014/main" val="20001"/>
-                    </a:ext>
-                  </a:extLst>
-                </a:gridCol>
-                <a:gridCol w="3898320">
-                  <a:extLst>
-                    <a:ext uri="{9D8B030D-6E8A-4147-A177-3AD203B41FA5}">
-                      <a16:colId xmlns:a16="http://schemas.microsoft.com/office/drawing/2014/main" val="20002"/>
-                    </a:ext>
-                  </a:extLst>
-                </a:gridCol>
+                <a:gridCol w="1872735"/>
+                <a:gridCol w="2356944"/>
+                <a:gridCol w="3898320"/>
               </a:tblGrid>
               <a:tr h="370840">
                 <a:tc>
@@ -10623,6 +11372,7 @@
                         <a:rPr lang="zh-TW" altLang="en-US" sz="1200" b="1" dirty="0"/>
                         <a:t>參數</a:t>
                       </a:r>
+                      <a:endParaRPr lang="zh-TW" altLang="en-US" sz="1200" b="1" dirty="0"/>
                     </a:p>
                   </a:txBody>
                   <a:tcPr/>
@@ -10636,6 +11386,7 @@
                         <a:rPr lang="zh-TW" altLang="en-US" sz="1200" b="1" dirty="0"/>
                         <a:t>值</a:t>
                       </a:r>
+                      <a:endParaRPr lang="zh-TW" altLang="en-US" sz="1200" b="1" dirty="0"/>
                     </a:p>
                   </a:txBody>
                   <a:tcPr/>
@@ -10649,15 +11400,11 @@
                         <a:rPr lang="zh-TW" altLang="en-US" sz="1200" b="1" dirty="0"/>
                         <a:t>說明</a:t>
                       </a:r>
+                      <a:endParaRPr lang="zh-TW" altLang="en-US" sz="1200" b="1" dirty="0"/>
                     </a:p>
                   </a:txBody>
                   <a:tcPr/>
                 </a:tc>
-                <a:extLst>
-                  <a:ext uri="{0D108BD9-81ED-4DB2-BD59-A6C34878D82A}">
-                    <a16:rowId xmlns:a16="http://schemas.microsoft.com/office/drawing/2014/main" val="10000"/>
-                  </a:ext>
-                </a:extLst>
               </a:tr>
               <a:tr h="370840">
                 <a:tc>
@@ -10679,7 +11426,6 @@
                         <a:buSzTx/>
                         <a:buFontTx/>
                         <a:buNone/>
-                        <a:tabLst/>
                         <a:defRPr/>
                       </a:pPr>
                       <a:r>
@@ -10694,6 +11440,15 @@
                         </a:rPr>
                         <a:t>__a</a:t>
                       </a:r>
+                      <a:endParaRPr lang="en-US" altLang="zh-TW" sz="1200" b="1" kern="1200" dirty="0">
+                        <a:solidFill>
+                          <a:schemeClr val="dk1"/>
+                        </a:solidFill>
+                        <a:effectLst/>
+                        <a:latin typeface="+mn-lt"/>
+                        <a:ea typeface="+mn-ea"/>
+                        <a:cs typeface="+mn-cs"/>
+                      </a:endParaRPr>
                     </a:p>
                   </a:txBody>
                   <a:tcPr/>
@@ -10726,11 +11481,6 @@
                   </a:txBody>
                   <a:tcPr/>
                 </a:tc>
-                <a:extLst>
-                  <a:ext uri="{0D108BD9-81ED-4DB2-BD59-A6C34878D82A}">
-                    <a16:rowId xmlns:a16="http://schemas.microsoft.com/office/drawing/2014/main" val="10001"/>
-                  </a:ext>
-                </a:extLst>
               </a:tr>
               <a:tr h="370840">
                 <a:tc>
@@ -10752,7 +11502,6 @@
                         <a:buSzTx/>
                         <a:buFontTx/>
                         <a:buNone/>
-                        <a:tabLst/>
                         <a:defRPr/>
                       </a:pPr>
                       <a:r>
@@ -10799,7 +11548,6 @@
                         <a:buSzTx/>
                         <a:buFontTx/>
                         <a:buNone/>
-                        <a:tabLst/>
                         <a:defRPr/>
                       </a:pPr>
                       <a:r>
@@ -10826,6 +11574,15 @@
                         </a:rPr>
                         <a:t>hash</a:t>
                       </a:r>
+                      <a:endParaRPr lang="en-US" altLang="zh-TW" sz="1200" b="1" kern="1200" dirty="0">
+                        <a:solidFill>
+                          <a:schemeClr val="dk1"/>
+                        </a:solidFill>
+                        <a:effectLst/>
+                        <a:latin typeface="+mn-lt"/>
+                        <a:ea typeface="+mn-ea"/>
+                        <a:cs typeface="+mn-cs"/>
+                      </a:endParaRPr>
                     </a:p>
                   </a:txBody>
                   <a:tcPr/>
@@ -10847,15 +11604,11 @@
                         <a:rPr lang="zh-TW" altLang="en-US" sz="1200" b="1" dirty="0"/>
                         <a:t>出現最後一頁的欄位的時候需要加上去</a:t>
                       </a:r>
+                      <a:endParaRPr lang="zh-TW" altLang="en-US" sz="1200" b="1" dirty="0"/>
                     </a:p>
                   </a:txBody>
                   <a:tcPr/>
                 </a:tc>
-                <a:extLst>
-                  <a:ext uri="{0D108BD9-81ED-4DB2-BD59-A6C34878D82A}">
-                    <a16:rowId xmlns:a16="http://schemas.microsoft.com/office/drawing/2014/main" val="10002"/>
-                  </a:ext>
-                </a:extLst>
               </a:tr>
             </a:tbl>
           </a:graphicData>
@@ -10867,13 +11620,7 @@
           <p:cNvGraphicFramePr>
             <a:graphicFrameLocks noGrp="1"/>
           </p:cNvGraphicFramePr>
-          <p:nvPr>
-            <p:extLst>
-              <p:ext uri="{D42A27DB-BD31-4B8C-83A1-F6EECF244321}">
-                <p14:modId xmlns:p14="http://schemas.microsoft.com/office/powerpoint/2010/main" val="1180301953"/>
-              </p:ext>
-            </p:extLst>
-          </p:nvPr>
+          <p:nvPr/>
         </p:nvGraphicFramePr>
         <p:xfrm>
           <a:off x="1926754" y="4500629"/>
@@ -10886,20 +11633,8 @@
                 <a:tableStyleId>{5C22544A-7EE6-4342-B048-85BDC9FD1C3A}</a:tableStyleId>
               </a:tblPr>
               <a:tblGrid>
-                <a:gridCol w="3804012">
-                  <a:extLst>
-                    <a:ext uri="{9D8B030D-6E8A-4147-A177-3AD203B41FA5}">
-                      <a16:colId xmlns:a16="http://schemas.microsoft.com/office/drawing/2014/main" val="20000"/>
-                    </a:ext>
-                  </a:extLst>
-                </a:gridCol>
-                <a:gridCol w="4323988">
-                  <a:extLst>
-                    <a:ext uri="{9D8B030D-6E8A-4147-A177-3AD203B41FA5}">
-                      <a16:colId xmlns:a16="http://schemas.microsoft.com/office/drawing/2014/main" val="20001"/>
-                    </a:ext>
-                  </a:extLst>
-                </a:gridCol>
+                <a:gridCol w="3804012"/>
+                <a:gridCol w="4323988"/>
               </a:tblGrid>
               <a:tr h="323368">
                 <a:tc>
@@ -10921,7 +11656,6 @@
                         <a:buSzTx/>
                         <a:buFontTx/>
                         <a:buNone/>
-                        <a:tabLst/>
                         <a:defRPr/>
                       </a:pPr>
                       <a:r>
@@ -10950,15 +11684,11 @@
                         <a:rPr lang="zh-TW" altLang="en-US" sz="1200" b="1" dirty="0"/>
                         <a:t>說明</a:t>
                       </a:r>
+                      <a:endParaRPr lang="zh-TW" altLang="en-US" sz="1200" b="1" dirty="0"/>
                     </a:p>
                   </a:txBody>
                   <a:tcPr/>
                 </a:tc>
-                <a:extLst>
-                  <a:ext uri="{0D108BD9-81ED-4DB2-BD59-A6C34878D82A}">
-                    <a16:rowId xmlns:a16="http://schemas.microsoft.com/office/drawing/2014/main" val="10000"/>
-                  </a:ext>
-                </a:extLst>
               </a:tr>
               <a:tr h="370840">
                 <a:tc>
@@ -10980,7 +11710,6 @@
                         <a:buSzTx/>
                         <a:buFontTx/>
                         <a:buNone/>
-                        <a:tabLst/>
                         <a:defRPr/>
                       </a:pPr>
                       <a:r>
@@ -11027,7 +11756,6 @@
                         <a:buSzTx/>
                         <a:buFontTx/>
                         <a:buNone/>
-                        <a:tabLst/>
                         <a:defRPr/>
                       </a:pPr>
                       <a:r>
@@ -11042,15 +11770,19 @@
                         </a:rPr>
                         <a:t>所有資料</a:t>
                       </a:r>
+                      <a:endParaRPr lang="zh-TW" altLang="en-US" sz="1200" b="1" kern="1200" dirty="0">
+                        <a:solidFill>
+                          <a:schemeClr val="dk1"/>
+                        </a:solidFill>
+                        <a:effectLst/>
+                        <a:latin typeface="+mn-lt"/>
+                        <a:ea typeface="+mn-ea"/>
+                        <a:cs typeface="+mn-cs"/>
+                      </a:endParaRPr>
                     </a:p>
                   </a:txBody>
                   <a:tcPr/>
                 </a:tc>
-                <a:extLst>
-                  <a:ext uri="{0D108BD9-81ED-4DB2-BD59-A6C34878D82A}">
-                    <a16:rowId xmlns:a16="http://schemas.microsoft.com/office/drawing/2014/main" val="10001"/>
-                  </a:ext>
-                </a:extLst>
               </a:tr>
               <a:tr h="370840">
                 <a:tc>
@@ -11072,7 +11804,6 @@
                         <a:buSzTx/>
                         <a:buFontTx/>
                         <a:buNone/>
-                        <a:tabLst/>
                         <a:defRPr/>
                       </a:pPr>
                       <a:r>
@@ -11119,7 +11850,6 @@
                         <a:buSzTx/>
                         <a:buFontTx/>
                         <a:buNone/>
-                        <a:tabLst/>
                         <a:defRPr/>
                       </a:pPr>
                       <a:r>
@@ -11134,15 +11864,19 @@
                         </a:rPr>
                         <a:t>所有照片</a:t>
                       </a:r>
+                      <a:endParaRPr lang="zh-TW" altLang="en-US" sz="1200" b="1" kern="1200" dirty="0">
+                        <a:solidFill>
+                          <a:schemeClr val="dk1"/>
+                        </a:solidFill>
+                        <a:effectLst/>
+                        <a:latin typeface="+mn-lt"/>
+                        <a:ea typeface="+mn-ea"/>
+                        <a:cs typeface="+mn-cs"/>
+                      </a:endParaRPr>
                     </a:p>
                   </a:txBody>
                   <a:tcPr/>
                 </a:tc>
-                <a:extLst>
-                  <a:ext uri="{0D108BD9-81ED-4DB2-BD59-A6C34878D82A}">
-                    <a16:rowId xmlns:a16="http://schemas.microsoft.com/office/drawing/2014/main" val="10002"/>
-                  </a:ext>
-                </a:extLst>
               </a:tr>
               <a:tr h="370840">
                 <a:tc>
@@ -11165,11 +11899,6 @@
                   </a:txBody>
                   <a:tcPr/>
                 </a:tc>
-                <a:extLst>
-                  <a:ext uri="{0D108BD9-81ED-4DB2-BD59-A6C34878D82A}">
-                    <a16:rowId xmlns:a16="http://schemas.microsoft.com/office/drawing/2014/main" val="10003"/>
-                  </a:ext>
-                </a:extLst>
               </a:tr>
             </a:tbl>
           </a:graphicData>
@@ -11234,11 +11963,6 @@
         </p:txBody>
       </p:sp>
     </p:spTree>
-    <p:extLst>
-      <p:ext uri="{BB962C8B-B14F-4D97-AF65-F5344CB8AC3E}">
-        <p14:creationId xmlns:p14="http://schemas.microsoft.com/office/powerpoint/2010/main" val="350368934"/>
-      </p:ext>
-    </p:extLst>
   </p:cSld>
   <p:clrMapOvr>
     <a:masterClrMapping/>
@@ -11265,13 +11989,7 @@
       </p:grpSpPr>
       <p:sp>
         <p:nvSpPr>
-          <p:cNvPr id="21" name="圓角矩形 20">
-            <a:extLst>
-              <a:ext uri="{FF2B5EF4-FFF2-40B4-BE49-F238E27FC236}">
-                <a16:creationId xmlns:a16="http://schemas.microsoft.com/office/drawing/2014/main" id="{D3E17314-681B-E744-AA6E-06B60ED1D494}"/>
-              </a:ext>
-            </a:extLst>
-          </p:cNvPr>
+          <p:cNvPr id="21" name="圓角矩形 20"/>
           <p:cNvSpPr/>
           <p:nvPr/>
         </p:nvSpPr>
@@ -11311,13 +12029,7 @@
       </p:sp>
       <p:sp>
         <p:nvSpPr>
-          <p:cNvPr id="2" name="矩形 1">
-            <a:extLst>
-              <a:ext uri="{FF2B5EF4-FFF2-40B4-BE49-F238E27FC236}">
-                <a16:creationId xmlns:a16="http://schemas.microsoft.com/office/drawing/2014/main" id="{1F91C1BF-2B69-564F-92C4-36851A2C2662}"/>
-              </a:ext>
-            </a:extLst>
-          </p:cNvPr>
+          <p:cNvPr id="2" name="矩形 1"/>
           <p:cNvSpPr/>
           <p:nvPr/>
         </p:nvSpPr>
@@ -11361,13 +12073,7 @@
       </p:sp>
       <p:sp>
         <p:nvSpPr>
-          <p:cNvPr id="3" name="矩形 2">
-            <a:extLst>
-              <a:ext uri="{FF2B5EF4-FFF2-40B4-BE49-F238E27FC236}">
-                <a16:creationId xmlns:a16="http://schemas.microsoft.com/office/drawing/2014/main" id="{283C0B0F-C3B5-BD4F-883C-09F49FF67D1F}"/>
-              </a:ext>
-            </a:extLst>
-          </p:cNvPr>
+          <p:cNvPr id="3" name="矩形 2"/>
           <p:cNvSpPr/>
           <p:nvPr/>
         </p:nvSpPr>
@@ -11411,13 +12117,7 @@
       </p:sp>
       <p:sp>
         <p:nvSpPr>
-          <p:cNvPr id="4" name="橢圓 3">
-            <a:extLst>
-              <a:ext uri="{FF2B5EF4-FFF2-40B4-BE49-F238E27FC236}">
-                <a16:creationId xmlns:a16="http://schemas.microsoft.com/office/drawing/2014/main" id="{472F9B87-6FC9-B44F-A02E-9296A0720770}"/>
-              </a:ext>
-            </a:extLst>
-          </p:cNvPr>
+          <p:cNvPr id="4" name="橢圓 3"/>
           <p:cNvSpPr/>
           <p:nvPr/>
         </p:nvSpPr>
@@ -11459,13 +12159,7 @@
       </p:sp>
       <p:cxnSp>
         <p:nvCxnSpPr>
-          <p:cNvPr id="6" name="直線箭頭接點 5">
-            <a:extLst>
-              <a:ext uri="{FF2B5EF4-FFF2-40B4-BE49-F238E27FC236}">
-                <a16:creationId xmlns:a16="http://schemas.microsoft.com/office/drawing/2014/main" id="{D38E5745-832A-E345-8A9F-5FF2C3D2EE19}"/>
-              </a:ext>
-            </a:extLst>
-          </p:cNvPr>
+          <p:cNvPr id="6" name="直線箭頭接點 5"/>
           <p:cNvCxnSpPr/>
           <p:nvPr/>
         </p:nvCxnSpPr>
@@ -11498,16 +12192,8 @@
       </p:cxnSp>
       <p:cxnSp>
         <p:nvCxnSpPr>
-          <p:cNvPr id="7" name="直線箭頭接點 6">
-            <a:extLst>
-              <a:ext uri="{FF2B5EF4-FFF2-40B4-BE49-F238E27FC236}">
-                <a16:creationId xmlns:a16="http://schemas.microsoft.com/office/drawing/2014/main" id="{E9C3D736-A46A-1F45-BA83-98B2129B78D8}"/>
-              </a:ext>
-            </a:extLst>
-          </p:cNvPr>
-          <p:cNvCxnSpPr>
-            <a:cxnSpLocks/>
-          </p:cNvCxnSpPr>
+          <p:cNvPr id="7" name="直線箭頭接點 6"/>
+          <p:cNvCxnSpPr/>
           <p:nvPr/>
         </p:nvCxnSpPr>
         <p:spPr>
@@ -11539,13 +12225,7 @@
       </p:cxnSp>
       <p:sp>
         <p:nvSpPr>
-          <p:cNvPr id="9" name="矩形 8">
-            <a:extLst>
-              <a:ext uri="{FF2B5EF4-FFF2-40B4-BE49-F238E27FC236}">
-                <a16:creationId xmlns:a16="http://schemas.microsoft.com/office/drawing/2014/main" id="{27524826-70DB-0441-8303-37FC66D1FC5B}"/>
-              </a:ext>
-            </a:extLst>
-          </p:cNvPr>
+          <p:cNvPr id="9" name="矩形 8"/>
           <p:cNvSpPr/>
           <p:nvPr/>
         </p:nvSpPr>
@@ -11585,13 +12265,7 @@
       </p:sp>
       <p:sp>
         <p:nvSpPr>
-          <p:cNvPr id="10" name="矩形 9">
-            <a:extLst>
-              <a:ext uri="{FF2B5EF4-FFF2-40B4-BE49-F238E27FC236}">
-                <a16:creationId xmlns:a16="http://schemas.microsoft.com/office/drawing/2014/main" id="{D5A40EA3-8607-7447-B5C5-1BA336DC4B1A}"/>
-              </a:ext>
-            </a:extLst>
-          </p:cNvPr>
+          <p:cNvPr id="10" name="矩形 9"/>
           <p:cNvSpPr/>
           <p:nvPr/>
         </p:nvSpPr>
@@ -11633,13 +12307,7 @@
       </p:sp>
       <p:sp>
         <p:nvSpPr>
-          <p:cNvPr id="11" name="矩形 10">
-            <a:extLst>
-              <a:ext uri="{FF2B5EF4-FFF2-40B4-BE49-F238E27FC236}">
-                <a16:creationId xmlns:a16="http://schemas.microsoft.com/office/drawing/2014/main" id="{D158EACD-7BFE-1141-B47B-73A9D59EB9ED}"/>
-              </a:ext>
-            </a:extLst>
-          </p:cNvPr>
+          <p:cNvPr id="11" name="矩形 10"/>
           <p:cNvSpPr/>
           <p:nvPr/>
         </p:nvSpPr>
@@ -11681,13 +12349,7 @@
       </p:sp>
       <p:sp>
         <p:nvSpPr>
-          <p:cNvPr id="12" name="矩形 11">
-            <a:extLst>
-              <a:ext uri="{FF2B5EF4-FFF2-40B4-BE49-F238E27FC236}">
-                <a16:creationId xmlns:a16="http://schemas.microsoft.com/office/drawing/2014/main" id="{74E49627-882D-544A-8BCB-3B4BF797F6E9}"/>
-              </a:ext>
-            </a:extLst>
-          </p:cNvPr>
+          <p:cNvPr id="12" name="矩形 11"/>
           <p:cNvSpPr/>
           <p:nvPr/>
         </p:nvSpPr>
@@ -11727,13 +12389,7 @@
       </p:sp>
       <p:sp>
         <p:nvSpPr>
-          <p:cNvPr id="13" name="矩形 12">
-            <a:extLst>
-              <a:ext uri="{FF2B5EF4-FFF2-40B4-BE49-F238E27FC236}">
-                <a16:creationId xmlns:a16="http://schemas.microsoft.com/office/drawing/2014/main" id="{20BC78A6-DC64-3947-9BB3-F887948FCEF2}"/>
-              </a:ext>
-            </a:extLst>
-          </p:cNvPr>
+          <p:cNvPr id="13" name="矩形 12"/>
           <p:cNvSpPr/>
           <p:nvPr/>
         </p:nvSpPr>
@@ -11775,13 +12431,7 @@
       </p:sp>
       <p:sp>
         <p:nvSpPr>
-          <p:cNvPr id="14" name="矩形 13">
-            <a:extLst>
-              <a:ext uri="{FF2B5EF4-FFF2-40B4-BE49-F238E27FC236}">
-                <a16:creationId xmlns:a16="http://schemas.microsoft.com/office/drawing/2014/main" id="{F0EF030A-79DE-B64D-A509-6ECC7BE738DE}"/>
-              </a:ext>
-            </a:extLst>
-          </p:cNvPr>
+          <p:cNvPr id="14" name="矩形 13"/>
           <p:cNvSpPr/>
           <p:nvPr/>
         </p:nvSpPr>
@@ -11823,13 +12473,7 @@
       </p:sp>
       <p:sp>
         <p:nvSpPr>
-          <p:cNvPr id="15" name="矩形 14">
-            <a:extLst>
-              <a:ext uri="{FF2B5EF4-FFF2-40B4-BE49-F238E27FC236}">
-                <a16:creationId xmlns:a16="http://schemas.microsoft.com/office/drawing/2014/main" id="{F3E5F92F-E9C2-7C45-8671-F16256EE76D3}"/>
-              </a:ext>
-            </a:extLst>
-          </p:cNvPr>
+          <p:cNvPr id="15" name="矩形 14"/>
           <p:cNvSpPr/>
           <p:nvPr/>
         </p:nvSpPr>
@@ -11869,13 +12513,7 @@
       </p:sp>
       <p:sp>
         <p:nvSpPr>
-          <p:cNvPr id="16" name="矩形 15">
-            <a:extLst>
-              <a:ext uri="{FF2B5EF4-FFF2-40B4-BE49-F238E27FC236}">
-                <a16:creationId xmlns:a16="http://schemas.microsoft.com/office/drawing/2014/main" id="{741F1151-B732-A149-A3A0-9570C9EF8329}"/>
-              </a:ext>
-            </a:extLst>
-          </p:cNvPr>
+          <p:cNvPr id="16" name="矩形 15"/>
           <p:cNvSpPr/>
           <p:nvPr/>
         </p:nvSpPr>
@@ -11917,13 +12555,7 @@
       </p:sp>
       <p:sp>
         <p:nvSpPr>
-          <p:cNvPr id="17" name="矩形 16">
-            <a:extLst>
-              <a:ext uri="{FF2B5EF4-FFF2-40B4-BE49-F238E27FC236}">
-                <a16:creationId xmlns:a16="http://schemas.microsoft.com/office/drawing/2014/main" id="{F7FF4DA2-F64B-A74D-BCB8-5A8395B98315}"/>
-              </a:ext>
-            </a:extLst>
-          </p:cNvPr>
+          <p:cNvPr id="17" name="矩形 16"/>
           <p:cNvSpPr/>
           <p:nvPr/>
         </p:nvSpPr>
@@ -11965,13 +12597,7 @@
       </p:sp>
       <p:sp>
         <p:nvSpPr>
-          <p:cNvPr id="18" name="矩形 17">
-            <a:extLst>
-              <a:ext uri="{FF2B5EF4-FFF2-40B4-BE49-F238E27FC236}">
-                <a16:creationId xmlns:a16="http://schemas.microsoft.com/office/drawing/2014/main" id="{09E29AD8-5509-5B44-9539-95248F49BF82}"/>
-              </a:ext>
-            </a:extLst>
-          </p:cNvPr>
+          <p:cNvPr id="18" name="矩形 17"/>
           <p:cNvSpPr/>
           <p:nvPr/>
         </p:nvSpPr>
@@ -12011,13 +12637,7 @@
       </p:sp>
       <p:sp>
         <p:nvSpPr>
-          <p:cNvPr id="19" name="矩形 18">
-            <a:extLst>
-              <a:ext uri="{FF2B5EF4-FFF2-40B4-BE49-F238E27FC236}">
-                <a16:creationId xmlns:a16="http://schemas.microsoft.com/office/drawing/2014/main" id="{6523B377-33A0-0F49-A5BF-5338157BBE09}"/>
-              </a:ext>
-            </a:extLst>
-          </p:cNvPr>
+          <p:cNvPr id="19" name="矩形 18"/>
           <p:cNvSpPr/>
           <p:nvPr/>
         </p:nvSpPr>
@@ -12059,13 +12679,7 @@
       </p:sp>
       <p:sp>
         <p:nvSpPr>
-          <p:cNvPr id="20" name="矩形 19">
-            <a:extLst>
-              <a:ext uri="{FF2B5EF4-FFF2-40B4-BE49-F238E27FC236}">
-                <a16:creationId xmlns:a16="http://schemas.microsoft.com/office/drawing/2014/main" id="{A77D0982-3F32-0E41-A364-B5E24518129C}"/>
-              </a:ext>
-            </a:extLst>
-          </p:cNvPr>
+          <p:cNvPr id="20" name="矩形 19"/>
           <p:cNvSpPr/>
           <p:nvPr/>
         </p:nvSpPr>
@@ -12107,16 +12721,8 @@
       </p:sp>
       <p:cxnSp>
         <p:nvCxnSpPr>
-          <p:cNvPr id="23" name="直線箭頭接點 22">
-            <a:extLst>
-              <a:ext uri="{FF2B5EF4-FFF2-40B4-BE49-F238E27FC236}">
-                <a16:creationId xmlns:a16="http://schemas.microsoft.com/office/drawing/2014/main" id="{4B310916-6054-5644-AEDE-5A0A5FB5884A}"/>
-              </a:ext>
-            </a:extLst>
-          </p:cNvPr>
-          <p:cNvCxnSpPr>
-            <a:cxnSpLocks/>
-          </p:cNvCxnSpPr>
+          <p:cNvPr id="23" name="直線箭頭接點 22"/>
+          <p:cNvCxnSpPr/>
           <p:nvPr/>
         </p:nvCxnSpPr>
         <p:spPr>
@@ -12147,11 +12753,6 @@
         </p:style>
       </p:cxnSp>
     </p:spTree>
-    <p:extLst>
-      <p:ext uri="{BB962C8B-B14F-4D97-AF65-F5344CB8AC3E}">
-        <p14:creationId xmlns:p14="http://schemas.microsoft.com/office/powerpoint/2010/main" val="3530550735"/>
-      </p:ext>
-    </p:extLst>
   </p:cSld>
   <p:clrMapOvr>
     <a:masterClrMapping/>
@@ -12186,13 +12787,7 @@
       </p:grpSpPr>
       <p:sp>
         <p:nvSpPr>
-          <p:cNvPr id="2" name="矩形 1">
-            <a:extLst>
-              <a:ext uri="{FF2B5EF4-FFF2-40B4-BE49-F238E27FC236}">
-                <a16:creationId xmlns:a16="http://schemas.microsoft.com/office/drawing/2014/main" id="{3333882F-B381-5A41-9CA5-D1541ADC4406}"/>
-              </a:ext>
-            </a:extLst>
-          </p:cNvPr>
+          <p:cNvPr id="2" name="矩形 1"/>
           <p:cNvSpPr/>
           <p:nvPr/>
         </p:nvSpPr>
@@ -12336,6 +12931,12 @@
               </a:rPr>
               <a:t> (res1) {</a:t>
             </a:r>
+            <a:endParaRPr lang="en-US" altLang="zh-TW" sz="1400" dirty="0">
+              <a:solidFill>
+                <a:srgbClr val="F8F8F2"/>
+              </a:solidFill>
+              <a:latin typeface="Menlo" panose="020B0609030804020204" pitchFamily="49" charset="0"/>
+            </a:endParaRPr>
           </a:p>
           <a:p>
             <a:pPr lvl="1"/>
@@ -12456,6 +13057,12 @@
               </a:rPr>
               <a:t> (res2) {</a:t>
             </a:r>
+            <a:endParaRPr lang="en-US" altLang="zh-TW" sz="1400" dirty="0">
+              <a:solidFill>
+                <a:srgbClr val="F8F8F2"/>
+              </a:solidFill>
+              <a:latin typeface="Menlo" panose="020B0609030804020204" pitchFamily="49" charset="0"/>
+            </a:endParaRPr>
           </a:p>
           <a:p>
             <a:pPr lvl="2"/>
@@ -12576,6 +13183,12 @@
               </a:rPr>
               <a:t> (res3) {</a:t>
             </a:r>
+            <a:endParaRPr lang="en-US" altLang="zh-TW" sz="1400" dirty="0">
+              <a:solidFill>
+                <a:srgbClr val="F8F8F2"/>
+              </a:solidFill>
+              <a:latin typeface="Menlo" panose="020B0609030804020204" pitchFamily="49" charset="0"/>
+            </a:endParaRPr>
           </a:p>
           <a:p>
             <a:pPr lvl="3"/>
@@ -12696,6 +13309,12 @@
               </a:rPr>
               <a:t> (res4) {</a:t>
             </a:r>
+            <a:endParaRPr lang="en-US" altLang="zh-TW" sz="1400" dirty="0">
+              <a:solidFill>
+                <a:srgbClr val="F8F8F2"/>
+              </a:solidFill>
+              <a:latin typeface="Menlo" panose="020B0609030804020204" pitchFamily="49" charset="0"/>
+            </a:endParaRPr>
           </a:p>
           <a:p>
             <a:pPr lvl="4"/>
@@ -12816,6 +13435,12 @@
               </a:rPr>
               <a:t> (res5) {</a:t>
             </a:r>
+            <a:endParaRPr lang="en-US" altLang="zh-TW" sz="1400" dirty="0">
+              <a:solidFill>
+                <a:srgbClr val="F8F8F2"/>
+              </a:solidFill>
+              <a:latin typeface="Menlo" panose="020B0609030804020204" pitchFamily="49" charset="0"/>
+            </a:endParaRPr>
           </a:p>
           <a:p>
             <a:pPr lvl="4"/>
@@ -12864,6 +13489,12 @@
               </a:rPr>
               <a:t>(res1, res2, res3, res4, res5);</a:t>
             </a:r>
+            <a:endParaRPr lang="en-US" altLang="zh-TW" sz="1400" dirty="0">
+              <a:solidFill>
+                <a:srgbClr val="F8F8F2"/>
+              </a:solidFill>
+              <a:latin typeface="Menlo" panose="020B0609030804020204" pitchFamily="49" charset="0"/>
+            </a:endParaRPr>
           </a:p>
           <a:p>
             <a:pPr lvl="4"/>
@@ -12876,6 +13507,12 @@
               </a:rPr>
               <a:t>})</a:t>
             </a:r>
+            <a:endParaRPr lang="en-US" altLang="zh-TW" sz="1400" dirty="0">
+              <a:solidFill>
+                <a:srgbClr val="F8F8F2"/>
+              </a:solidFill>
+              <a:latin typeface="Menlo" panose="020B0609030804020204" pitchFamily="49" charset="0"/>
+            </a:endParaRPr>
           </a:p>
           <a:p>
             <a:pPr lvl="3"/>
@@ -12888,6 +13525,12 @@
               </a:rPr>
               <a:t>})</a:t>
             </a:r>
+            <a:endParaRPr lang="en-US" altLang="zh-TW" sz="1400" dirty="0">
+              <a:solidFill>
+                <a:srgbClr val="F8F8F2"/>
+              </a:solidFill>
+              <a:latin typeface="Menlo" panose="020B0609030804020204" pitchFamily="49" charset="0"/>
+            </a:endParaRPr>
           </a:p>
           <a:p>
             <a:pPr lvl="2"/>
@@ -12900,6 +13543,12 @@
               </a:rPr>
               <a:t>})</a:t>
             </a:r>
+            <a:endParaRPr lang="en-US" altLang="zh-TW" sz="1400" dirty="0">
+              <a:solidFill>
+                <a:srgbClr val="F8F8F2"/>
+              </a:solidFill>
+              <a:latin typeface="Menlo" panose="020B0609030804020204" pitchFamily="49" charset="0"/>
+            </a:endParaRPr>
           </a:p>
           <a:p>
             <a:pPr lvl="1"/>
@@ -12912,6 +13561,12 @@
               </a:rPr>
               <a:t>})</a:t>
             </a:r>
+            <a:endParaRPr lang="en-US" altLang="zh-TW" sz="1400" dirty="0">
+              <a:solidFill>
+                <a:srgbClr val="F8F8F2"/>
+              </a:solidFill>
+              <a:latin typeface="Menlo" panose="020B0609030804020204" pitchFamily="49" charset="0"/>
+            </a:endParaRPr>
           </a:p>
           <a:p>
             <a:r>
@@ -12935,13 +13590,7 @@
       </p:sp>
       <p:sp>
         <p:nvSpPr>
-          <p:cNvPr id="3" name="標題 1">
-            <a:extLst>
-              <a:ext uri="{FF2B5EF4-FFF2-40B4-BE49-F238E27FC236}">
-                <a16:creationId xmlns:a16="http://schemas.microsoft.com/office/drawing/2014/main" id="{207F22D1-A870-E444-BDAC-5CF5E258B61B}"/>
-              </a:ext>
-            </a:extLst>
-          </p:cNvPr>
+          <p:cNvPr id="3" name="標題 1"/>
           <p:cNvSpPr>
             <a:spLocks noGrp="1"/>
           </p:cNvSpPr>
@@ -12967,54 +13616,14 @@
               </a:lnSpc>
             </a:pPr>
             <a:r>
-              <a:rPr lang="zh-Hant" altLang="en-US" sz="1800" dirty="0">
+              <a:rPr lang="en-US" altLang="en-US" sz="1800" dirty="0">
                 <a:solidFill>
                   <a:schemeClr val="bg1"/>
                 </a:solidFill>
                 <a:latin typeface="Microsoft YaHei UI" panose="020B0503020204020204" pitchFamily="34" charset="-122"/>
                 <a:ea typeface="Microsoft YaHei UI" panose="020B0503020204020204" pitchFamily="34" charset="-122"/>
               </a:rPr>
-              <a:t>如果要等所有的非同步處理完成後再執行，一般來說可以等</a:t>
-            </a:r>
-            <a:r>
-              <a:rPr lang="en-US" altLang="zh-Hant" sz="1800" dirty="0">
-                <a:solidFill>
-                  <a:schemeClr val="bg1"/>
-                </a:solidFill>
-                <a:latin typeface="Microsoft YaHei UI" panose="020B0503020204020204" pitchFamily="34" charset="-122"/>
-                <a:ea typeface="Microsoft YaHei UI" panose="020B0503020204020204" pitchFamily="34" charset="-122"/>
-              </a:rPr>
-              <a:t>callback</a:t>
-            </a:r>
-            <a:r>
-              <a:rPr lang="zh-Hant" altLang="en-US" sz="1800" dirty="0">
-                <a:solidFill>
-                  <a:schemeClr val="bg1"/>
-                </a:solidFill>
-                <a:latin typeface="Microsoft YaHei UI" panose="020B0503020204020204" pitchFamily="34" charset="-122"/>
-                <a:ea typeface="Microsoft YaHei UI" panose="020B0503020204020204" pitchFamily="34" charset="-122"/>
-              </a:rPr>
-              <a:t>完成後再執行下一個非同步處理，可是如果太多就會變成這種波動拳式的寫法，之後會不好維護，且</a:t>
-            </a:r>
-            <a:r>
-              <a:rPr lang="en-US" altLang="zh-Hant" sz="1800" dirty="0">
-                <a:solidFill>
-                  <a:schemeClr val="bg1"/>
-                </a:solidFill>
-                <a:latin typeface="Microsoft YaHei UI" panose="020B0503020204020204" pitchFamily="34" charset="-122"/>
-                <a:ea typeface="Microsoft YaHei UI" panose="020B0503020204020204" pitchFamily="34" charset="-122"/>
-              </a:rPr>
-              <a:t>code</a:t>
-            </a:r>
-            <a:r>
-              <a:rPr lang="zh-Hant" altLang="en-US" sz="1800" dirty="0">
-                <a:solidFill>
-                  <a:schemeClr val="bg1"/>
-                </a:solidFill>
-                <a:latin typeface="Microsoft YaHei UI" panose="020B0503020204020204" pitchFamily="34" charset="-122"/>
-                <a:ea typeface="Microsoft YaHei UI" panose="020B0503020204020204" pitchFamily="34" charset="-122"/>
-              </a:rPr>
-              <a:t>很醜！</a:t>
+              <a:t>如果要等所有的非同步處理完成後再執行，一般來說可以等callback完成後再執行下一個非同步處理，可是如果太多就會變成這種波動拳式的寫法，之後會不好維護，且code很醜！</a:t>
             </a:r>
             <a:endParaRPr lang="zh-TW" altLang="en-US" sz="1800" dirty="0">
               <a:solidFill>
@@ -13027,11 +13636,6 @@
         </p:txBody>
       </p:sp>
     </p:spTree>
-    <p:extLst>
-      <p:ext uri="{BB962C8B-B14F-4D97-AF65-F5344CB8AC3E}">
-        <p14:creationId xmlns:p14="http://schemas.microsoft.com/office/powerpoint/2010/main" val="2628621663"/>
-      </p:ext>
-    </p:extLst>
   </p:cSld>
   <p:clrMapOvr>
     <a:masterClrMapping/>
@@ -13066,13 +13670,7 @@
       </p:grpSpPr>
       <p:sp>
         <p:nvSpPr>
-          <p:cNvPr id="2" name="標題 1">
-            <a:extLst>
-              <a:ext uri="{FF2B5EF4-FFF2-40B4-BE49-F238E27FC236}">
-                <a16:creationId xmlns:a16="http://schemas.microsoft.com/office/drawing/2014/main" id="{E79C5F1B-4111-B34F-847E-75DCA5C284FD}"/>
-              </a:ext>
-            </a:extLst>
-          </p:cNvPr>
+          <p:cNvPr id="2" name="標題 1"/>
           <p:cNvSpPr>
             <a:spLocks noGrp="1"/>
           </p:cNvSpPr>
@@ -13118,47 +13716,27 @@
               <a:t> </a:t>
             </a:r>
             <a:r>
-              <a:rPr lang="zh-Hant" altLang="en-US" sz="1800" dirty="0">
+              <a:rPr lang="en-US" altLang="en-US" sz="1800" dirty="0">
                 <a:solidFill>
                   <a:schemeClr val="bg1"/>
                 </a:solidFill>
                 <a:latin typeface="Microsoft YaHei UI" panose="020B0503020204020204" pitchFamily="34" charset="-122"/>
                 <a:ea typeface="Microsoft YaHei UI" panose="020B0503020204020204" pitchFamily="34" charset="-122"/>
               </a:rPr>
-              <a:t>有提供一個</a:t>
-            </a:r>
-            <a:r>
-              <a:rPr lang="en-US" altLang="zh-Hant" sz="1800" dirty="0">
+              <a:t>有提供一個 all 的方法可以把所有的非同步處理都處理完成後再執行</a:t>
+            </a:r>
+            <a:r>
+              <a:rPr lang="en-US" altLang="en-US" sz="1800" dirty="0" err="1">
                 <a:solidFill>
                   <a:schemeClr val="bg1"/>
                 </a:solidFill>
                 <a:latin typeface="Microsoft YaHei UI" panose="020B0503020204020204" pitchFamily="34" charset="-122"/>
                 <a:ea typeface="Microsoft YaHei UI" panose="020B0503020204020204" pitchFamily="34" charset="-122"/>
               </a:rPr>
-              <a:t> all</a:t>
-            </a:r>
-            <a:r>
-              <a:rPr lang="zh-Hant" altLang="en-US" sz="1800" dirty="0">
-                <a:solidFill>
-                  <a:schemeClr val="bg1"/>
-                </a:solidFill>
-                <a:latin typeface="Microsoft YaHei UI" panose="020B0503020204020204" pitchFamily="34" charset="-122"/>
-                <a:ea typeface="Microsoft YaHei UI" panose="020B0503020204020204" pitchFamily="34" charset="-122"/>
-              </a:rPr>
-              <a:t> 的方法可以把所有的非同步處理都處理完成後再執行</a:t>
-            </a:r>
-            <a:r>
-              <a:rPr lang="en-US" altLang="zh-Hant" sz="1800" dirty="0" err="1">
-                <a:solidFill>
-                  <a:schemeClr val="bg1"/>
-                </a:solidFill>
-                <a:latin typeface="Microsoft YaHei UI" panose="020B0503020204020204" pitchFamily="34" charset="-122"/>
-                <a:ea typeface="Microsoft YaHei UI" panose="020B0503020204020204" pitchFamily="34" charset="-122"/>
-              </a:rPr>
               <a:t>callBack</a:t>
             </a:r>
             <a:r>
-              <a:rPr lang="zh-Hant" altLang="en-US" sz="1800" dirty="0">
+              <a:rPr lang="en-US" altLang="en-US" sz="1800" dirty="0">
                 <a:solidFill>
                   <a:schemeClr val="bg1"/>
                 </a:solidFill>
@@ -13179,13 +13757,7 @@
       </p:sp>
       <p:sp>
         <p:nvSpPr>
-          <p:cNvPr id="3" name="矩形 2">
-            <a:extLst>
-              <a:ext uri="{FF2B5EF4-FFF2-40B4-BE49-F238E27FC236}">
-                <a16:creationId xmlns:a16="http://schemas.microsoft.com/office/drawing/2014/main" id="{C1DC05E2-98B3-1B4A-A78F-CF4B51BFDFBB}"/>
-              </a:ext>
-            </a:extLst>
-          </p:cNvPr>
+          <p:cNvPr id="3" name="矩形 2"/>
           <p:cNvSpPr/>
           <p:nvPr/>
         </p:nvSpPr>
@@ -13240,6 +13812,12 @@
               </a:rPr>
               <a:t>() {</a:t>
             </a:r>
+            <a:endParaRPr lang="en-US" altLang="zh-TW" sz="1400" dirty="0">
+              <a:solidFill>
+                <a:srgbClr val="F8F8F2"/>
+              </a:solidFill>
+              <a:latin typeface="Menlo" panose="020B0609030804020204" pitchFamily="49" charset="0"/>
+            </a:endParaRPr>
           </a:p>
           <a:p>
             <a:r>
@@ -13314,6 +13892,12 @@
               </a:rPr>
               <a:t>);</a:t>
             </a:r>
+            <a:endParaRPr lang="en-US" altLang="zh-TW" sz="1400" dirty="0">
+              <a:solidFill>
+                <a:srgbClr val="F8F8F2"/>
+              </a:solidFill>
+              <a:latin typeface="Menlo" panose="020B0609030804020204" pitchFamily="49" charset="0"/>
+            </a:endParaRPr>
           </a:p>
           <a:p>
             <a:r>
@@ -13325,6 +13909,12 @@
               </a:rPr>
               <a:t>}</a:t>
             </a:r>
+            <a:endParaRPr lang="en-US" altLang="zh-TW" sz="1400" dirty="0">
+              <a:solidFill>
+                <a:srgbClr val="F8F8F2"/>
+              </a:solidFill>
+              <a:latin typeface="Menlo" panose="020B0609030804020204" pitchFamily="49" charset="0"/>
+            </a:endParaRPr>
           </a:p>
           <a:p>
             <a:r>
@@ -13363,6 +13953,12 @@
               </a:rPr>
               <a:t>() {</a:t>
             </a:r>
+            <a:endParaRPr lang="en-US" altLang="zh-TW" sz="1400" dirty="0">
+              <a:solidFill>
+                <a:srgbClr val="F8F8F2"/>
+              </a:solidFill>
+              <a:latin typeface="Menlo" panose="020B0609030804020204" pitchFamily="49" charset="0"/>
+            </a:endParaRPr>
           </a:p>
           <a:p>
             <a:r>
@@ -13437,6 +14033,12 @@
               </a:rPr>
               <a:t>);</a:t>
             </a:r>
+            <a:endParaRPr lang="en-US" altLang="zh-TW" sz="1400" dirty="0">
+              <a:solidFill>
+                <a:srgbClr val="F8F8F2"/>
+              </a:solidFill>
+              <a:latin typeface="Menlo" panose="020B0609030804020204" pitchFamily="49" charset="0"/>
+            </a:endParaRPr>
           </a:p>
           <a:p>
             <a:r>
@@ -13460,13 +14062,7 @@
       </p:sp>
       <p:sp>
         <p:nvSpPr>
-          <p:cNvPr id="5" name="矩形 4">
-            <a:extLst>
-              <a:ext uri="{FF2B5EF4-FFF2-40B4-BE49-F238E27FC236}">
-                <a16:creationId xmlns:a16="http://schemas.microsoft.com/office/drawing/2014/main" id="{6635FDE9-2CF8-AE4A-A10A-2FAF84E02666}"/>
-              </a:ext>
-            </a:extLst>
-          </p:cNvPr>
+          <p:cNvPr id="5" name="矩形 4"/>
           <p:cNvSpPr/>
           <p:nvPr/>
         </p:nvSpPr>
@@ -13638,8 +14234,6 @@
               </a:rPr>
               <a:t> (api1, api2) {</a:t>
             </a:r>
-          </a:p>
-          <a:p>
             <a:endParaRPr lang="en-US" altLang="zh-TW" sz="1400" dirty="0">
               <a:solidFill>
                 <a:srgbClr val="F8F8F2"/>
@@ -13648,6 +14242,14 @@
             </a:endParaRPr>
           </a:p>
           <a:p>
+            <a:endParaRPr lang="en-US" altLang="zh-TW" sz="1400" dirty="0">
+              <a:solidFill>
+                <a:srgbClr val="F8F8F2"/>
+              </a:solidFill>
+              <a:latin typeface="Menlo" panose="020B0609030804020204" pitchFamily="49" charset="0"/>
+            </a:endParaRPr>
+          </a:p>
+          <a:p>
             <a:r>
               <a:rPr lang="en-US" altLang="zh-TW" sz="1400" i="1" dirty="0">
                 <a:solidFill>
@@ -13693,6 +14295,12 @@
               </a:rPr>
               <a:t>(api1, api2);</a:t>
             </a:r>
+            <a:endParaRPr lang="en-US" altLang="zh-TW" sz="1400" dirty="0">
+              <a:solidFill>
+                <a:srgbClr val="F8F8F2"/>
+              </a:solidFill>
+              <a:latin typeface="Menlo" panose="020B0609030804020204" pitchFamily="49" charset="0"/>
+            </a:endParaRPr>
           </a:p>
           <a:p>
             <a:br>
@@ -13724,13 +14332,7 @@
       </p:sp>
       <p:cxnSp>
         <p:nvCxnSpPr>
-          <p:cNvPr id="9" name="直線接點 8">
-            <a:extLst>
-              <a:ext uri="{FF2B5EF4-FFF2-40B4-BE49-F238E27FC236}">
-                <a16:creationId xmlns:a16="http://schemas.microsoft.com/office/drawing/2014/main" id="{663E15BC-D355-DD49-ACAF-CD4696C742F0}"/>
-              </a:ext>
-            </a:extLst>
-          </p:cNvPr>
+          <p:cNvPr id="9" name="直線接點 8"/>
           <p:cNvCxnSpPr/>
           <p:nvPr/>
         </p:nvCxnSpPr>
@@ -13761,16 +14363,8 @@
       </p:cxnSp>
       <p:cxnSp>
         <p:nvCxnSpPr>
-          <p:cNvPr id="10" name="直線接點 9">
-            <a:extLst>
-              <a:ext uri="{FF2B5EF4-FFF2-40B4-BE49-F238E27FC236}">
-                <a16:creationId xmlns:a16="http://schemas.microsoft.com/office/drawing/2014/main" id="{26E1520E-4942-514E-ABF2-B5D783EA90BB}"/>
-              </a:ext>
-            </a:extLst>
-          </p:cNvPr>
-          <p:cNvCxnSpPr>
-            <a:cxnSpLocks/>
-          </p:cNvCxnSpPr>
+          <p:cNvPr id="10" name="直線接點 9"/>
+          <p:cNvCxnSpPr/>
           <p:nvPr/>
         </p:nvCxnSpPr>
         <p:spPr>
@@ -13800,13 +14394,7 @@
       </p:cxnSp>
       <p:cxnSp>
         <p:nvCxnSpPr>
-          <p:cNvPr id="15" name="直線箭頭接點 14">
-            <a:extLst>
-              <a:ext uri="{FF2B5EF4-FFF2-40B4-BE49-F238E27FC236}">
-                <a16:creationId xmlns:a16="http://schemas.microsoft.com/office/drawing/2014/main" id="{F4F14853-2EE5-C449-8BB5-0057F3418639}"/>
-              </a:ext>
-            </a:extLst>
-          </p:cNvPr>
+          <p:cNvPr id="15" name="直線箭頭接點 14"/>
           <p:cNvCxnSpPr/>
           <p:nvPr/>
         </p:nvCxnSpPr>
@@ -13839,16 +14427,8 @@
       </p:cxnSp>
       <p:cxnSp>
         <p:nvCxnSpPr>
-          <p:cNvPr id="16" name="直線接點 15">
-            <a:extLst>
-              <a:ext uri="{FF2B5EF4-FFF2-40B4-BE49-F238E27FC236}">
-                <a16:creationId xmlns:a16="http://schemas.microsoft.com/office/drawing/2014/main" id="{84CF1E2F-9A79-314C-8B15-D40532D9DB4B}"/>
-              </a:ext>
-            </a:extLst>
-          </p:cNvPr>
-          <p:cNvCxnSpPr>
-            <a:cxnSpLocks/>
-          </p:cNvCxnSpPr>
+          <p:cNvPr id="16" name="直線接點 15"/>
+          <p:cNvCxnSpPr/>
           <p:nvPr/>
         </p:nvCxnSpPr>
         <p:spPr>
@@ -13884,16 +14464,8 @@
       </p:cxnSp>
       <p:cxnSp>
         <p:nvCxnSpPr>
-          <p:cNvPr id="18" name="直線接點 17">
-            <a:extLst>
-              <a:ext uri="{FF2B5EF4-FFF2-40B4-BE49-F238E27FC236}">
-                <a16:creationId xmlns:a16="http://schemas.microsoft.com/office/drawing/2014/main" id="{A526251F-213A-7C4D-8230-FD109843D69A}"/>
-              </a:ext>
-            </a:extLst>
-          </p:cNvPr>
-          <p:cNvCxnSpPr>
-            <a:cxnSpLocks/>
-          </p:cNvCxnSpPr>
+          <p:cNvPr id="18" name="直線接點 17"/>
+          <p:cNvCxnSpPr/>
           <p:nvPr/>
         </p:nvCxnSpPr>
         <p:spPr>
@@ -13929,16 +14501,8 @@
       </p:cxnSp>
       <p:cxnSp>
         <p:nvCxnSpPr>
-          <p:cNvPr id="20" name="直線箭頭接點 19">
-            <a:extLst>
-              <a:ext uri="{FF2B5EF4-FFF2-40B4-BE49-F238E27FC236}">
-                <a16:creationId xmlns:a16="http://schemas.microsoft.com/office/drawing/2014/main" id="{B3AD4B63-8EC0-894D-8FF2-753983E11F3B}"/>
-              </a:ext>
-            </a:extLst>
-          </p:cNvPr>
-          <p:cNvCxnSpPr>
-            <a:cxnSpLocks/>
-          </p:cNvCxnSpPr>
+          <p:cNvPr id="20" name="直線箭頭接點 19"/>
+          <p:cNvCxnSpPr/>
           <p:nvPr/>
         </p:nvCxnSpPr>
         <p:spPr>
@@ -13974,11 +14538,6 @@
         </p:style>
       </p:cxnSp>
     </p:spTree>
-    <p:extLst>
-      <p:ext uri="{BB962C8B-B14F-4D97-AF65-F5344CB8AC3E}">
-        <p14:creationId xmlns:p14="http://schemas.microsoft.com/office/powerpoint/2010/main" val="3519612092"/>
-      </p:ext>
-    </p:extLst>
   </p:cSld>
   <p:clrMapOvr>
     <a:masterClrMapping/>
@@ -14047,9 +14606,7 @@
       <p:sp>
         <p:nvSpPr>
           <p:cNvPr id="3" name="標題 1"/>
-          <p:cNvSpPr txBox="1">
-            <a:spLocks/>
-          </p:cNvSpPr>
+          <p:cNvSpPr txBox="1"/>
           <p:nvPr/>
         </p:nvSpPr>
         <p:spPr>
@@ -14114,9 +14671,7 @@
       <p:sp>
         <p:nvSpPr>
           <p:cNvPr id="4" name="標題 1"/>
-          <p:cNvSpPr txBox="1">
-            <a:spLocks/>
-          </p:cNvSpPr>
+          <p:cNvSpPr txBox="1"/>
           <p:nvPr/>
         </p:nvSpPr>
         <p:spPr>
@@ -14183,11 +14738,6 @@
         </p:txBody>
       </p:sp>
     </p:spTree>
-    <p:extLst>
-      <p:ext uri="{BB962C8B-B14F-4D97-AF65-F5344CB8AC3E}">
-        <p14:creationId xmlns:p14="http://schemas.microsoft.com/office/powerpoint/2010/main" val="2304582498"/>
-      </p:ext>
-    </p:extLst>
   </p:cSld>
   <p:clrMapOvr>
     <a:masterClrMapping/>
@@ -14275,6 +14825,13 @@
               </a:rPr>
               <a:t>就是讚</a:t>
             </a:r>
+            <a:endParaRPr lang="zh-TW" altLang="en-US" sz="3200" b="1" u="sng" dirty="0">
+              <a:solidFill>
+                <a:srgbClr val="323230"/>
+              </a:solidFill>
+              <a:latin typeface="Microsoft YaHei UI" panose="020B0503020204020204" pitchFamily="34" charset="-122"/>
+              <a:ea typeface="Microsoft YaHei UI" panose="020B0503020204020204" pitchFamily="34" charset="-122"/>
+            </a:endParaRPr>
           </a:p>
         </p:txBody>
       </p:sp>
@@ -14287,7 +14844,7 @@
           <p:nvPr/>
         </p:nvPicPr>
         <p:blipFill>
-          <a:blip r:embed="rId2" cstate="print">
+          <a:blip r:embed="rId1" cstate="print">
             <a:extLst>
               <a:ext uri="{28A0092B-C50C-407E-A947-70E740481C1C}">
                 <a14:useLocalDpi xmlns:a14="http://schemas.microsoft.com/office/drawing/2010/main" val="0"/>
@@ -14420,69 +14977,6 @@
               </a:rPr>
               <a:t> Dark Soda</a:t>
             </a:r>
-          </a:p>
-          <a:p>
-            <a:pPr>
-              <a:lnSpc>
-                <a:spcPct val="150000"/>
-              </a:lnSpc>
-            </a:pPr>
-            <a:r>
-              <a:rPr lang="zh-TW" altLang="en-US" b="1" dirty="0">
-                <a:solidFill>
-                  <a:schemeClr val="tx1">
-                    <a:lumMod val="75000"/>
-                    <a:lumOff val="25000"/>
-                  </a:schemeClr>
-                </a:solidFill>
-                <a:latin typeface="Consolas" panose="020B0609020204030204" pitchFamily="49" charset="0"/>
-                <a:ea typeface="微軟正黑體" panose="020B0604030504040204" pitchFamily="34" charset="-120"/>
-                <a:cs typeface="Consolas" panose="020B0609020204030204" pitchFamily="49" charset="0"/>
-              </a:rPr>
-              <a:t>簡易</a:t>
-            </a:r>
-            <a:r>
-              <a:rPr lang="en-US" altLang="zh-TW" b="1" dirty="0">
-                <a:solidFill>
-                  <a:schemeClr val="tx1">
-                    <a:lumMod val="75000"/>
-                    <a:lumOff val="25000"/>
-                  </a:schemeClr>
-                </a:solidFill>
-                <a:latin typeface="Consolas" panose="020B0609020204030204" pitchFamily="49" charset="0"/>
-                <a:ea typeface="微軟正黑體" panose="020B0604030504040204" pitchFamily="34" charset="-120"/>
-                <a:cs typeface="Consolas" panose="020B0609020204030204" pitchFamily="49" charset="0"/>
-              </a:rPr>
-              <a:t>localhost</a:t>
-            </a:r>
-            <a:r>
-              <a:rPr lang="zh-TW" altLang="en-US" b="1" dirty="0">
-                <a:solidFill>
-                  <a:schemeClr val="tx1">
-                    <a:lumMod val="75000"/>
-                    <a:lumOff val="25000"/>
-                  </a:schemeClr>
-                </a:solidFill>
-                <a:latin typeface="Consolas" panose="020B0609020204030204" pitchFamily="49" charset="0"/>
-                <a:ea typeface="微軟正黑體" panose="020B0604030504040204" pitchFamily="34" charset="-120"/>
-                <a:cs typeface="Consolas" panose="020B0609020204030204" pitchFamily="49" charset="0"/>
-              </a:rPr>
-              <a:t>伺服器  </a:t>
-            </a:r>
-            <a:r>
-              <a:rPr lang="en-US" altLang="zh-TW" b="1" dirty="0">
-                <a:solidFill>
-                  <a:schemeClr val="tx1">
-                    <a:lumMod val="75000"/>
-                    <a:lumOff val="25000"/>
-                  </a:schemeClr>
-                </a:solidFill>
-                <a:latin typeface="Consolas" panose="020B0609020204030204" pitchFamily="49" charset="0"/>
-                <a:ea typeface="微軟正黑體" panose="020B0604030504040204" pitchFamily="34" charset="-120"/>
-                <a:cs typeface="Consolas" panose="020B0609020204030204" pitchFamily="49" charset="0"/>
-              </a:rPr>
-              <a:t>Live Server</a:t>
-            </a:r>
             <a:endParaRPr lang="en-US" altLang="zh-TW" b="1" i="0" dirty="0">
               <a:solidFill>
                 <a:schemeClr val="tx1">
@@ -14503,34 +14997,60 @@
               </a:lnSpc>
             </a:pPr>
             <a:r>
-              <a:rPr lang="zh-TW" altLang="en-US" b="1" i="0" dirty="0">
+              <a:rPr lang="zh-TW" altLang="en-US" b="1" dirty="0">
                 <a:solidFill>
                   <a:schemeClr val="tx1">
                     <a:lumMod val="75000"/>
                     <a:lumOff val="25000"/>
                   </a:schemeClr>
                 </a:solidFill>
-                <a:effectLst/>
                 <a:latin typeface="Consolas" panose="020B0609020204030204" pitchFamily="49" charset="0"/>
                 <a:ea typeface="微軟正黑體" panose="020B0604030504040204" pitchFamily="34" charset="-120"/>
                 <a:cs typeface="Consolas" panose="020B0609020204030204" pitchFamily="49" charset="0"/>
               </a:rPr>
-              <a:t>路徑選擇套件         </a:t>
-            </a:r>
-            <a:r>
-              <a:rPr lang="en-US" altLang="zh-TW" b="1" i="0" dirty="0" err="1">
+              <a:t>簡易</a:t>
+            </a:r>
+            <a:r>
+              <a:rPr lang="en-US" altLang="zh-TW" b="1" dirty="0">
                 <a:solidFill>
                   <a:schemeClr val="tx1">
                     <a:lumMod val="75000"/>
                     <a:lumOff val="25000"/>
                   </a:schemeClr>
                 </a:solidFill>
-                <a:effectLst/>
                 <a:latin typeface="Consolas" panose="020B0609020204030204" pitchFamily="49" charset="0"/>
                 <a:ea typeface="微軟正黑體" panose="020B0604030504040204" pitchFamily="34" charset="-120"/>
                 <a:cs typeface="Consolas" panose="020B0609020204030204" pitchFamily="49" charset="0"/>
               </a:rPr>
-              <a:t>AutoFileName</a:t>
+              <a:t>localhost</a:t>
+            </a:r>
+            <a:r>
+              <a:rPr lang="zh-TW" altLang="en-US" b="1" dirty="0">
+                <a:solidFill>
+                  <a:schemeClr val="tx1">
+                    <a:lumMod val="75000"/>
+                    <a:lumOff val="25000"/>
+                  </a:schemeClr>
+                </a:solidFill>
+                <a:latin typeface="Consolas" panose="020B0609020204030204" pitchFamily="49" charset="0"/>
+                <a:ea typeface="微軟正黑體" panose="020B0604030504040204" pitchFamily="34" charset="-120"/>
+                <a:cs typeface="Consolas" panose="020B0609020204030204" pitchFamily="49" charset="0"/>
+              </a:rPr>
+              <a:t>伺服器  </a:t>
+            </a:r>
+            <a:r>
+              <a:rPr lang="en-US" altLang="zh-TW" b="1" dirty="0">
+                <a:solidFill>
+                  <a:schemeClr val="tx1">
+                    <a:lumMod val="75000"/>
+                    <a:lumOff val="25000"/>
+                  </a:schemeClr>
+                </a:solidFill>
+                <a:latin typeface="Consolas" panose="020B0609020204030204" pitchFamily="49" charset="0"/>
+                <a:ea typeface="微軟正黑體" panose="020B0604030504040204" pitchFamily="34" charset="-120"/>
+                <a:cs typeface="Consolas" panose="020B0609020204030204" pitchFamily="49" charset="0"/>
+              </a:rPr>
+              <a:t>Live Server</a:t>
             </a:r>
             <a:endParaRPr lang="en-US" altLang="zh-TW" b="1" i="0" dirty="0">
               <a:solidFill>
@@ -14564,7 +15084,7 @@
                 <a:ea typeface="微軟正黑體" panose="020B0604030504040204" pitchFamily="34" charset="-120"/>
                 <a:cs typeface="Consolas" panose="020B0609020204030204" pitchFamily="49" charset="0"/>
               </a:rPr>
-              <a:t>文件圖示             </a:t>
+              <a:t>路徑選擇套件         </a:t>
             </a:r>
             <a:r>
               <a:rPr lang="en-US" altLang="zh-TW" b="1" i="0" dirty="0" err="1">
@@ -14579,199 +15099,7 @@
                 <a:ea typeface="微軟正黑體" panose="020B0604030504040204" pitchFamily="34" charset="-120"/>
                 <a:cs typeface="Consolas" panose="020B0609020204030204" pitchFamily="49" charset="0"/>
               </a:rPr>
-              <a:t>vscode</a:t>
-            </a:r>
-            <a:r>
-              <a:rPr lang="en-US" altLang="zh-TW" b="1" i="0" dirty="0">
-                <a:solidFill>
-                  <a:schemeClr val="tx1">
-                    <a:lumMod val="75000"/>
-                    <a:lumOff val="25000"/>
-                  </a:schemeClr>
-                </a:solidFill>
-                <a:effectLst/>
-                <a:latin typeface="Consolas" panose="020B0609020204030204" pitchFamily="49" charset="0"/>
-                <a:ea typeface="微軟正黑體" panose="020B0604030504040204" pitchFamily="34" charset="-120"/>
-                <a:cs typeface="Consolas" panose="020B0609020204030204" pitchFamily="49" charset="0"/>
-              </a:rPr>
-              <a:t>-icons</a:t>
-            </a:r>
-          </a:p>
-          <a:p>
-            <a:pPr>
-              <a:lnSpc>
-                <a:spcPct val="150000"/>
-              </a:lnSpc>
-            </a:pPr>
-            <a:r>
-              <a:rPr lang="zh-TW" altLang="en-US" b="1" dirty="0">
-                <a:solidFill>
-                  <a:schemeClr val="tx1">
-                    <a:lumMod val="75000"/>
-                    <a:lumOff val="25000"/>
-                  </a:schemeClr>
-                </a:solidFill>
-                <a:latin typeface="Consolas" panose="020B0609020204030204" pitchFamily="49" charset="0"/>
-                <a:cs typeface="Consolas" panose="020B0609020204030204" pitchFamily="49" charset="0"/>
-              </a:rPr>
-              <a:t>復製擋案名           </a:t>
-            </a:r>
-            <a:r>
-              <a:rPr lang="en-US" altLang="zh-TW" b="1" dirty="0">
-                <a:solidFill>
-                  <a:schemeClr val="tx1">
-                    <a:lumMod val="75000"/>
-                    <a:lumOff val="25000"/>
-                  </a:schemeClr>
-                </a:solidFill>
-                <a:latin typeface="Consolas" panose="020B0609020204030204" pitchFamily="49" charset="0"/>
-                <a:cs typeface="Consolas" panose="020B0609020204030204" pitchFamily="49" charset="0"/>
-              </a:rPr>
-              <a:t>Copy filename</a:t>
-            </a:r>
-          </a:p>
-          <a:p>
-            <a:pPr>
-              <a:lnSpc>
-                <a:spcPct val="150000"/>
-              </a:lnSpc>
-            </a:pPr>
-            <a:r>
-              <a:rPr lang="zh-TW" altLang="en-US" b="1" dirty="0">
-                <a:solidFill>
-                  <a:schemeClr val="tx1">
-                    <a:lumMod val="75000"/>
-                    <a:lumOff val="25000"/>
-                  </a:schemeClr>
-                </a:solidFill>
-              </a:rPr>
-              <a:t>括號顏色高亮                      </a:t>
-            </a:r>
-            <a:r>
-              <a:rPr lang="en-US" altLang="zh-TW" b="1" dirty="0">
-                <a:solidFill>
-                  <a:schemeClr val="tx1">
-                    <a:lumMod val="75000"/>
-                    <a:lumOff val="25000"/>
-                  </a:schemeClr>
-                </a:solidFill>
-              </a:rPr>
-              <a:t>Bracket Pair Colorizer</a:t>
-            </a:r>
-          </a:p>
-          <a:p>
-            <a:pPr>
-              <a:lnSpc>
-                <a:spcPct val="150000"/>
-              </a:lnSpc>
-            </a:pPr>
-            <a:r>
-              <a:rPr lang="zh-TW" altLang="en-US" b="1" dirty="0">
-                <a:solidFill>
-                  <a:schemeClr val="tx1">
-                    <a:lumMod val="75000"/>
-                    <a:lumOff val="25000"/>
-                  </a:schemeClr>
-                </a:solidFill>
-              </a:rPr>
-              <a:t>色碼高亮                               </a:t>
-            </a:r>
-            <a:r>
-              <a:rPr lang="en-US" altLang="zh-TW" b="1" dirty="0">
-                <a:solidFill>
-                  <a:schemeClr val="tx1">
-                    <a:lumMod val="75000"/>
-                    <a:lumOff val="25000"/>
-                  </a:schemeClr>
-                </a:solidFill>
-              </a:rPr>
-              <a:t>Color Highlight</a:t>
-            </a:r>
-          </a:p>
-          <a:p>
-            <a:pPr>
-              <a:lnSpc>
-                <a:spcPct val="150000"/>
-              </a:lnSpc>
-            </a:pPr>
-            <a:r>
-              <a:rPr lang="zh-TW" altLang="en-US" b="1" dirty="0">
-                <a:solidFill>
-                  <a:schemeClr val="tx1">
-                    <a:lumMod val="75000"/>
-                    <a:lumOff val="25000"/>
-                  </a:schemeClr>
-                </a:solidFill>
-              </a:rPr>
-              <a:t>高版本 </a:t>
-            </a:r>
-            <a:r>
-              <a:rPr lang="en-US" altLang="zh-TW" b="1" dirty="0" err="1">
-                <a:solidFill>
-                  <a:schemeClr val="tx1">
-                    <a:lumMod val="75000"/>
-                    <a:lumOff val="25000"/>
-                  </a:schemeClr>
-                </a:solidFill>
-              </a:rPr>
-              <a:t>Js</a:t>
-            </a:r>
-            <a:r>
-              <a:rPr lang="zh-TW" altLang="en-US" b="1" dirty="0">
-                <a:solidFill>
-                  <a:schemeClr val="tx1">
-                    <a:lumMod val="75000"/>
-                    <a:lumOff val="25000"/>
-                  </a:schemeClr>
-                </a:solidFill>
-              </a:rPr>
-              <a:t> 提示                     </a:t>
-            </a:r>
-            <a:r>
-              <a:rPr lang="en-US" altLang="zh-TW" b="1" dirty="0">
-                <a:solidFill>
-                  <a:schemeClr val="tx1">
-                    <a:lumMod val="75000"/>
-                    <a:lumOff val="25000"/>
-                  </a:schemeClr>
-                </a:solidFill>
-              </a:rPr>
-              <a:t>Babel ES6/ES7</a:t>
-            </a:r>
-          </a:p>
-          <a:p>
-            <a:pPr>
-              <a:lnSpc>
-                <a:spcPct val="150000"/>
-              </a:lnSpc>
-            </a:pPr>
-            <a:r>
-              <a:rPr lang="zh-TW" altLang="en-US" b="1" dirty="0">
-                <a:solidFill>
-                  <a:schemeClr val="tx1">
-                    <a:lumMod val="75000"/>
-                    <a:lumOff val="25000"/>
-                  </a:schemeClr>
-                </a:solidFill>
-                <a:latin typeface="Consolas" panose="020B0609020204030204" pitchFamily="49" charset="0"/>
-                <a:ea typeface="微軟正黑體" panose="020B0604030504040204" pitchFamily="34" charset="-120"/>
-                <a:cs typeface="Consolas" panose="020B0609020204030204" pitchFamily="49" charset="0"/>
-              </a:rPr>
-              <a:t>不要加入版本控管     </a:t>
-            </a:r>
-            <a:r>
-              <a:rPr lang="en-US" altLang="zh-TW" b="1" dirty="0" err="1">
-                <a:solidFill>
-                  <a:schemeClr val="tx1">
-                    <a:lumMod val="75000"/>
-                    <a:lumOff val="25000"/>
-                  </a:schemeClr>
-                </a:solidFill>
-                <a:latin typeface="Consolas" panose="020B0609020204030204" pitchFamily="49" charset="0"/>
-                <a:ea typeface="微軟正黑體" panose="020B0604030504040204" pitchFamily="34" charset="-120"/>
-                <a:cs typeface="Consolas" panose="020B0609020204030204" pitchFamily="49" charset="0"/>
-              </a:rPr>
-              <a:t>gitignore</a:t>
+              <a:t>AutoFileName</a:t>
             </a:r>
             <a:endParaRPr lang="en-US" altLang="zh-TW" b="1" i="0" dirty="0">
               <a:solidFill>
@@ -14786,14 +15114,296 @@
               <a:cs typeface="Consolas" panose="020B0609020204030204" pitchFamily="49" charset="0"/>
             </a:endParaRPr>
           </a:p>
+          <a:p>
+            <a:pPr>
+              <a:lnSpc>
+                <a:spcPct val="150000"/>
+              </a:lnSpc>
+            </a:pPr>
+            <a:r>
+              <a:rPr lang="zh-TW" altLang="en-US" b="1" i="0" dirty="0">
+                <a:solidFill>
+                  <a:schemeClr val="tx1">
+                    <a:lumMod val="75000"/>
+                    <a:lumOff val="25000"/>
+                  </a:schemeClr>
+                </a:solidFill>
+                <a:effectLst/>
+                <a:latin typeface="Consolas" panose="020B0609020204030204" pitchFamily="49" charset="0"/>
+                <a:ea typeface="微軟正黑體" panose="020B0604030504040204" pitchFamily="34" charset="-120"/>
+                <a:cs typeface="Consolas" panose="020B0609020204030204" pitchFamily="49" charset="0"/>
+              </a:rPr>
+              <a:t>文件圖示             </a:t>
+            </a:r>
+            <a:r>
+              <a:rPr lang="en-US" altLang="zh-TW" b="1" i="0" dirty="0" err="1">
+                <a:solidFill>
+                  <a:schemeClr val="tx1">
+                    <a:lumMod val="75000"/>
+                    <a:lumOff val="25000"/>
+                  </a:schemeClr>
+                </a:solidFill>
+                <a:effectLst/>
+                <a:latin typeface="Consolas" panose="020B0609020204030204" pitchFamily="49" charset="0"/>
+                <a:ea typeface="微軟正黑體" panose="020B0604030504040204" pitchFamily="34" charset="-120"/>
+                <a:cs typeface="Consolas" panose="020B0609020204030204" pitchFamily="49" charset="0"/>
+              </a:rPr>
+              <a:t>vscode</a:t>
+            </a:r>
+            <a:r>
+              <a:rPr lang="en-US" altLang="zh-TW" b="1" i="0" dirty="0">
+                <a:solidFill>
+                  <a:schemeClr val="tx1">
+                    <a:lumMod val="75000"/>
+                    <a:lumOff val="25000"/>
+                  </a:schemeClr>
+                </a:solidFill>
+                <a:effectLst/>
+                <a:latin typeface="Consolas" panose="020B0609020204030204" pitchFamily="49" charset="0"/>
+                <a:ea typeface="微軟正黑體" panose="020B0604030504040204" pitchFamily="34" charset="-120"/>
+                <a:cs typeface="Consolas" panose="020B0609020204030204" pitchFamily="49" charset="0"/>
+              </a:rPr>
+              <a:t>-icons</a:t>
+            </a:r>
+            <a:endParaRPr lang="en-US" altLang="zh-TW" b="1" i="0" dirty="0">
+              <a:solidFill>
+                <a:schemeClr val="tx1">
+                  <a:lumMod val="75000"/>
+                  <a:lumOff val="25000"/>
+                </a:schemeClr>
+              </a:solidFill>
+              <a:effectLst/>
+              <a:latin typeface="Consolas" panose="020B0609020204030204" pitchFamily="49" charset="0"/>
+              <a:ea typeface="微軟正黑體" panose="020B0604030504040204" pitchFamily="34" charset="-120"/>
+              <a:cs typeface="Consolas" panose="020B0609020204030204" pitchFamily="49" charset="0"/>
+            </a:endParaRPr>
+          </a:p>
+          <a:p>
+            <a:pPr>
+              <a:lnSpc>
+                <a:spcPct val="150000"/>
+              </a:lnSpc>
+            </a:pPr>
+            <a:r>
+              <a:rPr lang="zh-TW" altLang="en-US" b="1" dirty="0">
+                <a:solidFill>
+                  <a:schemeClr val="tx1">
+                    <a:lumMod val="75000"/>
+                    <a:lumOff val="25000"/>
+                  </a:schemeClr>
+                </a:solidFill>
+                <a:latin typeface="Consolas" panose="020B0609020204030204" pitchFamily="49" charset="0"/>
+                <a:cs typeface="Consolas" panose="020B0609020204030204" pitchFamily="49" charset="0"/>
+              </a:rPr>
+              <a:t>復製擋案名           </a:t>
+            </a:r>
+            <a:r>
+              <a:rPr lang="en-US" altLang="zh-TW" b="1" dirty="0">
+                <a:solidFill>
+                  <a:schemeClr val="tx1">
+                    <a:lumMod val="75000"/>
+                    <a:lumOff val="25000"/>
+                  </a:schemeClr>
+                </a:solidFill>
+                <a:latin typeface="Consolas" panose="020B0609020204030204" pitchFamily="49" charset="0"/>
+                <a:cs typeface="Consolas" panose="020B0609020204030204" pitchFamily="49" charset="0"/>
+              </a:rPr>
+              <a:t>Copy filename</a:t>
+            </a:r>
+            <a:endParaRPr lang="en-US" altLang="zh-TW" b="1" dirty="0">
+              <a:solidFill>
+                <a:schemeClr val="tx1">
+                  <a:lumMod val="75000"/>
+                  <a:lumOff val="25000"/>
+                </a:schemeClr>
+              </a:solidFill>
+              <a:latin typeface="Consolas" panose="020B0609020204030204" pitchFamily="49" charset="0"/>
+              <a:cs typeface="Consolas" panose="020B0609020204030204" pitchFamily="49" charset="0"/>
+            </a:endParaRPr>
+          </a:p>
+          <a:p>
+            <a:pPr>
+              <a:lnSpc>
+                <a:spcPct val="150000"/>
+              </a:lnSpc>
+            </a:pPr>
+            <a:r>
+              <a:rPr lang="zh-TW" altLang="en-US" b="1" dirty="0">
+                <a:solidFill>
+                  <a:schemeClr val="tx1">
+                    <a:lumMod val="75000"/>
+                    <a:lumOff val="25000"/>
+                  </a:schemeClr>
+                </a:solidFill>
+              </a:rPr>
+              <a:t>括號顏色高亮                      </a:t>
+            </a:r>
+            <a:r>
+              <a:rPr lang="en-US" altLang="zh-TW" b="1" dirty="0">
+                <a:solidFill>
+                  <a:schemeClr val="tx1">
+                    <a:lumMod val="75000"/>
+                    <a:lumOff val="25000"/>
+                  </a:schemeClr>
+                </a:solidFill>
+              </a:rPr>
+              <a:t>Bracket Pair Colorizer</a:t>
+            </a:r>
+            <a:endParaRPr lang="en-US" altLang="zh-TW" b="1" dirty="0">
+              <a:solidFill>
+                <a:schemeClr val="tx1">
+                  <a:lumMod val="75000"/>
+                  <a:lumOff val="25000"/>
+                </a:schemeClr>
+              </a:solidFill>
+            </a:endParaRPr>
+          </a:p>
+          <a:p>
+            <a:pPr>
+              <a:lnSpc>
+                <a:spcPct val="150000"/>
+              </a:lnSpc>
+            </a:pPr>
+            <a:r>
+              <a:rPr lang="zh-TW" altLang="en-US" b="1" dirty="0">
+                <a:solidFill>
+                  <a:schemeClr val="tx1">
+                    <a:lumMod val="75000"/>
+                    <a:lumOff val="25000"/>
+                  </a:schemeClr>
+                </a:solidFill>
+              </a:rPr>
+              <a:t>色碼高亮                               </a:t>
+            </a:r>
+            <a:r>
+              <a:rPr lang="en-US" altLang="zh-TW" b="1" dirty="0">
+                <a:solidFill>
+                  <a:schemeClr val="tx1">
+                    <a:lumMod val="75000"/>
+                    <a:lumOff val="25000"/>
+                  </a:schemeClr>
+                </a:solidFill>
+              </a:rPr>
+              <a:t>Color Highlight</a:t>
+            </a:r>
+            <a:endParaRPr lang="en-US" altLang="zh-TW" b="1" dirty="0">
+              <a:solidFill>
+                <a:schemeClr val="tx1">
+                  <a:lumMod val="75000"/>
+                  <a:lumOff val="25000"/>
+                </a:schemeClr>
+              </a:solidFill>
+            </a:endParaRPr>
+          </a:p>
+          <a:p>
+            <a:pPr>
+              <a:lnSpc>
+                <a:spcPct val="150000"/>
+              </a:lnSpc>
+            </a:pPr>
+            <a:r>
+              <a:rPr lang="zh-TW" altLang="en-US" b="1" dirty="0">
+                <a:solidFill>
+                  <a:schemeClr val="tx1">
+                    <a:lumMod val="75000"/>
+                    <a:lumOff val="25000"/>
+                  </a:schemeClr>
+                </a:solidFill>
+              </a:rPr>
+              <a:t>高版本 </a:t>
+            </a:r>
+            <a:r>
+              <a:rPr lang="en-US" altLang="zh-TW" b="1" dirty="0" err="1">
+                <a:solidFill>
+                  <a:schemeClr val="tx1">
+                    <a:lumMod val="75000"/>
+                    <a:lumOff val="25000"/>
+                  </a:schemeClr>
+                </a:solidFill>
+              </a:rPr>
+              <a:t>Js</a:t>
+            </a:r>
+            <a:r>
+              <a:rPr lang="zh-TW" altLang="en-US" b="1" dirty="0">
+                <a:solidFill>
+                  <a:schemeClr val="tx1">
+                    <a:lumMod val="75000"/>
+                    <a:lumOff val="25000"/>
+                  </a:schemeClr>
+                </a:solidFill>
+              </a:rPr>
+              <a:t> 提示                     </a:t>
+            </a:r>
+            <a:r>
+              <a:rPr lang="en-US" altLang="zh-TW" b="1" dirty="0">
+                <a:solidFill>
+                  <a:schemeClr val="tx1">
+                    <a:lumMod val="75000"/>
+                    <a:lumOff val="25000"/>
+                  </a:schemeClr>
+                </a:solidFill>
+              </a:rPr>
+              <a:t>Babel ES6/ES7</a:t>
+            </a:r>
+            <a:endParaRPr lang="en-US" altLang="zh-TW" b="1" dirty="0">
+              <a:solidFill>
+                <a:schemeClr val="tx1">
+                  <a:lumMod val="75000"/>
+                  <a:lumOff val="25000"/>
+                </a:schemeClr>
+              </a:solidFill>
+            </a:endParaRPr>
+          </a:p>
+          <a:p>
+            <a:pPr>
+              <a:lnSpc>
+                <a:spcPct val="150000"/>
+              </a:lnSpc>
+            </a:pPr>
+            <a:r>
+              <a:rPr lang="zh-TW" altLang="en-US" b="1" dirty="0">
+                <a:solidFill>
+                  <a:schemeClr val="tx1">
+                    <a:lumMod val="75000"/>
+                    <a:lumOff val="25000"/>
+                  </a:schemeClr>
+                </a:solidFill>
+                <a:latin typeface="Consolas" panose="020B0609020204030204" pitchFamily="49" charset="0"/>
+                <a:ea typeface="微軟正黑體" panose="020B0604030504040204" pitchFamily="34" charset="-120"/>
+                <a:cs typeface="Consolas" panose="020B0609020204030204" pitchFamily="49" charset="0"/>
+              </a:rPr>
+              <a:t>不要加入版本控管     </a:t>
+            </a:r>
+            <a:r>
+              <a:rPr lang="en-US" altLang="zh-TW" b="1" dirty="0" err="1">
+                <a:solidFill>
+                  <a:schemeClr val="tx1">
+                    <a:lumMod val="75000"/>
+                    <a:lumOff val="25000"/>
+                  </a:schemeClr>
+                </a:solidFill>
+                <a:latin typeface="Consolas" panose="020B0609020204030204" pitchFamily="49" charset="0"/>
+                <a:ea typeface="微軟正黑體" panose="020B0604030504040204" pitchFamily="34" charset="-120"/>
+                <a:cs typeface="Consolas" panose="020B0609020204030204" pitchFamily="49" charset="0"/>
+              </a:rPr>
+              <a:t>gitignore</a:t>
+            </a:r>
+            <a:endParaRPr lang="en-US" altLang="zh-TW" b="1" i="0" dirty="0">
+              <a:solidFill>
+                <a:schemeClr val="tx1">
+                  <a:lumMod val="75000"/>
+                  <a:lumOff val="25000"/>
+                </a:schemeClr>
+              </a:solidFill>
+              <a:effectLst/>
+              <a:latin typeface="Consolas" panose="020B0609020204030204" pitchFamily="49" charset="0"/>
+              <a:ea typeface="微軟正黑體" panose="020B0604030504040204" pitchFamily="34" charset="-120"/>
+              <a:cs typeface="Consolas" panose="020B0609020204030204" pitchFamily="49" charset="0"/>
+            </a:endParaRPr>
+          </a:p>
         </p:txBody>
       </p:sp>
     </p:spTree>
-    <p:extLst>
-      <p:ext uri="{BB962C8B-B14F-4D97-AF65-F5344CB8AC3E}">
-        <p14:creationId xmlns:p14="http://schemas.microsoft.com/office/powerpoint/2010/main" val="508653319"/>
-      </p:ext>
-    </p:extLst>
   </p:cSld>
   <p:clrMapOvr>
     <a:masterClrMapping/>
@@ -14827,7 +15437,7 @@
           <p:nvPr/>
         </p:nvPicPr>
         <p:blipFill>
-          <a:blip r:embed="rId2">
+          <a:blip r:embed="rId1">
             <a:extLst>
               <a:ext uri="{28A0092B-C50C-407E-A947-70E740481C1C}">
                 <a14:useLocalDpi xmlns:a14="http://schemas.microsoft.com/office/drawing/2010/main" val="0"/>
@@ -14909,7 +15519,7 @@
                 </a:solidFill>
                 <a:latin typeface="Consolas" panose="020B0609020204030204" pitchFamily="49" charset="0"/>
                 <a:cs typeface="Consolas" panose="020B0609020204030204" pitchFamily="49" charset="0"/>
-                <a:hlinkClick r:id="rId3"/>
+                <a:hlinkClick r:id="rId2"/>
               </a:rPr>
               <a:t>https://regexper.com/</a:t>
             </a:r>
@@ -14924,11 +15534,6 @@
         </p:txBody>
       </p:sp>
     </p:spTree>
-    <p:extLst>
-      <p:ext uri="{BB962C8B-B14F-4D97-AF65-F5344CB8AC3E}">
-        <p14:creationId xmlns:p14="http://schemas.microsoft.com/office/powerpoint/2010/main" val="273589473"/>
-      </p:ext>
-    </p:extLst>
   </p:cSld>
   <p:clrMapOvr>
     <a:masterClrMapping/>
@@ -15326,11 +15931,6 @@
         </p:txBody>
       </p:sp>
     </p:spTree>
-    <p:extLst>
-      <p:ext uri="{BB962C8B-B14F-4D97-AF65-F5344CB8AC3E}">
-        <p14:creationId xmlns:p14="http://schemas.microsoft.com/office/powerpoint/2010/main" val="1486363409"/>
-      </p:ext>
-    </p:extLst>
   </p:cSld>
   <p:clrMapOvr>
     <a:masterClrMapping/>
@@ -15364,7 +15964,7 @@
           <p:nvPr/>
         </p:nvPicPr>
         <p:blipFill>
-          <a:blip r:embed="rId2">
+          <a:blip r:embed="rId1">
             <a:extLst>
               <a:ext uri="{28A0092B-C50C-407E-A947-70E740481C1C}">
                 <a14:useLocalDpi xmlns:a14="http://schemas.microsoft.com/office/drawing/2010/main" val="0"/>
@@ -15386,11 +15986,6 @@
         </p:spPr>
       </p:pic>
     </p:spTree>
-    <p:extLst>
-      <p:ext uri="{BB962C8B-B14F-4D97-AF65-F5344CB8AC3E}">
-        <p14:creationId xmlns:p14="http://schemas.microsoft.com/office/powerpoint/2010/main" val="2873188542"/>
-      </p:ext>
-    </p:extLst>
   </p:cSld>
   <p:clrMapOvr>
     <a:masterClrMapping/>
@@ -15426,9 +16021,7 @@
       <p:sp>
         <p:nvSpPr>
           <p:cNvPr id="4" name="標題 1"/>
-          <p:cNvSpPr txBox="1">
-            <a:spLocks/>
-          </p:cNvSpPr>
+          <p:cNvSpPr txBox="1"/>
           <p:nvPr/>
         </p:nvSpPr>
         <p:spPr>
@@ -15694,11 +16287,6 @@
         </p:txBody>
       </p:sp>
     </p:spTree>
-    <p:extLst>
-      <p:ext uri="{BB962C8B-B14F-4D97-AF65-F5344CB8AC3E}">
-        <p14:creationId xmlns:p14="http://schemas.microsoft.com/office/powerpoint/2010/main" val="3911202157"/>
-      </p:ext>
-    </p:extLst>
   </p:cSld>
   <p:clrMapOvr>
     <a:masterClrMapping/>
@@ -15829,6 +16417,15 @@
               </a:rPr>
               <a:t>替換與正則表達式匹配的子串</a:t>
             </a:r>
+            <a:endParaRPr lang="zh-TW" altLang="en-US" sz="1600" dirty="0">
+              <a:solidFill>
+                <a:schemeClr val="bg1">
+                  <a:lumMod val="50000"/>
+                </a:schemeClr>
+              </a:solidFill>
+              <a:latin typeface="Adobe 繁黑體 Std B" panose="020B0700000000000000" pitchFamily="34" charset="-120"/>
+              <a:ea typeface="Adobe 繁黑體 Std B" panose="020B0700000000000000" pitchFamily="34" charset="-120"/>
+            </a:endParaRPr>
           </a:p>
         </p:txBody>
       </p:sp>
@@ -16088,6 +16685,13 @@
               </a:rPr>
               <a:t> 字串</a:t>
             </a:r>
+            <a:endParaRPr lang="zh-TW" altLang="en-US" sz="1400" dirty="0">
+              <a:solidFill>
+                <a:schemeClr val="bg1"/>
+              </a:solidFill>
+              <a:latin typeface="Adobe 繁黑體 Std B" panose="020B0700000000000000" pitchFamily="34" charset="-120"/>
+              <a:ea typeface="Adobe 繁黑體 Std B" panose="020B0700000000000000" pitchFamily="34" charset="-120"/>
+            </a:endParaRPr>
           </a:p>
         </p:txBody>
       </p:sp>
@@ -16227,15 +16831,17 @@
               </a:rPr>
               <a:t>!!!</a:t>
             </a:r>
+            <a:endParaRPr lang="en-US" altLang="zh-TW" sz="1400" dirty="0">
+              <a:solidFill>
+                <a:schemeClr val="bg1"/>
+              </a:solidFill>
+              <a:latin typeface="Adobe 繁黑體 Std B" panose="020B0700000000000000" pitchFamily="34" charset="-120"/>
+              <a:ea typeface="Adobe 繁黑體 Std B" panose="020B0700000000000000" pitchFamily="34" charset="-120"/>
+            </a:endParaRPr>
           </a:p>
         </p:txBody>
       </p:sp>
     </p:spTree>
-    <p:extLst>
-      <p:ext uri="{BB962C8B-B14F-4D97-AF65-F5344CB8AC3E}">
-        <p14:creationId xmlns:p14="http://schemas.microsoft.com/office/powerpoint/2010/main" val="1504262484"/>
-      </p:ext>
-    </p:extLst>
   </p:cSld>
   <p:clrMapOvr>
     <a:masterClrMapping/>
@@ -16269,7 +16875,7 @@
           <p:nvPr/>
         </p:nvPicPr>
         <p:blipFill>
-          <a:blip r:embed="rId2">
+          <a:blip r:embed="rId1">
             <a:extLst>
               <a:ext uri="{28A0092B-C50C-407E-A947-70E740481C1C}">
                 <a14:useLocalDpi xmlns:a14="http://schemas.microsoft.com/office/drawing/2010/main" val="0"/>
@@ -16313,7 +16919,7 @@
           <a:p>
             <a:r>
               <a:rPr lang="en-US" altLang="zh-TW" sz="1600" dirty="0">
-                <a:hlinkClick r:id="rId3"/>
+                <a:hlinkClick r:id="rId2"/>
               </a:rPr>
               <a:t>https://regex101.com/</a:t>
             </a:r>
@@ -16352,15 +16958,17 @@
               </a:rPr>
               <a:t>線上預覽工具</a:t>
             </a:r>
+            <a:endParaRPr lang="zh-TW" altLang="en-US" sz="1600" dirty="0">
+              <a:solidFill>
+                <a:srgbClr val="323230"/>
+              </a:solidFill>
+              <a:latin typeface="Adobe 繁黑體 Std B" panose="020B0700000000000000" pitchFamily="34" charset="-120"/>
+              <a:ea typeface="Adobe 繁黑體 Std B" panose="020B0700000000000000" pitchFamily="34" charset="-120"/>
+            </a:endParaRPr>
           </a:p>
         </p:txBody>
       </p:sp>
     </p:spTree>
-    <p:extLst>
-      <p:ext uri="{BB962C8B-B14F-4D97-AF65-F5344CB8AC3E}">
-        <p14:creationId xmlns:p14="http://schemas.microsoft.com/office/powerpoint/2010/main" val="2994247813"/>
-      </p:ext>
-    </p:extLst>
   </p:cSld>
   <p:clrMapOvr>
     <a:masterClrMapping/>
@@ -16396,9 +17004,7 @@
       <p:sp>
         <p:nvSpPr>
           <p:cNvPr id="4" name="標題 1"/>
-          <p:cNvSpPr txBox="1">
-            <a:spLocks/>
-          </p:cNvSpPr>
+          <p:cNvSpPr txBox="1"/>
           <p:nvPr/>
         </p:nvSpPr>
         <p:spPr>
@@ -16479,6 +17085,13 @@
               </a:rPr>
               <a:t>);</a:t>
             </a:r>
+            <a:endParaRPr lang="en-US" altLang="zh-TW" sz="1800" dirty="0">
+              <a:solidFill>
+                <a:schemeClr val="bg1"/>
+              </a:solidFill>
+              <a:latin typeface="Adobe 繁黑體 Std B" panose="020B0700000000000000" pitchFamily="34" charset="-120"/>
+              <a:ea typeface="Adobe 繁黑體 Std B" panose="020B0700000000000000" pitchFamily="34" charset="-120"/>
+            </a:endParaRPr>
           </a:p>
           <a:p>
             <a:pPr algn="ctr">
@@ -16498,6 +17111,15 @@
               </a:rPr>
               <a:t>在字串方法內使用正則表達式來找到一個或是多個匹配的結果</a:t>
             </a:r>
+            <a:endParaRPr lang="zh-TW" altLang="en-US" sz="1600" dirty="0">
+              <a:solidFill>
+                <a:schemeClr val="bg1">
+                  <a:lumMod val="50000"/>
+                </a:schemeClr>
+              </a:solidFill>
+              <a:latin typeface="Adobe 繁黑體 Std B" panose="020B0700000000000000" pitchFamily="34" charset="-120"/>
+              <a:ea typeface="Adobe 繁黑體 Std B" panose="020B0700000000000000" pitchFamily="34" charset="-120"/>
+            </a:endParaRPr>
           </a:p>
         </p:txBody>
       </p:sp>
@@ -16660,6 +17282,13 @@
               </a:rPr>
               <a:t>所有的英文字母包括大小寫</a:t>
             </a:r>
+            <a:endParaRPr lang="zh-TW" altLang="en-US" sz="1400" dirty="0">
+              <a:solidFill>
+                <a:schemeClr val="bg1"/>
+              </a:solidFill>
+              <a:latin typeface="Adobe 繁黑體 Std B" panose="020B0700000000000000" pitchFamily="34" charset="-120"/>
+              <a:ea typeface="Adobe 繁黑體 Std B" panose="020B0700000000000000" pitchFamily="34" charset="-120"/>
+            </a:endParaRPr>
           </a:p>
         </p:txBody>
       </p:sp>
@@ -16694,6 +17323,13 @@
               </a:rPr>
               <a:t>括號中的表示式匹配到的內容可以被單獨得到</a:t>
             </a:r>
+            <a:endParaRPr lang="zh-TW" altLang="en-US" sz="1400" dirty="0">
+              <a:solidFill>
+                <a:schemeClr val="bg1"/>
+              </a:solidFill>
+              <a:latin typeface="Adobe 繁黑體 Std B" panose="020B0700000000000000" pitchFamily="34" charset="-120"/>
+              <a:ea typeface="Adobe 繁黑體 Std B" panose="020B0700000000000000" pitchFamily="34" charset="-120"/>
+            </a:endParaRPr>
           </a:p>
         </p:txBody>
       </p:sp>
@@ -16761,6 +17397,13 @@
               </a:rPr>
               <a:t>匹配前一字元多次</a:t>
             </a:r>
+            <a:endParaRPr lang="zh-TW" altLang="en-US" sz="1400" dirty="0">
+              <a:solidFill>
+                <a:schemeClr val="bg1"/>
+              </a:solidFill>
+              <a:latin typeface="Adobe 繁黑體 Std B" panose="020B0700000000000000" pitchFamily="34" charset="-120"/>
+              <a:ea typeface="Adobe 繁黑體 Std B" panose="020B0700000000000000" pitchFamily="34" charset="-120"/>
+            </a:endParaRPr>
           </a:p>
         </p:txBody>
       </p:sp>
@@ -16800,9 +17443,7 @@
       <p:sp>
         <p:nvSpPr>
           <p:cNvPr id="17" name="標題 1"/>
-          <p:cNvSpPr txBox="1">
-            <a:spLocks/>
-          </p:cNvSpPr>
+          <p:cNvSpPr txBox="1"/>
           <p:nvPr/>
         </p:nvSpPr>
         <p:spPr>
@@ -17002,15 +17643,17 @@
               </a:rPr>
               <a:t>全部的內容比對</a:t>
             </a:r>
+            <a:endParaRPr lang="zh-TW" altLang="en-US" sz="1400" dirty="0">
+              <a:solidFill>
+                <a:schemeClr val="bg1"/>
+              </a:solidFill>
+              <a:latin typeface="Adobe 繁黑體 Std B" panose="020B0700000000000000" pitchFamily="34" charset="-120"/>
+              <a:ea typeface="Adobe 繁黑體 Std B" panose="020B0700000000000000" pitchFamily="34" charset="-120"/>
+            </a:endParaRPr>
           </a:p>
         </p:txBody>
       </p:sp>
     </p:spTree>
-    <p:extLst>
-      <p:ext uri="{BB962C8B-B14F-4D97-AF65-F5344CB8AC3E}">
-        <p14:creationId xmlns:p14="http://schemas.microsoft.com/office/powerpoint/2010/main" val="1458481094"/>
-      </p:ext>
-    </p:extLst>
   </p:cSld>
   <p:clrMapOvr>
     <a:masterClrMapping/>
@@ -17118,6 +17761,12 @@
               </a:rPr>
               <a:t>;</a:t>
             </a:r>
+            <a:endParaRPr lang="en-US" altLang="zh-TW" sz="1400" dirty="0">
+              <a:solidFill>
+                <a:srgbClr val="F8F8F2"/>
+              </a:solidFill>
+              <a:latin typeface="Consolas" panose="020B0609020204030204" pitchFamily="49" charset="0"/>
+            </a:endParaRPr>
           </a:p>
           <a:p>
             <a:r>
@@ -17425,6 +18074,15 @@
               </a:rPr>
               <a:t>["ECMAScript", "ecmascripT", "Ecmascript"]</a:t>
             </a:r>
+            <a:endParaRPr lang="zh-TW" altLang="en-US" dirty="0">
+              <a:solidFill>
+                <a:schemeClr val="bg1">
+                  <a:lumMod val="75000"/>
+                </a:schemeClr>
+              </a:solidFill>
+              <a:latin typeface="Adobe 繁黑體 Std B" panose="020B0700000000000000" pitchFamily="34" charset="-120"/>
+              <a:ea typeface="Adobe 繁黑體 Std B" panose="020B0700000000000000" pitchFamily="34" charset="-120"/>
+            </a:endParaRPr>
           </a:p>
         </p:txBody>
       </p:sp>
@@ -17488,6 +18146,16 @@
               </a:rPr>
               <a:t>可以比對的時候不管大小寫</a:t>
             </a:r>
+            <a:endParaRPr lang="zh-TW" altLang="en-US" sz="1600" dirty="0">
+              <a:solidFill>
+                <a:schemeClr val="accent2">
+                  <a:lumMod val="60000"/>
+                  <a:lumOff val="40000"/>
+                </a:schemeClr>
+              </a:solidFill>
+              <a:latin typeface="Adobe 繁黑體 Std B" panose="020B0700000000000000" pitchFamily="34" charset="-120"/>
+              <a:ea typeface="Adobe 繁黑體 Std B" panose="020B0700000000000000" pitchFamily="34" charset="-120"/>
+            </a:endParaRPr>
           </a:p>
         </p:txBody>
       </p:sp>
@@ -17525,11 +18193,6 @@
         </p:style>
       </p:cxnSp>
     </p:spTree>
-    <p:extLst>
-      <p:ext uri="{BB962C8B-B14F-4D97-AF65-F5344CB8AC3E}">
-        <p14:creationId xmlns:p14="http://schemas.microsoft.com/office/powerpoint/2010/main" val="1190288423"/>
-      </p:ext>
-    </p:extLst>
   </p:cSld>
   <p:clrMapOvr>
     <a:masterClrMapping/>
@@ -17841,6 +18504,13 @@
               </a:rPr>
               <a:t>的字串。</a:t>
             </a:r>
+            <a:endParaRPr lang="zh-TW" altLang="en-US" sz="1400" dirty="0">
+              <a:solidFill>
+                <a:schemeClr val="bg1"/>
+              </a:solidFill>
+              <a:latin typeface="Adobe 繁黑體 Std B" panose="020B0700000000000000" pitchFamily="34" charset="-120"/>
+              <a:ea typeface="Adobe 繁黑體 Std B" panose="020B0700000000000000" pitchFamily="34" charset="-120"/>
+            </a:endParaRPr>
           </a:p>
         </p:txBody>
       </p:sp>
@@ -17905,6 +18575,13 @@
               </a:rPr>
               <a:t>的字串。</a:t>
             </a:r>
+            <a:endParaRPr lang="zh-TW" altLang="en-US" sz="1400" dirty="0">
+              <a:solidFill>
+                <a:schemeClr val="bg1"/>
+              </a:solidFill>
+              <a:latin typeface="Adobe 繁黑體 Std B" panose="020B0700000000000000" pitchFamily="34" charset="-120"/>
+              <a:ea typeface="Adobe 繁黑體 Std B" panose="020B0700000000000000" pitchFamily="34" charset="-120"/>
+            </a:endParaRPr>
           </a:p>
         </p:txBody>
       </p:sp>
@@ -17959,6 +18636,13 @@
               </a:rPr>
               <a:t>的字符串。</a:t>
             </a:r>
+            <a:endParaRPr lang="zh-TW" altLang="en-US" sz="1400" dirty="0">
+              <a:solidFill>
+                <a:schemeClr val="bg1"/>
+              </a:solidFill>
+              <a:latin typeface="Adobe 繁黑體 Std B" panose="020B0700000000000000" pitchFamily="34" charset="-120"/>
+              <a:ea typeface="Adobe 繁黑體 Std B" panose="020B0700000000000000" pitchFamily="34" charset="-120"/>
+            </a:endParaRPr>
           </a:p>
         </p:txBody>
       </p:sp>
@@ -18138,15 +18822,17 @@
               </a:rPr>
               <a:t>然後中間不管是英文或是數字的字串</a:t>
             </a:r>
+            <a:endParaRPr lang="zh-TW" altLang="en-US" sz="1400" dirty="0">
+              <a:solidFill>
+                <a:schemeClr val="bg1"/>
+              </a:solidFill>
+              <a:latin typeface="Adobe 繁黑體 Std B" panose="020B0700000000000000" pitchFamily="34" charset="-120"/>
+              <a:ea typeface="Adobe 繁黑體 Std B" panose="020B0700000000000000" pitchFamily="34" charset="-120"/>
+            </a:endParaRPr>
           </a:p>
         </p:txBody>
       </p:sp>
     </p:spTree>
-    <p:extLst>
-      <p:ext uri="{BB962C8B-B14F-4D97-AF65-F5344CB8AC3E}">
-        <p14:creationId xmlns:p14="http://schemas.microsoft.com/office/powerpoint/2010/main" val="3956078620"/>
-      </p:ext>
-    </p:extLst>
   </p:cSld>
   <p:clrMapOvr>
     <a:masterClrMapping/>
@@ -18177,13 +18863,7 @@
           <p:cNvGraphicFramePr>
             <a:graphicFrameLocks noGrp="1"/>
           </p:cNvGraphicFramePr>
-          <p:nvPr>
-            <p:extLst>
-              <p:ext uri="{D42A27DB-BD31-4B8C-83A1-F6EECF244321}">
-                <p14:modId xmlns:p14="http://schemas.microsoft.com/office/powerpoint/2010/main" val="1941508178"/>
-              </p:ext>
-            </p:extLst>
-          </p:nvPr>
+          <p:nvPr/>
         </p:nvGraphicFramePr>
         <p:xfrm>
           <a:off x="3445328" y="1656806"/>
@@ -18196,20 +18876,8 @@
                 <a:tableStyleId>{5C22544A-7EE6-4342-B048-85BDC9FD1C3A}</a:tableStyleId>
               </a:tblPr>
               <a:tblGrid>
-                <a:gridCol w="941287">
-                  <a:extLst>
-                    <a:ext uri="{9D8B030D-6E8A-4147-A177-3AD203B41FA5}">
-                      <a16:colId xmlns:a16="http://schemas.microsoft.com/office/drawing/2014/main" val="20000"/>
-                    </a:ext>
-                  </a:extLst>
-                </a:gridCol>
-                <a:gridCol w="4494313">
-                  <a:extLst>
-                    <a:ext uri="{9D8B030D-6E8A-4147-A177-3AD203B41FA5}">
-                      <a16:colId xmlns:a16="http://schemas.microsoft.com/office/drawing/2014/main" val="20001"/>
-                    </a:ext>
-                  </a:extLst>
-                </a:gridCol>
+                <a:gridCol w="941287"/>
+                <a:gridCol w="4494313"/>
               </a:tblGrid>
               <a:tr h="316219">
                 <a:tc>
@@ -18256,7 +18924,6 @@
                         <a:buSzTx/>
                         <a:buFontTx/>
                         <a:buNone/>
-                        <a:tabLst/>
                         <a:defRPr/>
                       </a:pPr>
                       <a:r>
@@ -18266,15 +18933,14 @@
                         </a:rPr>
                         <a:t>描述</a:t>
                       </a:r>
+                      <a:endParaRPr lang="zh-TW" altLang="en-US" sz="1500" dirty="0">
+                        <a:latin typeface="Adobe 繁黑體 Std B" panose="020B0700000000000000" pitchFamily="34" charset="-120"/>
+                        <a:ea typeface="Adobe 繁黑體 Std B" panose="020B0700000000000000" pitchFamily="34" charset="-120"/>
+                      </a:endParaRPr>
                     </a:p>
                   </a:txBody>
                   <a:tcPr marL="79309" marR="79309" marT="39655" marB="39655"/>
                 </a:tc>
-                <a:extLst>
-                  <a:ext uri="{0D108BD9-81ED-4DB2-BD59-A6C34878D82A}">
-                    <a16:rowId xmlns:a16="http://schemas.microsoft.com/office/drawing/2014/main" val="10000"/>
-                  </a:ext>
-                </a:extLst>
               </a:tr>
               <a:tr h="431928">
                 <a:tc>
@@ -18325,15 +18991,14 @@
                         </a:rPr>
                         <a:t>的字符串。</a:t>
                       </a:r>
+                      <a:endParaRPr lang="zh-TW" altLang="en-US" sz="1600" b="0" dirty="0">
+                        <a:latin typeface="Adobe 繁黑體 Std B" panose="020B0700000000000000" pitchFamily="34" charset="-120"/>
+                        <a:ea typeface="Adobe 繁黑體 Std B" panose="020B0700000000000000" pitchFamily="34" charset="-120"/>
+                      </a:endParaRPr>
                     </a:p>
                   </a:txBody>
                   <a:tcPr marL="79309" marR="79309" marT="39655" marB="39655"/>
                 </a:tc>
-                <a:extLst>
-                  <a:ext uri="{0D108BD9-81ED-4DB2-BD59-A6C34878D82A}">
-                    <a16:rowId xmlns:a16="http://schemas.microsoft.com/office/drawing/2014/main" val="10001"/>
-                  </a:ext>
-                </a:extLst>
               </a:tr>
               <a:tr h="431928">
                 <a:tc>
@@ -18384,15 +19049,14 @@
                         </a:rPr>
                         <a:t>的字符串。</a:t>
                       </a:r>
+                      <a:endParaRPr lang="zh-TW" altLang="en-US" sz="1600" b="0" dirty="0">
+                        <a:latin typeface="Adobe 繁黑體 Std B" panose="020B0700000000000000" pitchFamily="34" charset="-120"/>
+                        <a:ea typeface="Adobe 繁黑體 Std B" panose="020B0700000000000000" pitchFamily="34" charset="-120"/>
+                      </a:endParaRPr>
                     </a:p>
                   </a:txBody>
                   <a:tcPr marL="79309" marR="79309" marT="39655" marB="39655"/>
                 </a:tc>
-                <a:extLst>
-                  <a:ext uri="{0D108BD9-81ED-4DB2-BD59-A6C34878D82A}">
-                    <a16:rowId xmlns:a16="http://schemas.microsoft.com/office/drawing/2014/main" val="10002"/>
-                  </a:ext>
-                </a:extLst>
               </a:tr>
               <a:tr h="431928">
                 <a:tc>
@@ -18443,15 +19107,14 @@
                         </a:rPr>
                         <a:t>的字符串。</a:t>
                       </a:r>
+                      <a:endParaRPr lang="zh-TW" altLang="en-US" sz="1600" b="0" dirty="0">
+                        <a:latin typeface="Adobe 繁黑體 Std B" panose="020B0700000000000000" pitchFamily="34" charset="-120"/>
+                        <a:ea typeface="Adobe 繁黑體 Std B" panose="020B0700000000000000" pitchFamily="34" charset="-120"/>
+                      </a:endParaRPr>
                     </a:p>
                   </a:txBody>
                   <a:tcPr marL="79309" marR="79309" marT="39655" marB="39655"/>
                 </a:tc>
-                <a:extLst>
-                  <a:ext uri="{0D108BD9-81ED-4DB2-BD59-A6C34878D82A}">
-                    <a16:rowId xmlns:a16="http://schemas.microsoft.com/office/drawing/2014/main" val="10003"/>
-                  </a:ext>
-                </a:extLst>
               </a:tr>
               <a:tr h="431928">
                 <a:tc>
@@ -18516,15 +19179,14 @@
                         </a:rPr>
                         <a:t>的序列的字符串。</a:t>
                       </a:r>
+                      <a:endParaRPr lang="zh-TW" altLang="en-US" sz="1600" b="0" dirty="0">
+                        <a:latin typeface="Adobe 繁黑體 Std B" panose="020B0700000000000000" pitchFamily="34" charset="-120"/>
+                        <a:ea typeface="Adobe 繁黑體 Std B" panose="020B0700000000000000" pitchFamily="34" charset="-120"/>
+                      </a:endParaRPr>
                     </a:p>
                   </a:txBody>
                   <a:tcPr marL="79309" marR="79309" marT="39655" marB="39655"/>
                 </a:tc>
-                <a:extLst>
-                  <a:ext uri="{0D108BD9-81ED-4DB2-BD59-A6C34878D82A}">
-                    <a16:rowId xmlns:a16="http://schemas.microsoft.com/office/drawing/2014/main" val="10004"/>
-                  </a:ext>
-                </a:extLst>
               </a:tr>
               <a:tr h="431928">
                 <a:tc>
@@ -18560,15 +19222,14 @@
                         </a:rPr>
                         <a:t>查找單個字符，除了換行和行結束符。</a:t>
                       </a:r>
+                      <a:endParaRPr lang="zh-TW" altLang="en-US" sz="1600" dirty="0">
+                        <a:latin typeface="Adobe 繁黑體 Std B" panose="020B0700000000000000" pitchFamily="34" charset="-120"/>
+                        <a:ea typeface="Adobe 繁黑體 Std B" panose="020B0700000000000000" pitchFamily="34" charset="-120"/>
+                      </a:endParaRPr>
                     </a:p>
                   </a:txBody>
                   <a:tcPr marL="79309" marR="79309" marT="39655" marB="39655"/>
                 </a:tc>
-                <a:extLst>
-                  <a:ext uri="{0D108BD9-81ED-4DB2-BD59-A6C34878D82A}">
-                    <a16:rowId xmlns:a16="http://schemas.microsoft.com/office/drawing/2014/main" val="10005"/>
-                  </a:ext>
-                </a:extLst>
               </a:tr>
               <a:tr h="431928">
                 <a:tc>
@@ -18619,15 +19280,14 @@
                         </a:rPr>
                         <a:t>的字符串。</a:t>
                       </a:r>
+                      <a:endParaRPr lang="zh-TW" altLang="en-US" sz="1600" b="0" dirty="0">
+                        <a:latin typeface="Adobe 繁黑體 Std B" panose="020B0700000000000000" pitchFamily="34" charset="-120"/>
+                        <a:ea typeface="Adobe 繁黑體 Std B" panose="020B0700000000000000" pitchFamily="34" charset="-120"/>
+                      </a:endParaRPr>
                     </a:p>
                   </a:txBody>
                   <a:tcPr marL="79309" marR="79309" marT="39655" marB="39655"/>
                 </a:tc>
-                <a:extLst>
-                  <a:ext uri="{0D108BD9-81ED-4DB2-BD59-A6C34878D82A}">
-                    <a16:rowId xmlns:a16="http://schemas.microsoft.com/office/drawing/2014/main" val="10006"/>
-                  </a:ext>
-                </a:extLst>
               </a:tr>
               <a:tr h="431928">
                 <a:tc>
@@ -18678,26 +19338,20 @@
                         </a:rPr>
                         <a:t>的字符串。</a:t>
                       </a:r>
+                      <a:endParaRPr lang="zh-TW" altLang="en-US" sz="1600" b="0" dirty="0">
+                        <a:latin typeface="Adobe 繁黑體 Std B" panose="020B0700000000000000" pitchFamily="34" charset="-120"/>
+                        <a:ea typeface="Adobe 繁黑體 Std B" panose="020B0700000000000000" pitchFamily="34" charset="-120"/>
+                      </a:endParaRPr>
                     </a:p>
                   </a:txBody>
                   <a:tcPr marL="79309" marR="79309" marT="39655" marB="39655"/>
                 </a:tc>
-                <a:extLst>
-                  <a:ext uri="{0D108BD9-81ED-4DB2-BD59-A6C34878D82A}">
-                    <a16:rowId xmlns:a16="http://schemas.microsoft.com/office/drawing/2014/main" val="10007"/>
-                  </a:ext>
-                </a:extLst>
               </a:tr>
             </a:tbl>
           </a:graphicData>
         </a:graphic>
       </p:graphicFrame>
     </p:spTree>
-    <p:extLst>
-      <p:ext uri="{BB962C8B-B14F-4D97-AF65-F5344CB8AC3E}">
-        <p14:creationId xmlns:p14="http://schemas.microsoft.com/office/powerpoint/2010/main" val="2209416544"/>
-      </p:ext>
-    </p:extLst>
   </p:cSld>
   <p:clrMapOvr>
     <a:masterClrMapping/>
@@ -18725,9 +19379,7 @@
       <p:sp>
         <p:nvSpPr>
           <p:cNvPr id="5" name="標題 1"/>
-          <p:cNvSpPr txBox="1">
-            <a:spLocks/>
-          </p:cNvSpPr>
+          <p:cNvSpPr txBox="1"/>
           <p:nvPr/>
         </p:nvSpPr>
         <p:spPr>
@@ -18807,9 +19459,7 @@
       <p:sp>
         <p:nvSpPr>
           <p:cNvPr id="6" name="標題 1"/>
-          <p:cNvSpPr txBox="1">
-            <a:spLocks/>
-          </p:cNvSpPr>
+          <p:cNvSpPr txBox="1"/>
           <p:nvPr/>
         </p:nvSpPr>
         <p:spPr>
@@ -18876,15 +19526,17 @@
               </a:rPr>
               <a:t>標籤都是物件</a:t>
             </a:r>
+            <a:endParaRPr lang="zh-TW" altLang="en-US" sz="1800" dirty="0">
+              <a:solidFill>
+                <a:srgbClr val="323230"/>
+              </a:solidFill>
+              <a:latin typeface="Microsoft YaHei UI" panose="020B0503020204020204" pitchFamily="34" charset="-122"/>
+              <a:ea typeface="Microsoft YaHei UI" panose="020B0503020204020204" pitchFamily="34" charset="-122"/>
+            </a:endParaRPr>
           </a:p>
         </p:txBody>
       </p:sp>
     </p:spTree>
-    <p:extLst>
-      <p:ext uri="{BB962C8B-B14F-4D97-AF65-F5344CB8AC3E}">
-        <p14:creationId xmlns:p14="http://schemas.microsoft.com/office/powerpoint/2010/main" val="2748138493"/>
-      </p:ext>
-    </p:extLst>
   </p:cSld>
   <p:clrMapOvr>
     <a:masterClrMapping/>
@@ -18956,6 +19608,12 @@
               </a:rPr>
               <a:t>,</a:t>
             </a:r>
+            <a:endParaRPr lang="en-US" altLang="zh-TW" dirty="0">
+              <a:solidFill>
+                <a:srgbClr val="F8F8F2"/>
+              </a:solidFill>
+              <a:latin typeface="Consolas" panose="020B0609020204030204" pitchFamily="49" charset="0"/>
+            </a:endParaRPr>
           </a:p>
           <a:p>
             <a:r>
@@ -18976,6 +19634,12 @@
               </a:rPr>
               <a:t>,</a:t>
             </a:r>
+            <a:endParaRPr lang="en-US" altLang="zh-TW" dirty="0">
+              <a:solidFill>
+                <a:srgbClr val="F8F8F2"/>
+              </a:solidFill>
+              <a:latin typeface="Consolas" panose="020B0609020204030204" pitchFamily="49" charset="0"/>
+            </a:endParaRPr>
           </a:p>
           <a:p>
             <a:r>
@@ -18996,6 +19660,12 @@
               </a:rPr>
               <a:t>,</a:t>
             </a:r>
+            <a:endParaRPr lang="en-US" altLang="zh-TW" dirty="0">
+              <a:solidFill>
+                <a:srgbClr val="F8F8F2"/>
+              </a:solidFill>
+              <a:latin typeface="Consolas" panose="020B0609020204030204" pitchFamily="49" charset="0"/>
+            </a:endParaRPr>
           </a:p>
           <a:p>
             <a:r>
@@ -19016,6 +19686,12 @@
               </a:rPr>
               <a:t>,</a:t>
             </a:r>
+            <a:endParaRPr lang="en-US" altLang="zh-TW" dirty="0">
+              <a:solidFill>
+                <a:srgbClr val="F8F8F2"/>
+              </a:solidFill>
+              <a:latin typeface="Consolas" panose="020B0609020204030204" pitchFamily="49" charset="0"/>
+            </a:endParaRPr>
           </a:p>
           <a:p>
             <a:r>
@@ -19036,6 +19712,12 @@
               </a:rPr>
               <a:t>,</a:t>
             </a:r>
+            <a:endParaRPr lang="en-US" altLang="zh-TW" dirty="0">
+              <a:solidFill>
+                <a:srgbClr val="F8F8F2"/>
+              </a:solidFill>
+              <a:latin typeface="Consolas" panose="020B0609020204030204" pitchFamily="49" charset="0"/>
+            </a:endParaRPr>
           </a:p>
           <a:p>
             <a:r>
@@ -19056,6 +19738,12 @@
               </a:rPr>
               <a:t>,</a:t>
             </a:r>
+            <a:endParaRPr lang="en-US" altLang="zh-TW" dirty="0">
+              <a:solidFill>
+                <a:srgbClr val="F8F8F2"/>
+              </a:solidFill>
+              <a:latin typeface="Consolas" panose="020B0609020204030204" pitchFamily="49" charset="0"/>
+            </a:endParaRPr>
           </a:p>
           <a:p>
             <a:r>
@@ -19259,6 +19947,13 @@
               </a:rPr>
               <a:t>的信箱給撈出來</a:t>
             </a:r>
+            <a:endParaRPr lang="zh-TW" altLang="en-US" sz="1400" dirty="0">
+              <a:solidFill>
+                <a:schemeClr val="bg1"/>
+              </a:solidFill>
+              <a:latin typeface="Adobe 繁黑體 Std B" panose="020B0700000000000000" pitchFamily="34" charset="-120"/>
+              <a:ea typeface="Adobe 繁黑體 Std B" panose="020B0700000000000000" pitchFamily="34" charset="-120"/>
+            </a:endParaRPr>
           </a:p>
         </p:txBody>
       </p:sp>
@@ -19376,11 +20071,6 @@
         </p:txBody>
       </p:sp>
     </p:spTree>
-    <p:extLst>
-      <p:ext uri="{BB962C8B-B14F-4D97-AF65-F5344CB8AC3E}">
-        <p14:creationId xmlns:p14="http://schemas.microsoft.com/office/powerpoint/2010/main" val="2698057393"/>
-      </p:ext>
-    </p:extLst>
   </p:cSld>
   <p:clrMapOvr>
     <a:masterClrMapping/>
@@ -19452,6 +20142,12 @@
               </a:rPr>
               <a:t>,</a:t>
             </a:r>
+            <a:endParaRPr lang="en-US" altLang="zh-TW" dirty="0">
+              <a:solidFill>
+                <a:srgbClr val="F8F8F2"/>
+              </a:solidFill>
+              <a:latin typeface="Consolas" panose="020B0609020204030204" pitchFamily="49" charset="0"/>
+            </a:endParaRPr>
           </a:p>
           <a:p>
             <a:r>
@@ -19490,6 +20186,12 @@
               </a:rPr>
               <a:t>,</a:t>
             </a:r>
+            <a:endParaRPr lang="en-US" altLang="zh-TW" dirty="0">
+              <a:solidFill>
+                <a:srgbClr val="F8F8F2"/>
+              </a:solidFill>
+              <a:latin typeface="Consolas" panose="020B0609020204030204" pitchFamily="49" charset="0"/>
+            </a:endParaRPr>
           </a:p>
           <a:p>
             <a:r>
@@ -19510,6 +20212,12 @@
               </a:rPr>
               <a:t>,</a:t>
             </a:r>
+            <a:endParaRPr lang="en-US" altLang="zh-TW" dirty="0">
+              <a:solidFill>
+                <a:srgbClr val="F8F8F2"/>
+              </a:solidFill>
+              <a:latin typeface="Consolas" panose="020B0609020204030204" pitchFamily="49" charset="0"/>
+            </a:endParaRPr>
           </a:p>
           <a:p>
             <a:r>
@@ -19530,6 +20238,12 @@
               </a:rPr>
               <a:t>,</a:t>
             </a:r>
+            <a:endParaRPr lang="en-US" altLang="zh-TW" dirty="0">
+              <a:solidFill>
+                <a:srgbClr val="F8F8F2"/>
+              </a:solidFill>
+              <a:latin typeface="Consolas" panose="020B0609020204030204" pitchFamily="49" charset="0"/>
+            </a:endParaRPr>
           </a:p>
           <a:p>
             <a:r>
@@ -19550,6 +20264,12 @@
               </a:rPr>
               <a:t>,</a:t>
             </a:r>
+            <a:endParaRPr lang="en-US" altLang="zh-TW" dirty="0">
+              <a:solidFill>
+                <a:srgbClr val="F8F8F2"/>
+              </a:solidFill>
+              <a:latin typeface="Consolas" panose="020B0609020204030204" pitchFamily="49" charset="0"/>
+            </a:endParaRPr>
           </a:p>
           <a:p>
             <a:r>
@@ -19570,6 +20290,12 @@
               </a:rPr>
               <a:t>,</a:t>
             </a:r>
+            <a:endParaRPr lang="en-US" altLang="zh-TW" dirty="0">
+              <a:solidFill>
+                <a:srgbClr val="F8F8F2"/>
+              </a:solidFill>
+              <a:latin typeface="Consolas" panose="020B0609020204030204" pitchFamily="49" charset="0"/>
+            </a:endParaRPr>
           </a:p>
           <a:p>
             <a:r>
@@ -19825,6 +20551,13 @@
               </a:rPr>
               <a:t>可以透過這個正規把所有正確的日期格式給篩選出來</a:t>
             </a:r>
+            <a:endParaRPr lang="zh-TW" altLang="en-US" sz="1400" dirty="0">
+              <a:solidFill>
+                <a:schemeClr val="bg1"/>
+              </a:solidFill>
+              <a:latin typeface="Adobe 繁黑體 Std B" panose="020B0700000000000000" pitchFamily="34" charset="-120"/>
+              <a:ea typeface="Adobe 繁黑體 Std B" panose="020B0700000000000000" pitchFamily="34" charset="-120"/>
+            </a:endParaRPr>
           </a:p>
         </p:txBody>
       </p:sp>
@@ -20144,11 +20877,6 @@
         </p:style>
       </p:cxnSp>
     </p:spTree>
-    <p:extLst>
-      <p:ext uri="{BB962C8B-B14F-4D97-AF65-F5344CB8AC3E}">
-        <p14:creationId xmlns:p14="http://schemas.microsoft.com/office/powerpoint/2010/main" val="239430563"/>
-      </p:ext>
-    </p:extLst>
   </p:cSld>
   <p:clrMapOvr>
     <a:masterClrMapping/>
@@ -20184,9 +20912,7 @@
       <p:sp>
         <p:nvSpPr>
           <p:cNvPr id="4" name="標題 1"/>
-          <p:cNvSpPr txBox="1">
-            <a:spLocks/>
-          </p:cNvSpPr>
+          <p:cNvSpPr txBox="1"/>
           <p:nvPr/>
         </p:nvSpPr>
         <p:spPr>
@@ -20339,9 +21065,7 @@
       <p:sp>
         <p:nvSpPr>
           <p:cNvPr id="5" name="標題 1"/>
-          <p:cNvSpPr txBox="1">
-            <a:spLocks/>
-          </p:cNvSpPr>
+          <p:cNvSpPr txBox="1"/>
           <p:nvPr/>
         </p:nvSpPr>
         <p:spPr>
@@ -20473,11 +21197,6 @@
         </p:txBody>
       </p:sp>
     </p:spTree>
-    <p:extLst>
-      <p:ext uri="{BB962C8B-B14F-4D97-AF65-F5344CB8AC3E}">
-        <p14:creationId xmlns:p14="http://schemas.microsoft.com/office/powerpoint/2010/main" val="858406320"/>
-      </p:ext>
-    </p:extLst>
   </p:cSld>
   <p:clrMapOvr>
     <a:masterClrMapping/>
@@ -20608,15 +21327,22 @@
               </a:rPr>
               <a:t>替換與正則表達式匹配的子串</a:t>
             </a:r>
+            <a:endParaRPr lang="zh-TW" altLang="en-US" sz="1600" dirty="0">
+              <a:solidFill>
+                <a:schemeClr val="bg1">
+                  <a:lumMod val="50000"/>
+                </a:schemeClr>
+              </a:solidFill>
+              <a:latin typeface="Adobe 繁黑體 Std B" panose="020B0700000000000000" pitchFamily="34" charset="-120"/>
+              <a:ea typeface="Adobe 繁黑體 Std B" panose="020B0700000000000000" pitchFamily="34" charset="-120"/>
+            </a:endParaRPr>
           </a:p>
         </p:txBody>
       </p:sp>
       <p:sp>
         <p:nvSpPr>
           <p:cNvPr id="3" name="標題 1"/>
-          <p:cNvSpPr txBox="1">
-            <a:spLocks/>
-          </p:cNvSpPr>
+          <p:cNvSpPr txBox="1"/>
           <p:nvPr/>
         </p:nvSpPr>
         <p:spPr>
@@ -20697,6 +21423,13 @@
               </a:rPr>
               <a:t>);</a:t>
             </a:r>
+            <a:endParaRPr lang="en-US" altLang="zh-TW" sz="1800" dirty="0">
+              <a:solidFill>
+                <a:schemeClr val="bg1"/>
+              </a:solidFill>
+              <a:latin typeface="Adobe 繁黑體 Std B" panose="020B0700000000000000" pitchFamily="34" charset="-120"/>
+              <a:ea typeface="Adobe 繁黑體 Std B" panose="020B0700000000000000" pitchFamily="34" charset="-120"/>
+            </a:endParaRPr>
           </a:p>
           <a:p>
             <a:pPr algn="ctr">
@@ -20716,15 +21449,22 @@
               </a:rPr>
               <a:t>在字串方法內使用正則表達式來找到一個或是多個匹配的結果</a:t>
             </a:r>
+            <a:endParaRPr lang="zh-TW" altLang="en-US" sz="1600" dirty="0">
+              <a:solidFill>
+                <a:schemeClr val="bg1">
+                  <a:lumMod val="50000"/>
+                </a:schemeClr>
+              </a:solidFill>
+              <a:latin typeface="Adobe 繁黑體 Std B" panose="020B0700000000000000" pitchFamily="34" charset="-120"/>
+              <a:ea typeface="Adobe 繁黑體 Std B" panose="020B0700000000000000" pitchFamily="34" charset="-120"/>
+            </a:endParaRPr>
           </a:p>
         </p:txBody>
       </p:sp>
       <p:sp>
         <p:nvSpPr>
           <p:cNvPr id="7" name="標題 1"/>
-          <p:cNvSpPr txBox="1">
-            <a:spLocks/>
-          </p:cNvSpPr>
+          <p:cNvSpPr txBox="1"/>
           <p:nvPr/>
         </p:nvSpPr>
         <p:spPr>
@@ -20805,6 +21545,13 @@
               </a:rPr>
               <a:t>);</a:t>
             </a:r>
+            <a:endParaRPr lang="en-US" altLang="zh-TW" sz="1800" dirty="0">
+              <a:solidFill>
+                <a:schemeClr val="bg1"/>
+              </a:solidFill>
+              <a:latin typeface="Adobe 繁黑體 Std B" panose="020B0700000000000000" pitchFamily="34" charset="-120"/>
+              <a:ea typeface="Adobe 繁黑體 Std B" panose="020B0700000000000000" pitchFamily="34" charset="-120"/>
+            </a:endParaRPr>
           </a:p>
           <a:p>
             <a:pPr algn="ctr">
@@ -20848,20 +21595,27 @@
               </a:rPr>
               <a:t>把字串分割成陣列，複雜的分割也可以使用正則表達式來解決</a:t>
             </a:r>
+            <a:endParaRPr lang="zh-TW" altLang="en-US" sz="1600" dirty="0">
+              <a:solidFill>
+                <a:schemeClr val="bg1">
+                  <a:lumMod val="50000"/>
+                </a:schemeClr>
+              </a:solidFill>
+              <a:latin typeface="Adobe 繁黑體 Std B" panose="020B0700000000000000" pitchFamily="34" charset="-120"/>
+              <a:ea typeface="Adobe 繁黑體 Std B" panose="020B0700000000000000" pitchFamily="34" charset="-120"/>
+            </a:endParaRPr>
           </a:p>
         </p:txBody>
       </p:sp>
       <p:sp>
         <p:nvSpPr>
           <p:cNvPr id="8" name="標題 1"/>
-          <p:cNvSpPr txBox="1">
-            <a:spLocks/>
-          </p:cNvSpPr>
+          <p:cNvSpPr txBox="1"/>
           <p:nvPr/>
         </p:nvSpPr>
         <p:spPr>
           <a:xfrm>
-            <a:off x="5705751" y="1045228"/>
+            <a:off x="5705751" y="1099203"/>
             <a:ext cx="5519053" cy="1552433"/>
           </a:xfrm>
           <a:prstGeom prst="rect">
@@ -21006,15 +21760,19 @@
               </a:rPr>
               <a:t>，不支援全局使用</a:t>
             </a:r>
+            <a:endParaRPr lang="zh-TW" altLang="en-US" sz="1600" dirty="0">
+              <a:solidFill>
+                <a:schemeClr val="bg1">
+                  <a:lumMod val="50000"/>
+                </a:schemeClr>
+              </a:solidFill>
+              <a:latin typeface="Adobe 繁黑體 Std B" panose="020B0700000000000000" pitchFamily="34" charset="-120"/>
+              <a:ea typeface="Adobe 繁黑體 Std B" panose="020B0700000000000000" pitchFamily="34" charset="-120"/>
+            </a:endParaRPr>
           </a:p>
         </p:txBody>
       </p:sp>
     </p:spTree>
-    <p:extLst>
-      <p:ext uri="{BB962C8B-B14F-4D97-AF65-F5344CB8AC3E}">
-        <p14:creationId xmlns:p14="http://schemas.microsoft.com/office/powerpoint/2010/main" val="3281054123"/>
-      </p:ext>
-    </p:extLst>
   </p:cSld>
   <p:clrMapOvr>
     <a:masterClrMapping/>
@@ -21232,15 +21990,17 @@
               </a:rPr>
               <a:t>則是常數，是不可以再被修改的變數</a:t>
             </a:r>
+            <a:endParaRPr lang="zh-TW" altLang="en-US" sz="1600" dirty="0">
+              <a:solidFill>
+                <a:srgbClr val="323230"/>
+              </a:solidFill>
+              <a:latin typeface="Adobe 繁黑體 Std B" panose="020B0700000000000000" pitchFamily="34" charset="-120"/>
+              <a:ea typeface="Adobe 繁黑體 Std B" panose="020B0700000000000000" pitchFamily="34" charset="-120"/>
+            </a:endParaRPr>
           </a:p>
         </p:txBody>
       </p:sp>
     </p:spTree>
-    <p:extLst>
-      <p:ext uri="{BB962C8B-B14F-4D97-AF65-F5344CB8AC3E}">
-        <p14:creationId xmlns:p14="http://schemas.microsoft.com/office/powerpoint/2010/main" val="47550318"/>
-      </p:ext>
-    </p:extLst>
   </p:cSld>
   <p:clrMapOvr>
     <a:masterClrMapping/>
@@ -21294,15 +22054,11 @@
               <a:rPr lang="zh-TW" altLang="en-US" sz="4400" b="1" dirty="0"/>
               <a:t>模組化入門</a:t>
             </a:r>
+            <a:endParaRPr lang="zh-TW" altLang="en-US" sz="4400" b="1" dirty="0"/>
           </a:p>
         </p:txBody>
       </p:sp>
     </p:spTree>
-    <p:extLst>
-      <p:ext uri="{BB962C8B-B14F-4D97-AF65-F5344CB8AC3E}">
-        <p14:creationId xmlns:p14="http://schemas.microsoft.com/office/powerpoint/2010/main" val="2871278607"/>
-      </p:ext>
-    </p:extLst>
   </p:cSld>
   <p:clrMapOvr>
     <a:masterClrMapping/>
@@ -21336,7 +22092,7 @@
           <p:nvPr/>
         </p:nvPicPr>
         <p:blipFill>
-          <a:blip r:embed="rId2">
+          <a:blip r:embed="rId1">
             <a:extLst>
               <a:ext uri="{28A0092B-C50C-407E-A947-70E740481C1C}">
                 <a14:useLocalDpi xmlns:a14="http://schemas.microsoft.com/office/drawing/2010/main" val="0"/>
@@ -21358,11 +22114,6 @@
         </p:spPr>
       </p:pic>
     </p:spTree>
-    <p:extLst>
-      <p:ext uri="{BB962C8B-B14F-4D97-AF65-F5344CB8AC3E}">
-        <p14:creationId xmlns:p14="http://schemas.microsoft.com/office/powerpoint/2010/main" val="1341643140"/>
-      </p:ext>
-    </p:extLst>
   </p:cSld>
   <p:clrMapOvr>
     <a:masterClrMapping/>
@@ -21390,9 +22141,7 @@
       <p:sp>
         <p:nvSpPr>
           <p:cNvPr id="4" name="副標題 2"/>
-          <p:cNvSpPr txBox="1">
-            <a:spLocks/>
-          </p:cNvSpPr>
+          <p:cNvSpPr txBox="1"/>
           <p:nvPr/>
         </p:nvSpPr>
         <p:spPr>
@@ -21416,7 +22165,7 @@
               <a:spcBef>
                 <a:spcPts val="1000"/>
               </a:spcBef>
-              <a:buFont typeface="Arial" panose="020B0604020202020204" pitchFamily="34" charset="0"/>
+              <a:buFont typeface="Arial" panose="020B0604020202090204" pitchFamily="34" charset="0"/>
               <a:buNone/>
               <a:defRPr sz="2400" kern="1200">
                 <a:solidFill>
@@ -21434,7 +22183,7 @@
               <a:spcBef>
                 <a:spcPts val="500"/>
               </a:spcBef>
-              <a:buFont typeface="Arial" panose="020B0604020202020204" pitchFamily="34" charset="0"/>
+              <a:buFont typeface="Arial" panose="020B0604020202090204" pitchFamily="34" charset="0"/>
               <a:buNone/>
               <a:defRPr sz="2000" kern="1200">
                 <a:solidFill>
@@ -21452,7 +22201,7 @@
               <a:spcBef>
                 <a:spcPts val="500"/>
               </a:spcBef>
-              <a:buFont typeface="Arial" panose="020B0604020202020204" pitchFamily="34" charset="0"/>
+              <a:buFont typeface="Arial" panose="020B0604020202090204" pitchFamily="34" charset="0"/>
               <a:buNone/>
               <a:defRPr sz="1800" kern="1200">
                 <a:solidFill>
@@ -21470,7 +22219,7 @@
               <a:spcBef>
                 <a:spcPts val="500"/>
               </a:spcBef>
-              <a:buFont typeface="Arial" panose="020B0604020202020204" pitchFamily="34" charset="0"/>
+              <a:buFont typeface="Arial" panose="020B0604020202090204" pitchFamily="34" charset="0"/>
               <a:buNone/>
               <a:defRPr sz="1600" kern="1200">
                 <a:solidFill>
@@ -21488,7 +22237,7 @@
               <a:spcBef>
                 <a:spcPts val="500"/>
               </a:spcBef>
-              <a:buFont typeface="Arial" panose="020B0604020202020204" pitchFamily="34" charset="0"/>
+              <a:buFont typeface="Arial" panose="020B0604020202090204" pitchFamily="34" charset="0"/>
               <a:buNone/>
               <a:defRPr sz="1600" kern="1200">
                 <a:solidFill>
@@ -21506,7 +22255,7 @@
               <a:spcBef>
                 <a:spcPts val="500"/>
               </a:spcBef>
-              <a:buFont typeface="Arial" panose="020B0604020202020204" pitchFamily="34" charset="0"/>
+              <a:buFont typeface="Arial" panose="020B0604020202090204" pitchFamily="34" charset="0"/>
               <a:buNone/>
               <a:defRPr sz="1600" kern="1200">
                 <a:solidFill>
@@ -21524,7 +22273,7 @@
               <a:spcBef>
                 <a:spcPts val="500"/>
               </a:spcBef>
-              <a:buFont typeface="Arial" panose="020B0604020202020204" pitchFamily="34" charset="0"/>
+              <a:buFont typeface="Arial" panose="020B0604020202090204" pitchFamily="34" charset="0"/>
               <a:buNone/>
               <a:defRPr sz="1600" kern="1200">
                 <a:solidFill>
@@ -21542,7 +22291,7 @@
               <a:spcBef>
                 <a:spcPts val="500"/>
               </a:spcBef>
-              <a:buFont typeface="Arial" panose="020B0604020202020204" pitchFamily="34" charset="0"/>
+              <a:buFont typeface="Arial" panose="020B0604020202090204" pitchFamily="34" charset="0"/>
               <a:buNone/>
               <a:defRPr sz="1600" kern="1200">
                 <a:solidFill>
@@ -21560,7 +22309,7 @@
               <a:spcBef>
                 <a:spcPts val="500"/>
               </a:spcBef>
-              <a:buFont typeface="Arial" panose="020B0604020202020204" pitchFamily="34" charset="0"/>
+              <a:buFont typeface="Arial" panose="020B0604020202090204" pitchFamily="34" charset="0"/>
               <a:buNone/>
               <a:defRPr sz="1600" kern="1200">
                 <a:solidFill>
@@ -21613,6 +22362,13 @@
               </a:rPr>
               <a:t>!</a:t>
             </a:r>
+            <a:endParaRPr lang="en-US" altLang="zh-TW" b="1" dirty="0">
+              <a:solidFill>
+                <a:srgbClr val="323230"/>
+              </a:solidFill>
+              <a:latin typeface="微軟正黑體" panose="020B0604030504040204" pitchFamily="34" charset="-120"/>
+              <a:ea typeface="微軟正黑體" panose="020B0604030504040204" pitchFamily="34" charset="-120"/>
+            </a:endParaRPr>
           </a:p>
         </p:txBody>
       </p:sp>
@@ -21643,8 +22399,8 @@
                 <a:solidFill>
                   <a:srgbClr val="323230"/>
                 </a:solidFill>
-                <a:latin typeface="Arial" panose="020B0604020202020204" pitchFamily="34" charset="0"/>
-                <a:cs typeface="Arial" panose="020B0604020202020204" pitchFamily="34" charset="0"/>
+                <a:latin typeface="Arial" panose="020B0604020202090204" pitchFamily="34" charset="0"/>
+                <a:cs typeface="Arial" panose="020B0604020202090204" pitchFamily="34" charset="0"/>
               </a:rPr>
               <a:t>https://github.com/coreybutler/nvm-windows/releases</a:t>
             </a:r>
@@ -21652,18 +22408,13 @@
               <a:solidFill>
                 <a:srgbClr val="323230"/>
               </a:solidFill>
-              <a:latin typeface="Arial" panose="020B0604020202020204" pitchFamily="34" charset="0"/>
-              <a:cs typeface="Arial" panose="020B0604020202020204" pitchFamily="34" charset="0"/>
+              <a:latin typeface="Arial" panose="020B0604020202090204" pitchFamily="34" charset="0"/>
+              <a:cs typeface="Arial" panose="020B0604020202090204" pitchFamily="34" charset="0"/>
             </a:endParaRPr>
           </a:p>
         </p:txBody>
       </p:sp>
     </p:spTree>
-    <p:extLst>
-      <p:ext uri="{BB962C8B-B14F-4D97-AF65-F5344CB8AC3E}">
-        <p14:creationId xmlns:p14="http://schemas.microsoft.com/office/powerpoint/2010/main" val="4091814253"/>
-      </p:ext>
-    </p:extLst>
   </p:cSld>
   <p:clrMapOvr>
     <a:masterClrMapping/>
@@ -21971,11 +22722,6 @@
         </p:txBody>
       </p:sp>
     </p:spTree>
-    <p:extLst>
-      <p:ext uri="{BB962C8B-B14F-4D97-AF65-F5344CB8AC3E}">
-        <p14:creationId xmlns:p14="http://schemas.microsoft.com/office/powerpoint/2010/main" val="261491581"/>
-      </p:ext>
-    </p:extLst>
   </p:cSld>
   <p:clrMapOvr>
     <a:masterClrMapping/>
@@ -22003,9 +22749,7 @@
       <p:sp>
         <p:nvSpPr>
           <p:cNvPr id="3" name="副標題 2"/>
-          <p:cNvSpPr txBox="1">
-            <a:spLocks/>
-          </p:cNvSpPr>
+          <p:cNvSpPr txBox="1"/>
           <p:nvPr/>
         </p:nvSpPr>
         <p:spPr>
@@ -22029,7 +22773,7 @@
               <a:spcBef>
                 <a:spcPts val="1000"/>
               </a:spcBef>
-              <a:buFont typeface="Arial" panose="020B0604020202020204" pitchFamily="34" charset="0"/>
+              <a:buFont typeface="Arial" panose="020B0604020202090204" pitchFamily="34" charset="0"/>
               <a:buNone/>
               <a:defRPr sz="2400" kern="1200">
                 <a:solidFill>
@@ -22047,7 +22791,7 @@
               <a:spcBef>
                 <a:spcPts val="500"/>
               </a:spcBef>
-              <a:buFont typeface="Arial" panose="020B0604020202020204" pitchFamily="34" charset="0"/>
+              <a:buFont typeface="Arial" panose="020B0604020202090204" pitchFamily="34" charset="0"/>
               <a:buNone/>
               <a:defRPr sz="2000" kern="1200">
                 <a:solidFill>
@@ -22065,7 +22809,7 @@
               <a:spcBef>
                 <a:spcPts val="500"/>
               </a:spcBef>
-              <a:buFont typeface="Arial" panose="020B0604020202020204" pitchFamily="34" charset="0"/>
+              <a:buFont typeface="Arial" panose="020B0604020202090204" pitchFamily="34" charset="0"/>
               <a:buNone/>
               <a:defRPr sz="1800" kern="1200">
                 <a:solidFill>
@@ -22083,7 +22827,7 @@
               <a:spcBef>
                 <a:spcPts val="500"/>
               </a:spcBef>
-              <a:buFont typeface="Arial" panose="020B0604020202020204" pitchFamily="34" charset="0"/>
+              <a:buFont typeface="Arial" panose="020B0604020202090204" pitchFamily="34" charset="0"/>
               <a:buNone/>
               <a:defRPr sz="1600" kern="1200">
                 <a:solidFill>
@@ -22101,7 +22845,7 @@
               <a:spcBef>
                 <a:spcPts val="500"/>
               </a:spcBef>
-              <a:buFont typeface="Arial" panose="020B0604020202020204" pitchFamily="34" charset="0"/>
+              <a:buFont typeface="Arial" panose="020B0604020202090204" pitchFamily="34" charset="0"/>
               <a:buNone/>
               <a:defRPr sz="1600" kern="1200">
                 <a:solidFill>
@@ -22119,7 +22863,7 @@
               <a:spcBef>
                 <a:spcPts val="500"/>
               </a:spcBef>
-              <a:buFont typeface="Arial" panose="020B0604020202020204" pitchFamily="34" charset="0"/>
+              <a:buFont typeface="Arial" panose="020B0604020202090204" pitchFamily="34" charset="0"/>
               <a:buNone/>
               <a:defRPr sz="1600" kern="1200">
                 <a:solidFill>
@@ -22137,7 +22881,7 @@
               <a:spcBef>
                 <a:spcPts val="500"/>
               </a:spcBef>
-              <a:buFont typeface="Arial" panose="020B0604020202020204" pitchFamily="34" charset="0"/>
+              <a:buFont typeface="Arial" panose="020B0604020202090204" pitchFamily="34" charset="0"/>
               <a:buNone/>
               <a:defRPr sz="1600" kern="1200">
                 <a:solidFill>
@@ -22155,7 +22899,7 @@
               <a:spcBef>
                 <a:spcPts val="500"/>
               </a:spcBef>
-              <a:buFont typeface="Arial" panose="020B0604020202020204" pitchFamily="34" charset="0"/>
+              <a:buFont typeface="Arial" panose="020B0604020202090204" pitchFamily="34" charset="0"/>
               <a:buNone/>
               <a:defRPr sz="1600" kern="1200">
                 <a:solidFill>
@@ -22173,7 +22917,7 @@
               <a:spcBef>
                 <a:spcPts val="500"/>
               </a:spcBef>
-              <a:buFont typeface="Arial" panose="020B0604020202020204" pitchFamily="34" charset="0"/>
+              <a:buFont typeface="Arial" panose="020B0604020202090204" pitchFamily="34" charset="0"/>
               <a:buNone/>
               <a:defRPr sz="1600" kern="1200">
                 <a:solidFill>
@@ -22276,7 +23020,7 @@
           <p:nvPr/>
         </p:nvPicPr>
         <p:blipFill>
-          <a:blip r:embed="rId2" cstate="print">
+          <a:blip r:embed="rId1" cstate="print">
             <a:extLst>
               <a:ext uri="{28A0092B-C50C-407E-A947-70E740481C1C}">
                 <a14:useLocalDpi xmlns:a14="http://schemas.microsoft.com/office/drawing/2010/main" val="0"/>
@@ -22320,7 +23064,7 @@
           <a:p>
             <a:r>
               <a:rPr lang="en-US" altLang="zh-TW" dirty="0">
-                <a:hlinkClick r:id="rId3"/>
+                <a:hlinkClick r:id="rId2"/>
               </a:rPr>
               <a:t>https://parceljs.org/</a:t>
             </a:r>
@@ -22353,6 +23097,7 @@
               <a:rPr lang="zh-TW" altLang="en-US" dirty="0"/>
               <a:t>npm install -g parcel-bundler</a:t>
             </a:r>
+            <a:endParaRPr lang="zh-TW" altLang="en-US" dirty="0"/>
           </a:p>
         </p:txBody>
       </p:sp>
@@ -22379,7 +23124,7 @@
           <a:p>
             <a:r>
               <a:rPr lang="en-US" altLang="zh-TW" dirty="0">
-                <a:hlinkClick r:id="rId4"/>
+                <a:hlinkClick r:id="rId3"/>
               </a:rPr>
               <a:t>https://createapp.dev/parcel</a:t>
             </a:r>
@@ -22412,6 +23157,7 @@
               <a:rPr lang="zh-TW" altLang="en-US" dirty="0"/>
               <a:t>npm install</a:t>
             </a:r>
+            <a:endParaRPr lang="zh-TW" altLang="en-US" dirty="0"/>
           </a:p>
         </p:txBody>
       </p:sp>
@@ -22450,6 +23196,10 @@
               </a:rPr>
               <a:t> 先執行安裝parcel-bundler到電腦全域</a:t>
             </a:r>
+            <a:endParaRPr lang="zh-TW" altLang="en-US" u="sng" dirty="0">
+              <a:latin typeface="Adobe 繁黑體 Std B" panose="020B0700000000000000" pitchFamily="34" charset="-120"/>
+              <a:ea typeface="Adobe 繁黑體 Std B" panose="020B0700000000000000" pitchFamily="34" charset="-120"/>
+            </a:endParaRPr>
           </a:p>
         </p:txBody>
       </p:sp>
@@ -22488,15 +23238,14 @@
               </a:rPr>
               <a:t> 將命令提式視窗路徑指向專案資料夾</a:t>
             </a:r>
+            <a:endParaRPr lang="zh-TW" altLang="en-US" u="sng" dirty="0">
+              <a:latin typeface="Adobe 繁黑體 Std B" panose="020B0700000000000000" pitchFamily="34" charset="-120"/>
+              <a:ea typeface="Adobe 繁黑體 Std B" panose="020B0700000000000000" pitchFamily="34" charset="-120"/>
+            </a:endParaRPr>
           </a:p>
         </p:txBody>
       </p:sp>
     </p:spTree>
-    <p:extLst>
-      <p:ext uri="{BB962C8B-B14F-4D97-AF65-F5344CB8AC3E}">
-        <p14:creationId xmlns:p14="http://schemas.microsoft.com/office/powerpoint/2010/main" val="3729123251"/>
-      </p:ext>
-    </p:extLst>
   </p:cSld>
   <p:clrMapOvr>
     <a:masterClrMapping/>
@@ -22532,9 +23281,7 @@
       <p:sp>
         <p:nvSpPr>
           <p:cNvPr id="6" name="標題 1"/>
-          <p:cNvSpPr txBox="1">
-            <a:spLocks/>
-          </p:cNvSpPr>
+          <p:cNvSpPr txBox="1"/>
           <p:nvPr/>
         </p:nvSpPr>
         <p:spPr>
@@ -22581,6 +23328,13 @@
               </a:rPr>
               <a:t>物件基本格式</a:t>
             </a:r>
+            <a:endParaRPr lang="zh-TW" altLang="en-US" b="1" dirty="0">
+              <a:solidFill>
+                <a:schemeClr val="bg1"/>
+              </a:solidFill>
+              <a:latin typeface="Microsoft YaHei UI" panose="020B0503020204020204" pitchFamily="34" charset="-122"/>
+              <a:ea typeface="Microsoft YaHei UI" panose="020B0503020204020204" pitchFamily="34" charset="-122"/>
+            </a:endParaRPr>
           </a:p>
         </p:txBody>
       </p:sp>
@@ -22615,6 +23369,13 @@
               </a:rPr>
               <a:t>obj.name</a:t>
             </a:r>
+            <a:endParaRPr lang="en-US" altLang="zh-TW" sz="2800" b="0" dirty="0">
+              <a:solidFill>
+                <a:srgbClr val="F8F8F2"/>
+              </a:solidFill>
+              <a:effectLst/>
+              <a:latin typeface="Consolas" panose="020B0609020204030204" pitchFamily="49" charset="0"/>
+            </a:endParaRPr>
           </a:p>
         </p:txBody>
       </p:sp>
@@ -22713,6 +23474,13 @@
                 </a:rPr>
                 <a:t> {</a:t>
               </a:r>
+              <a:endParaRPr lang="en-US" altLang="zh-TW" b="0" dirty="0">
+                <a:solidFill>
+                  <a:srgbClr val="F8F8F2"/>
+                </a:solidFill>
+                <a:effectLst/>
+                <a:latin typeface="Consolas" panose="020B0609020204030204" pitchFamily="49" charset="0"/>
+              </a:endParaRPr>
             </a:p>
             <a:p>
               <a:r>
@@ -22755,6 +23523,13 @@
                 </a:rPr>
                 <a:t>,</a:t>
               </a:r>
+              <a:endParaRPr lang="en-US" altLang="zh-TW" b="0" dirty="0">
+                <a:solidFill>
+                  <a:srgbClr val="F8F8F2"/>
+                </a:solidFill>
+                <a:effectLst/>
+                <a:latin typeface="Consolas" panose="020B0609020204030204" pitchFamily="49" charset="0"/>
+              </a:endParaRPr>
             </a:p>
             <a:p>
               <a:r>
@@ -22797,6 +23572,13 @@
                 </a:rPr>
                 <a:t>,</a:t>
               </a:r>
+              <a:endParaRPr lang="en-US" altLang="zh-TW" b="0" dirty="0">
+                <a:solidFill>
+                  <a:srgbClr val="F8F8F2"/>
+                </a:solidFill>
+                <a:effectLst/>
+                <a:latin typeface="Consolas" panose="020B0609020204030204" pitchFamily="49" charset="0"/>
+              </a:endParaRPr>
             </a:p>
             <a:p>
               <a:r>
@@ -22809,15 +23591,20 @@
                 </a:rPr>
                 <a:t>}</a:t>
               </a:r>
+              <a:endParaRPr lang="en-US" altLang="zh-TW" b="0" dirty="0">
+                <a:solidFill>
+                  <a:srgbClr val="F8F8F2"/>
+                </a:solidFill>
+                <a:effectLst/>
+                <a:latin typeface="Consolas" panose="020B0609020204030204" pitchFamily="49" charset="0"/>
+              </a:endParaRPr>
             </a:p>
           </p:txBody>
         </p:sp>
         <p:sp>
           <p:nvSpPr>
             <p:cNvPr id="10" name="標題 1"/>
-            <p:cNvSpPr txBox="1">
-              <a:spLocks/>
-            </p:cNvSpPr>
+            <p:cNvSpPr txBox="1"/>
             <p:nvPr/>
           </p:nvSpPr>
           <p:spPr>
@@ -22914,9 +23701,7 @@
         <p:sp>
           <p:nvSpPr>
             <p:cNvPr id="14" name="標題 1"/>
-            <p:cNvSpPr txBox="1">
-              <a:spLocks/>
-            </p:cNvSpPr>
+            <p:cNvSpPr txBox="1"/>
             <p:nvPr/>
           </p:nvSpPr>
           <p:spPr>
@@ -23014,9 +23799,7 @@
       <p:sp>
         <p:nvSpPr>
           <p:cNvPr id="19" name="標題 1"/>
-          <p:cNvSpPr txBox="1">
-            <a:spLocks/>
-          </p:cNvSpPr>
+          <p:cNvSpPr txBox="1"/>
           <p:nvPr/>
         </p:nvSpPr>
         <p:spPr>
@@ -23198,15 +23981,20 @@
               </a:rPr>
               <a:t>]</a:t>
             </a:r>
+            <a:endParaRPr lang="en-US" altLang="zh-TW" sz="2800" b="0" dirty="0">
+              <a:solidFill>
+                <a:srgbClr val="F8F8F2"/>
+              </a:solidFill>
+              <a:effectLst/>
+              <a:latin typeface="Consolas" panose="020B0609020204030204" pitchFamily="49" charset="0"/>
+            </a:endParaRPr>
           </a:p>
         </p:txBody>
       </p:sp>
       <p:sp>
         <p:nvSpPr>
           <p:cNvPr id="22" name="標題 1"/>
-          <p:cNvSpPr txBox="1">
-            <a:spLocks/>
-          </p:cNvSpPr>
+          <p:cNvSpPr txBox="1"/>
           <p:nvPr/>
         </p:nvSpPr>
         <p:spPr>
@@ -23340,11 +24128,6 @@
         </p:txBody>
       </p:sp>
     </p:spTree>
-    <p:extLst>
-      <p:ext uri="{BB962C8B-B14F-4D97-AF65-F5344CB8AC3E}">
-        <p14:creationId xmlns:p14="http://schemas.microsoft.com/office/powerpoint/2010/main" val="1365078092"/>
-      </p:ext>
-    </p:extLst>
   </p:cSld>
   <p:clrMapOvr>
     <a:masterClrMapping/>
@@ -23440,6 +24223,13 @@
               </a:rPr>
               <a:t>and Require</a:t>
             </a:r>
+            <a:endParaRPr lang="en-US" altLang="zh-TW" sz="2800" dirty="0">
+              <a:solidFill>
+                <a:srgbClr val="323230"/>
+              </a:solidFill>
+              <a:latin typeface="Adobe 繁黑體 Std B" panose="020B0700000000000000" pitchFamily="34" charset="-120"/>
+              <a:ea typeface="Adobe 繁黑體 Std B" panose="020B0700000000000000" pitchFamily="34" charset="-120"/>
+            </a:endParaRPr>
           </a:p>
         </p:txBody>
       </p:sp>
@@ -23490,7 +24280,7 @@
                 </a:solidFill>
                 <a:latin typeface="Adobe 繁黑體 Std B" panose="020B0700000000000000" pitchFamily="34" charset="-120"/>
                 <a:ea typeface="Adobe 繁黑體 Std B" panose="020B0700000000000000" pitchFamily="34" charset="-120"/>
-                <a:cs typeface="Arial" panose="020B0604020202020204" pitchFamily="34" charset="0"/>
+                <a:cs typeface="Arial" panose="020B0604020202090204" pitchFamily="34" charset="0"/>
               </a:rPr>
               <a:t>應用由模塊組成，採用</a:t>
             </a:r>
@@ -23534,7 +24324,7 @@
                 </a:solidFill>
                 <a:latin typeface="Adobe 繁黑體 Std B" panose="020B0700000000000000" pitchFamily="34" charset="-120"/>
                 <a:ea typeface="Adobe 繁黑體 Std B" panose="020B0700000000000000" pitchFamily="34" charset="-120"/>
-                <a:cs typeface="Arial" panose="020B0604020202020204" pitchFamily="34" charset="0"/>
+                <a:cs typeface="Arial" panose="020B0604020202090204" pitchFamily="34" charset="0"/>
               </a:rPr>
               <a:t>模塊規範</a:t>
             </a:r>
@@ -23560,7 +24350,7 @@
                 </a:solidFill>
                 <a:latin typeface="Adobe 繁黑體 Std B" panose="020B0700000000000000" pitchFamily="34" charset="-120"/>
                 <a:ea typeface="Adobe 繁黑體 Std B" panose="020B0700000000000000" pitchFamily="34" charset="-120"/>
-                <a:cs typeface="Arial" panose="020B0604020202020204" pitchFamily="34" charset="0"/>
+                <a:cs typeface="Arial" panose="020B0604020202090204" pitchFamily="34" charset="0"/>
               </a:rPr>
               <a:t>每個文件就是一個模塊，有自己的作用域。在一個文件裡面定義的變數、</a:t>
             </a:r>
@@ -23581,7 +24371,7 @@
                 </a:solidFill>
                 <a:latin typeface="Adobe 繁黑體 Std B" panose="020B0700000000000000" pitchFamily="34" charset="-120"/>
                 <a:ea typeface="Adobe 繁黑體 Std B" panose="020B0700000000000000" pitchFamily="34" charset="-120"/>
-                <a:cs typeface="Arial" panose="020B0604020202020204" pitchFamily="34" charset="0"/>
+                <a:cs typeface="Arial" panose="020B0604020202090204" pitchFamily="34" charset="0"/>
               </a:rPr>
               <a:t>、類別，都是私有的。</a:t>
             </a:r>
@@ -23596,11 +24386,6 @@
         </p:txBody>
       </p:sp>
     </p:spTree>
-    <p:extLst>
-      <p:ext uri="{BB962C8B-B14F-4D97-AF65-F5344CB8AC3E}">
-        <p14:creationId xmlns:p14="http://schemas.microsoft.com/office/powerpoint/2010/main" val="3140785138"/>
-      </p:ext>
-    </p:extLst>
   </p:cSld>
   <p:clrMapOvr>
     <a:masterClrMapping/>
@@ -23631,13 +24416,7 @@
           <p:cNvGraphicFramePr>
             <a:graphicFrameLocks noGrp="1"/>
           </p:cNvGraphicFramePr>
-          <p:nvPr>
-            <p:extLst>
-              <p:ext uri="{D42A27DB-BD31-4B8C-83A1-F6EECF244321}">
-                <p14:modId xmlns:p14="http://schemas.microsoft.com/office/powerpoint/2010/main" val="769156377"/>
-              </p:ext>
-            </p:extLst>
-          </p:nvPr>
+          <p:nvPr/>
         </p:nvGraphicFramePr>
         <p:xfrm>
           <a:off x="2889755" y="2397977"/>
@@ -23650,20 +24429,8 @@
                 <a:tableStyleId>{5C22544A-7EE6-4342-B048-85BDC9FD1C3A}</a:tableStyleId>
               </a:tblPr>
               <a:tblGrid>
-                <a:gridCol w="2928418">
-                  <a:extLst>
-                    <a:ext uri="{9D8B030D-6E8A-4147-A177-3AD203B41FA5}">
-                      <a16:colId xmlns:a16="http://schemas.microsoft.com/office/drawing/2014/main" val="20000"/>
-                    </a:ext>
-                  </a:extLst>
-                </a:gridCol>
-                <a:gridCol w="3600956">
-                  <a:extLst>
-                    <a:ext uri="{9D8B030D-6E8A-4147-A177-3AD203B41FA5}">
-                      <a16:colId xmlns:a16="http://schemas.microsoft.com/office/drawing/2014/main" val="20001"/>
-                    </a:ext>
-                  </a:extLst>
-                </a:gridCol>
+                <a:gridCol w="2928418"/>
+                <a:gridCol w="3600956"/>
               </a:tblGrid>
               <a:tr h="370840">
                 <a:tc>
@@ -23681,6 +24448,13 @@
                         </a:rPr>
                         <a:t>輸出</a:t>
                       </a:r>
+                      <a:endParaRPr lang="zh-TW" altLang="en-US" dirty="0">
+                        <a:solidFill>
+                          <a:schemeClr val="tx1"/>
+                        </a:solidFill>
+                        <a:latin typeface="Adobe 繁黑體 Std B" panose="020B0700000000000000" pitchFamily="34" charset="-120"/>
+                        <a:ea typeface="Adobe 繁黑體 Std B" panose="020B0700000000000000" pitchFamily="34" charset="-120"/>
+                      </a:endParaRPr>
                     </a:p>
                   </a:txBody>
                   <a:tcPr/>
@@ -23700,15 +24474,17 @@
                         </a:rPr>
                         <a:t>引入</a:t>
                       </a:r>
+                      <a:endParaRPr lang="zh-TW" altLang="en-US" dirty="0">
+                        <a:solidFill>
+                          <a:schemeClr val="tx1"/>
+                        </a:solidFill>
+                        <a:latin typeface="Adobe 繁黑體 Std B" panose="020B0700000000000000" pitchFamily="34" charset="-120"/>
+                        <a:ea typeface="Adobe 繁黑體 Std B" panose="020B0700000000000000" pitchFamily="34" charset="-120"/>
+                      </a:endParaRPr>
                     </a:p>
                   </a:txBody>
                   <a:tcPr/>
                 </a:tc>
-                <a:extLst>
-                  <a:ext uri="{0D108BD9-81ED-4DB2-BD59-A6C34878D82A}">
-                    <a16:rowId xmlns:a16="http://schemas.microsoft.com/office/drawing/2014/main" val="10000"/>
-                  </a:ext>
-                </a:extLst>
               </a:tr>
               <a:tr h="370840">
                 <a:tc>
@@ -23851,11 +24627,6 @@
                   </a:txBody>
                   <a:tcPr/>
                 </a:tc>
-                <a:extLst>
-                  <a:ext uri="{0D108BD9-81ED-4DB2-BD59-A6C34878D82A}">
-                    <a16:rowId xmlns:a16="http://schemas.microsoft.com/office/drawing/2014/main" val="10001"/>
-                  </a:ext>
-                </a:extLst>
               </a:tr>
               <a:tr h="370840">
                 <a:tc>
@@ -24022,11 +24793,6 @@
                   </a:txBody>
                   <a:tcPr/>
                 </a:tc>
-                <a:extLst>
-                  <a:ext uri="{0D108BD9-81ED-4DB2-BD59-A6C34878D82A}">
-                    <a16:rowId xmlns:a16="http://schemas.microsoft.com/office/drawing/2014/main" val="10002"/>
-                  </a:ext>
-                </a:extLst>
               </a:tr>
             </a:tbl>
           </a:graphicData>
@@ -24274,11 +25040,6 @@
         </p:txBody>
       </p:sp>
     </p:spTree>
-    <p:extLst>
-      <p:ext uri="{BB962C8B-B14F-4D97-AF65-F5344CB8AC3E}">
-        <p14:creationId xmlns:p14="http://schemas.microsoft.com/office/powerpoint/2010/main" val="3340566150"/>
-      </p:ext>
-    </p:extLst>
   </p:cSld>
   <p:clrMapOvr>
     <a:masterClrMapping/>
@@ -24426,7 +25187,7 @@
           <a:p>
             <a:r>
               <a:rPr lang="en-US" altLang="zh-TW" dirty="0">
-                <a:hlinkClick r:id="rId2"/>
+                <a:hlinkClick r:id="rId1"/>
               </a:rPr>
               <a:t>https://github.com/airbnb/javascript</a:t>
             </a:r>
@@ -24458,7 +25219,7 @@
             <a:pPr algn="ctr"/>
             <a:r>
               <a:rPr lang="en-US" altLang="zh-TW" dirty="0">
-                <a:hlinkClick r:id="rId3"/>
+                <a:hlinkClick r:id="rId2"/>
               </a:rPr>
               <a:t>https://github.com/sivan/javascript-style-guide/blob/master/es5/README.md</a:t>
             </a:r>
@@ -24578,11 +25339,6 @@
         </p:txBody>
       </p:sp>
     </p:spTree>
-    <p:extLst>
-      <p:ext uri="{BB962C8B-B14F-4D97-AF65-F5344CB8AC3E}">
-        <p14:creationId xmlns:p14="http://schemas.microsoft.com/office/powerpoint/2010/main" val="2480434505"/>
-      </p:ext>
-    </p:extLst>
   </p:cSld>
   <p:clrMapOvr>
     <a:masterClrMapping/>
@@ -24616,7 +25372,7 @@
           <p:nvPr/>
         </p:nvPicPr>
         <p:blipFill>
-          <a:blip r:embed="rId2">
+          <a:blip r:embed="rId1">
             <a:extLst>
               <a:ext uri="{28A0092B-C50C-407E-A947-70E740481C1C}">
                 <a14:useLocalDpi xmlns:a14="http://schemas.microsoft.com/office/drawing/2010/main" val="0"/>
@@ -24629,7 +25385,7 @@
         </p:blipFill>
         <p:spPr>
           <a:xfrm>
-            <a:off x="1220703" y="324230"/>
+            <a:off x="1220703" y="375030"/>
             <a:ext cx="8601478" cy="6107049"/>
           </a:xfrm>
           <a:prstGeom prst="rect">
@@ -24637,12 +25393,54 @@
           </a:prstGeom>
         </p:spPr>
       </p:pic>
+      <p:sp>
+        <p:nvSpPr>
+          <p:cNvPr id="2" name="矩形 1"/>
+          <p:cNvSpPr/>
+          <p:nvPr/>
+        </p:nvSpPr>
+        <p:spPr>
+          <a:xfrm>
+            <a:off x="5811351" y="5618549"/>
+            <a:ext cx="2506980" cy="583565"/>
+          </a:xfrm>
+          <a:prstGeom prst="rect">
+            <a:avLst/>
+          </a:prstGeom>
+        </p:spPr>
+        <p:txBody>
+          <a:bodyPr wrap="none">
+            <a:spAutoFit/>
+          </a:bodyPr>
+          <a:p>
+            <a:r>
+              <a:rPr lang="zh-TW" altLang="en-US" sz="3200" b="1" dirty="0">
+                <a:solidFill>
+                  <a:srgbClr val="24292E"/>
+                </a:solidFill>
+                <a:latin typeface="-apple-system"/>
+              </a:rPr>
+              <a:t>參考範例</a:t>
+            </a:r>
+            <a:r>
+              <a:rPr lang="en-US" altLang="zh-TW" sz="3200" b="1" dirty="0">
+                <a:solidFill>
+                  <a:srgbClr val="24292E"/>
+                </a:solidFill>
+                <a:latin typeface="-apple-system"/>
+              </a:rPr>
+              <a:t>4-9</a:t>
+            </a:r>
+            <a:endParaRPr lang="en-US" altLang="zh-TW" sz="3200" b="1" dirty="0">
+              <a:solidFill>
+                <a:srgbClr val="24292E"/>
+              </a:solidFill>
+              <a:latin typeface="-apple-system"/>
+            </a:endParaRPr>
+          </a:p>
+        </p:txBody>
+      </p:sp>
     </p:spTree>
-    <p:extLst>
-      <p:ext uri="{BB962C8B-B14F-4D97-AF65-F5344CB8AC3E}">
-        <p14:creationId xmlns:p14="http://schemas.microsoft.com/office/powerpoint/2010/main" val="1671341732"/>
-      </p:ext>
-    </p:extLst>
   </p:cSld>
   <p:clrMapOvr>
     <a:masterClrMapping/>
@@ -24915,11 +25713,6 @@
         </p:txBody>
       </p:sp>
     </p:spTree>
-    <p:extLst>
-      <p:ext uri="{BB962C8B-B14F-4D97-AF65-F5344CB8AC3E}">
-        <p14:creationId xmlns:p14="http://schemas.microsoft.com/office/powerpoint/2010/main" val="2198907123"/>
-      </p:ext>
-    </p:extLst>
   </p:cSld>
   <p:clrMapOvr>
     <a:masterClrMapping/>
@@ -24994,6 +25787,10 @@
               </a:rPr>
               <a:t>實用技巧</a:t>
             </a:r>
+            <a:endParaRPr lang="zh-TW" altLang="en-US" sz="2800" b="1" dirty="0">
+              <a:latin typeface="Adobe 繁黑體 Std B" panose="020B0700000000000000" pitchFamily="34" charset="-120"/>
+              <a:ea typeface="Adobe 繁黑體 Std B" panose="020B0700000000000000" pitchFamily="34" charset="-120"/>
+            </a:endParaRPr>
           </a:p>
         </p:txBody>
       </p:sp>
@@ -25020,7 +25817,7 @@
           <a:p>
             <a:r>
               <a:rPr lang="en-US" altLang="zh-TW" dirty="0">
-                <a:hlinkClick r:id="rId2"/>
+                <a:hlinkClick r:id="rId1"/>
               </a:rPr>
               <a:t>https://www.youtube.com/watch?v=1RsxYplOPgY</a:t>
             </a:r>
@@ -25051,7 +25848,7 @@
           <a:p>
             <a:r>
               <a:rPr lang="en-US" altLang="zh-TW" dirty="0">
-                <a:hlinkClick r:id="rId3"/>
+                <a:hlinkClick r:id="rId2"/>
               </a:rPr>
               <a:t>https://medium.com/@Mike_Cheng1208/10%E5%80%8B%E6%96%B0%E6%89%8B%E5%BF%85%E7%9F%A5%E7%9A%84-javascrip-%E5%AF%A6%E7%94%A8%E6%8A%80%E5%B7%A7-75b55d7c3e47</a:t>
             </a:r>
@@ -25060,11 +25857,6 @@
         </p:txBody>
       </p:sp>
     </p:spTree>
-    <p:extLst>
-      <p:ext uri="{BB962C8B-B14F-4D97-AF65-F5344CB8AC3E}">
-        <p14:creationId xmlns:p14="http://schemas.microsoft.com/office/powerpoint/2010/main" val="2088123858"/>
-      </p:ext>
-    </p:extLst>
   </p:cSld>
   <p:clrMapOvr>
     <a:masterClrMapping/>
@@ -25124,6 +25916,10 @@
               </a:rPr>
               <a:t>最後的最後</a:t>
             </a:r>
+            <a:endParaRPr lang="zh-TW" altLang="en-US" sz="2800" b="1" dirty="0">
+              <a:latin typeface="Adobe 繁黑體 Std B" panose="020B0700000000000000" pitchFamily="34" charset="-120"/>
+              <a:ea typeface="Adobe 繁黑體 Std B" panose="020B0700000000000000" pitchFamily="34" charset="-120"/>
+            </a:endParaRPr>
           </a:p>
         </p:txBody>
       </p:sp>
@@ -25211,6 +26007,10 @@
               </a:rPr>
               <a:t> 找個框架來學，現在前端工作幾乎拖離不了框架</a:t>
             </a:r>
+            <a:endParaRPr lang="zh-TW" altLang="en-US" b="1" dirty="0">
+              <a:latin typeface="Adobe 繁黑體 Std B" panose="020B0700000000000000" pitchFamily="34" charset="-120"/>
+              <a:ea typeface="Adobe 繁黑體 Std B" panose="020B0700000000000000" pitchFamily="34" charset="-120"/>
+            </a:endParaRPr>
           </a:p>
         </p:txBody>
       </p:sp>
@@ -25263,15 +26063,14 @@
               </a:rPr>
               <a:t>學好</a:t>
             </a:r>
+            <a:endParaRPr lang="zh-TW" altLang="en-US" b="1" dirty="0">
+              <a:latin typeface="Adobe 繁黑體 Std B" panose="020B0700000000000000" pitchFamily="34" charset="-120"/>
+              <a:ea typeface="Adobe 繁黑體 Std B" panose="020B0700000000000000" pitchFamily="34" charset="-120"/>
+            </a:endParaRPr>
           </a:p>
         </p:txBody>
       </p:sp>
     </p:spTree>
-    <p:extLst>
-      <p:ext uri="{BB962C8B-B14F-4D97-AF65-F5344CB8AC3E}">
-        <p14:creationId xmlns:p14="http://schemas.microsoft.com/office/powerpoint/2010/main" val="990007311"/>
-      </p:ext>
-    </p:extLst>
   </p:cSld>
   <p:clrMapOvr>
     <a:masterClrMapping/>
@@ -25333,6 +26132,11 @@
               </a:rPr>
               <a:t>https://www.youtube.com/channel/UC7ArpUezGLX-dZ0FTS_jVMQ?view_as=subscriber</a:t>
             </a:r>
+            <a:endParaRPr lang="zh-TW" altLang="en-US" dirty="0">
+              <a:solidFill>
+                <a:srgbClr val="F0DA50"/>
+              </a:solidFill>
+            </a:endParaRPr>
           </a:p>
         </p:txBody>
       </p:sp>
@@ -25345,7 +26149,7 @@
           <p:nvPr/>
         </p:nvPicPr>
         <p:blipFill>
-          <a:blip r:embed="rId2" cstate="print">
+          <a:blip r:embed="rId1" cstate="print">
             <a:extLst>
               <a:ext uri="{28A0092B-C50C-407E-A947-70E740481C1C}">
                 <a14:useLocalDpi xmlns:a14="http://schemas.microsoft.com/office/drawing/2010/main" val="0"/>
@@ -25375,7 +26179,7 @@
           <p:nvPr/>
         </p:nvPicPr>
         <p:blipFill>
-          <a:blip r:embed="rId3" cstate="print">
+          <a:blip r:embed="rId2" cstate="print">
             <a:extLst>
               <a:ext uri="{28A0092B-C50C-407E-A947-70E740481C1C}">
                 <a14:useLocalDpi xmlns:a14="http://schemas.microsoft.com/office/drawing/2010/main" val="0"/>
@@ -25437,6 +26241,13 @@
               </a:rPr>
               <a:t>的前端實驗室</a:t>
             </a:r>
+            <a:endParaRPr lang="zh-TW" altLang="en-US" dirty="0">
+              <a:solidFill>
+                <a:srgbClr val="F0DA50"/>
+              </a:solidFill>
+              <a:latin typeface="Adobe 繁黑體 Std B" panose="020B0700000000000000" pitchFamily="34" charset="-120"/>
+              <a:ea typeface="Adobe 繁黑體 Std B" panose="020B0700000000000000" pitchFamily="34" charset="-120"/>
+            </a:endParaRPr>
           </a:p>
         </p:txBody>
       </p:sp>
@@ -25469,6 +26280,11 @@
               </a:rPr>
               <a:t>https://www.facebook.com/groups/2189823101261689/</a:t>
             </a:r>
+            <a:endParaRPr lang="zh-TW" altLang="en-US" sz="1400" dirty="0">
+              <a:solidFill>
+                <a:srgbClr val="F0DA50"/>
+              </a:solidFill>
+            </a:endParaRPr>
           </a:p>
         </p:txBody>
       </p:sp>
@@ -25481,7 +26297,7 @@
           <p:nvPr/>
         </p:nvPicPr>
         <p:blipFill>
-          <a:blip r:embed="rId4" cstate="print">
+          <a:blip r:embed="rId3" cstate="print">
             <a:extLst>
               <a:ext uri="{28A0092B-C50C-407E-A947-70E740481C1C}">
                 <a14:useLocalDpi xmlns:a14="http://schemas.microsoft.com/office/drawing/2010/main" val="0"/>
@@ -25531,15 +26347,15 @@
               </a:rPr>
               <a:t>https://medium.com/@Mike_Cheng1208</a:t>
             </a:r>
+            <a:endParaRPr lang="zh-TW" altLang="en-US" dirty="0">
+              <a:solidFill>
+                <a:srgbClr val="F0DA50"/>
+              </a:solidFill>
+            </a:endParaRPr>
           </a:p>
         </p:txBody>
       </p:sp>
     </p:spTree>
-    <p:extLst>
-      <p:ext uri="{BB962C8B-B14F-4D97-AF65-F5344CB8AC3E}">
-        <p14:creationId xmlns:p14="http://schemas.microsoft.com/office/powerpoint/2010/main" val="1680533645"/>
-      </p:ext>
-    </p:extLst>
   </p:cSld>
   <p:clrMapOvr>
     <a:masterClrMapping/>
@@ -25698,6 +26514,16 @@
               </a:rPr>
               <a:t>Pass by reference</a:t>
             </a:r>
+            <a:endParaRPr lang="en-US" altLang="zh-TW" b="1" u="sng" dirty="0">
+              <a:solidFill>
+                <a:schemeClr val="tx1">
+                  <a:lumMod val="95000"/>
+                  <a:lumOff val="5000"/>
+                </a:schemeClr>
+              </a:solidFill>
+              <a:latin typeface="Adobe 繁黑體 Std B" panose="020B0700000000000000" pitchFamily="34" charset="-120"/>
+              <a:ea typeface="Adobe 繁黑體 Std B" panose="020B0700000000000000" pitchFamily="34" charset="-120"/>
+            </a:endParaRPr>
           </a:p>
         </p:txBody>
       </p:sp>
@@ -25726,7 +26552,7 @@
               <a:lnSpc>
                 <a:spcPct val="150000"/>
               </a:lnSpc>
-              <a:buFont typeface="Arial" panose="020B0604020202020204" pitchFamily="34" charset="0"/>
+              <a:buFont typeface="Arial" panose="020B0604020202090204" pitchFamily="34" charset="0"/>
               <a:buChar char="•"/>
             </a:pPr>
             <a:r>
@@ -25749,13 +26575,20 @@
               </a:rPr>
               <a:t>String</a:t>
             </a:r>
+            <a:endParaRPr lang="en-US" altLang="zh-TW" sz="1200" dirty="0">
+              <a:solidFill>
+                <a:srgbClr val="303233"/>
+              </a:solidFill>
+              <a:latin typeface="Adobe 繁黑體 Std B" panose="020B0700000000000000" pitchFamily="34" charset="-120"/>
+              <a:ea typeface="Adobe 繁黑體 Std B" panose="020B0700000000000000" pitchFamily="34" charset="-120"/>
+            </a:endParaRPr>
           </a:p>
           <a:p>
             <a:pPr>
               <a:lnSpc>
                 <a:spcPct val="150000"/>
               </a:lnSpc>
-              <a:buFont typeface="Arial" panose="020B0604020202020204" pitchFamily="34" charset="0"/>
+              <a:buFont typeface="Arial" panose="020B0604020202090204" pitchFamily="34" charset="0"/>
               <a:buChar char="•"/>
             </a:pPr>
             <a:r>
@@ -25778,13 +26611,20 @@
               </a:rPr>
               <a:t>Number</a:t>
             </a:r>
+            <a:endParaRPr lang="en-US" altLang="zh-TW" sz="1200" dirty="0">
+              <a:solidFill>
+                <a:srgbClr val="303233"/>
+              </a:solidFill>
+              <a:latin typeface="Adobe 繁黑體 Std B" panose="020B0700000000000000" pitchFamily="34" charset="-120"/>
+              <a:ea typeface="Adobe 繁黑體 Std B" panose="020B0700000000000000" pitchFamily="34" charset="-120"/>
+            </a:endParaRPr>
           </a:p>
           <a:p>
             <a:pPr>
               <a:lnSpc>
                 <a:spcPct val="150000"/>
               </a:lnSpc>
-              <a:buFont typeface="Arial" panose="020B0604020202020204" pitchFamily="34" charset="0"/>
+              <a:buFont typeface="Arial" panose="020B0604020202090204" pitchFamily="34" charset="0"/>
               <a:buChar char="•"/>
             </a:pPr>
             <a:r>
@@ -25807,13 +26647,20 @@
               </a:rPr>
               <a:t>Boolean</a:t>
             </a:r>
+            <a:endParaRPr lang="en-US" altLang="zh-TW" sz="1200" dirty="0">
+              <a:solidFill>
+                <a:srgbClr val="303233"/>
+              </a:solidFill>
+              <a:latin typeface="Adobe 繁黑體 Std B" panose="020B0700000000000000" pitchFamily="34" charset="-120"/>
+              <a:ea typeface="Adobe 繁黑體 Std B" panose="020B0700000000000000" pitchFamily="34" charset="-120"/>
+            </a:endParaRPr>
           </a:p>
           <a:p>
             <a:pPr>
               <a:lnSpc>
                 <a:spcPct val="150000"/>
               </a:lnSpc>
-              <a:buFont typeface="Arial" panose="020B0604020202020204" pitchFamily="34" charset="0"/>
+              <a:buFont typeface="Arial" panose="020B0604020202090204" pitchFamily="34" charset="0"/>
               <a:buChar char="•"/>
             </a:pPr>
             <a:r>
@@ -25836,13 +26683,20 @@
               </a:rPr>
               <a:t>Undefined</a:t>
             </a:r>
+            <a:endParaRPr lang="en-US" altLang="zh-TW" sz="1200" dirty="0">
+              <a:solidFill>
+                <a:srgbClr val="303233"/>
+              </a:solidFill>
+              <a:latin typeface="Adobe 繁黑體 Std B" panose="020B0700000000000000" pitchFamily="34" charset="-120"/>
+              <a:ea typeface="Adobe 繁黑體 Std B" panose="020B0700000000000000" pitchFamily="34" charset="-120"/>
+            </a:endParaRPr>
           </a:p>
           <a:p>
             <a:pPr>
               <a:lnSpc>
                 <a:spcPct val="150000"/>
               </a:lnSpc>
-              <a:buFont typeface="Arial" panose="020B0604020202020204" pitchFamily="34" charset="0"/>
+              <a:buFont typeface="Arial" panose="020B0604020202090204" pitchFamily="34" charset="0"/>
               <a:buChar char="•"/>
             </a:pPr>
             <a:r>
@@ -25901,7 +26755,7 @@
               <a:lnSpc>
                 <a:spcPct val="150000"/>
               </a:lnSpc>
-              <a:buFont typeface="Arial" panose="020B0604020202020204" pitchFamily="34" charset="0"/>
+              <a:buFont typeface="Arial" panose="020B0604020202090204" pitchFamily="34" charset="0"/>
               <a:buChar char="•"/>
             </a:pPr>
             <a:r>
@@ -25914,13 +26768,20 @@
               </a:rPr>
               <a:t> Array</a:t>
             </a:r>
+            <a:endParaRPr lang="en-US" altLang="zh-TW" sz="1200" dirty="0">
+              <a:solidFill>
+                <a:srgbClr val="303233"/>
+              </a:solidFill>
+              <a:latin typeface="Adobe 繁黑體 Std B" panose="020B0700000000000000" pitchFamily="34" charset="-120"/>
+              <a:ea typeface="Adobe 繁黑體 Std B" panose="020B0700000000000000" pitchFamily="34" charset="-120"/>
+            </a:endParaRPr>
           </a:p>
           <a:p>
             <a:pPr>
               <a:lnSpc>
                 <a:spcPct val="150000"/>
               </a:lnSpc>
-              <a:buFont typeface="Arial" panose="020B0604020202020204" pitchFamily="34" charset="0"/>
+              <a:buFont typeface="Arial" panose="020B0604020202090204" pitchFamily="34" charset="0"/>
               <a:buChar char="•"/>
             </a:pPr>
             <a:r>
@@ -26003,11 +26864,6 @@
         </p:txBody>
       </p:sp>
     </p:spTree>
-    <p:extLst>
-      <p:ext uri="{BB962C8B-B14F-4D97-AF65-F5344CB8AC3E}">
-        <p14:creationId xmlns:p14="http://schemas.microsoft.com/office/powerpoint/2010/main" val="556850961"/>
-      </p:ext>
-    </p:extLst>
   </p:cSld>
   <p:clrMapOvr>
     <a:masterClrMapping/>
@@ -26372,6 +27228,16 @@
               </a:rPr>
               <a:t>.slice(0)</a:t>
             </a:r>
+            <a:endParaRPr lang="zh-TW" altLang="en-US" dirty="0">
+              <a:solidFill>
+                <a:schemeClr val="tx1">
+                  <a:lumMod val="95000"/>
+                  <a:lumOff val="5000"/>
+                </a:schemeClr>
+              </a:solidFill>
+              <a:latin typeface="Adobe 繁黑體 Std B" panose="020B0700000000000000" pitchFamily="34" charset="-120"/>
+              <a:ea typeface="Adobe 繁黑體 Std B" panose="020B0700000000000000" pitchFamily="34" charset="-120"/>
+            </a:endParaRPr>
           </a:p>
         </p:txBody>
       </p:sp>
@@ -26470,11 +27336,6 @@
         </p:txBody>
       </p:sp>
     </p:spTree>
-    <p:extLst>
-      <p:ext uri="{BB962C8B-B14F-4D97-AF65-F5344CB8AC3E}">
-        <p14:creationId xmlns:p14="http://schemas.microsoft.com/office/powerpoint/2010/main" val="2230649489"/>
-      </p:ext>
-    </p:extLst>
   </p:cSld>
   <p:clrMapOvr>
     <a:masterClrMapping/>
@@ -26538,6 +27399,13 @@
               </a:rPr>
               <a:t>[</a:t>
             </a:r>
+            <a:endParaRPr lang="en-US" altLang="zh-TW" sz="2800" b="0" dirty="0">
+              <a:solidFill>
+                <a:srgbClr val="FFC000"/>
+              </a:solidFill>
+              <a:effectLst/>
+              <a:latin typeface="Consolas" panose="020B0609020204030204" pitchFamily="49" charset="0"/>
+            </a:endParaRPr>
           </a:p>
           <a:p>
             <a:pPr lvl="1"/>
@@ -26551,6 +27419,13 @@
               </a:rPr>
               <a:t>{</a:t>
             </a:r>
+            <a:endParaRPr lang="en-US" altLang="zh-TW" sz="2800" b="0" dirty="0">
+              <a:solidFill>
+                <a:srgbClr val="EE12C4"/>
+              </a:solidFill>
+              <a:effectLst/>
+              <a:latin typeface="Consolas" panose="020B0609020204030204" pitchFamily="49" charset="0"/>
+            </a:endParaRPr>
           </a:p>
           <a:p>
             <a:pPr lvl="1"/>
@@ -26594,6 +27469,13 @@
               </a:rPr>
               <a:t>,</a:t>
             </a:r>
+            <a:endParaRPr lang="en-US" altLang="zh-TW" sz="2800" b="0" dirty="0">
+              <a:solidFill>
+                <a:srgbClr val="F8F8F2"/>
+              </a:solidFill>
+              <a:effectLst/>
+              <a:latin typeface="Consolas" panose="020B0609020204030204" pitchFamily="49" charset="0"/>
+            </a:endParaRPr>
           </a:p>
           <a:p>
             <a:pPr lvl="1"/>
@@ -26607,6 +27489,13 @@
               </a:rPr>
               <a:t>{</a:t>
             </a:r>
+            <a:endParaRPr lang="en-US" altLang="zh-TW" sz="2800" b="0" dirty="0">
+              <a:solidFill>
+                <a:srgbClr val="EE12C4"/>
+              </a:solidFill>
+              <a:effectLst/>
+              <a:latin typeface="Consolas" panose="020B0609020204030204" pitchFamily="49" charset="0"/>
+            </a:endParaRPr>
           </a:p>
           <a:p>
             <a:pPr lvl="1"/>
@@ -26650,6 +27539,13 @@
               </a:rPr>
               <a:t>,</a:t>
             </a:r>
+            <a:endParaRPr lang="en-US" altLang="zh-TW" sz="2800" b="0" dirty="0">
+              <a:solidFill>
+                <a:srgbClr val="F8F8F2"/>
+              </a:solidFill>
+              <a:effectLst/>
+              <a:latin typeface="Consolas" panose="020B0609020204030204" pitchFamily="49" charset="0"/>
+            </a:endParaRPr>
           </a:p>
           <a:p>
             <a:pPr lvl="1"/>
@@ -26663,6 +27559,13 @@
               </a:rPr>
               <a:t>{</a:t>
             </a:r>
+            <a:endParaRPr lang="en-US" altLang="zh-TW" sz="2800" b="0" dirty="0">
+              <a:solidFill>
+                <a:srgbClr val="EE12C4"/>
+              </a:solidFill>
+              <a:effectLst/>
+              <a:latin typeface="Consolas" panose="020B0609020204030204" pitchFamily="49" charset="0"/>
+            </a:endParaRPr>
           </a:p>
           <a:p>
             <a:pPr lvl="1"/>
@@ -26696,6 +27599,13 @@
               </a:rPr>
               <a:t>}</a:t>
             </a:r>
+            <a:endParaRPr lang="en-US" altLang="zh-TW" sz="2800" b="0" dirty="0">
+              <a:solidFill>
+                <a:srgbClr val="EE12C4"/>
+              </a:solidFill>
+              <a:effectLst/>
+              <a:latin typeface="Consolas" panose="020B0609020204030204" pitchFamily="49" charset="0"/>
+            </a:endParaRPr>
           </a:p>
           <a:p>
             <a:r>
@@ -26708,15 +27618,20 @@
               </a:rPr>
               <a:t>]</a:t>
             </a:r>
+            <a:endParaRPr lang="en-US" altLang="zh-TW" sz="2800" b="0" dirty="0">
+              <a:solidFill>
+                <a:srgbClr val="FFC000"/>
+              </a:solidFill>
+              <a:effectLst/>
+              <a:latin typeface="Consolas" panose="020B0609020204030204" pitchFamily="49" charset="0"/>
+            </a:endParaRPr>
           </a:p>
         </p:txBody>
       </p:sp>
       <p:sp>
         <p:nvSpPr>
           <p:cNvPr id="7" name="標題 1"/>
-          <p:cNvSpPr txBox="1">
-            <a:spLocks/>
-          </p:cNvSpPr>
+          <p:cNvSpPr txBox="1"/>
           <p:nvPr/>
         </p:nvSpPr>
         <p:spPr>
@@ -26773,15 +27688,20 @@
               </a:rPr>
               <a:t> 陣列包物件</a:t>
             </a:r>
+            <a:endParaRPr lang="zh-TW" altLang="en-US" b="1" dirty="0">
+              <a:solidFill>
+                <a:schemeClr val="bg1"/>
+              </a:solidFill>
+              <a:latin typeface="Microsoft YaHei UI" panose="020B0503020204020204" pitchFamily="34" charset="-122"/>
+              <a:ea typeface="Microsoft YaHei UI" panose="020B0503020204020204" pitchFamily="34" charset="-122"/>
+            </a:endParaRPr>
           </a:p>
         </p:txBody>
       </p:sp>
       <p:sp>
         <p:nvSpPr>
           <p:cNvPr id="8" name="標題 1"/>
-          <p:cNvSpPr txBox="1">
-            <a:spLocks/>
-          </p:cNvSpPr>
+          <p:cNvSpPr txBox="1"/>
           <p:nvPr/>
         </p:nvSpPr>
         <p:spPr>
@@ -26853,11 +27773,6 @@
         </p:txBody>
       </p:sp>
     </p:spTree>
-    <p:extLst>
-      <p:ext uri="{BB962C8B-B14F-4D97-AF65-F5344CB8AC3E}">
-        <p14:creationId xmlns:p14="http://schemas.microsoft.com/office/powerpoint/2010/main" val="1894544936"/>
-      </p:ext>
-    </p:extLst>
   </p:cSld>
   <p:clrMapOvr>
     <a:masterClrMapping/>
@@ -26971,6 +27886,10 @@
               </a:rPr>
               <a:t>  https://cdnjs.cloudflare.com/ajax/libs/lodash.js/4.17.11/lodash.min.js</a:t>
             </a:r>
+            <a:endParaRPr lang="zh-TW" altLang="en-US" sz="1600" dirty="0">
+              <a:latin typeface="Adobe 黑体 Std R" panose="020B0400000000000000" pitchFamily="34" charset="-128"/>
+              <a:ea typeface="Adobe 黑体 Std R" panose="020B0400000000000000" pitchFamily="34" charset="-128"/>
+            </a:endParaRPr>
           </a:p>
         </p:txBody>
       </p:sp>
@@ -27122,11 +28041,6 @@
         </p:txBody>
       </p:sp>
     </p:spTree>
-    <p:extLst>
-      <p:ext uri="{BB962C8B-B14F-4D97-AF65-F5344CB8AC3E}">
-        <p14:creationId xmlns:p14="http://schemas.microsoft.com/office/powerpoint/2010/main" val="2416410924"/>
-      </p:ext>
-    </p:extLst>
   </p:cSld>
   <p:clrMapOvr>
     <a:masterClrMapping/>
@@ -27160,7 +28074,7 @@
           <p:nvPr/>
         </p:nvPicPr>
         <p:blipFill>
-          <a:blip r:embed="rId2">
+          <a:blip r:embed="rId1">
             <a:extLst>
               <a:ext uri="{28A0092B-C50C-407E-A947-70E740481C1C}">
                 <a14:useLocalDpi xmlns:a14="http://schemas.microsoft.com/office/drawing/2010/main" val="0"/>
@@ -27204,7 +28118,7 @@
           <a:p>
             <a:r>
               <a:rPr lang="en-US" altLang="zh-TW" dirty="0">
-                <a:hlinkClick r:id="rId3"/>
+                <a:hlinkClick r:id="rId2"/>
               </a:rPr>
               <a:t>https://medium.com/@Mike_Cheng1208/%E5%9C%A8%E9%96%8B%E5%A7%8B%E5%AF%ABcode%E5%89%8D%E7%9A%84%E9%81%B8%E6%93%87-662b3a2debe8</a:t>
             </a:r>
@@ -27213,11 +28127,6 @@
         </p:txBody>
       </p:sp>
     </p:spTree>
-    <p:extLst>
-      <p:ext uri="{BB962C8B-B14F-4D97-AF65-F5344CB8AC3E}">
-        <p14:creationId xmlns:p14="http://schemas.microsoft.com/office/powerpoint/2010/main" val="501368710"/>
-      </p:ext>
-    </p:extLst>
   </p:cSld>
   <p:clrMapOvr>
     <a:masterClrMapping/>
@@ -27341,6 +28250,13 @@
               </a:rPr>
               <a:t>{</a:t>
             </a:r>
+            <a:endParaRPr lang="en-US" altLang="zh-TW" b="0" dirty="0">
+              <a:solidFill>
+                <a:srgbClr val="F8F8F2"/>
+              </a:solidFill>
+              <a:effectLst/>
+              <a:latin typeface="Consolas" panose="020B0609020204030204" pitchFamily="49" charset="0"/>
+            </a:endParaRPr>
           </a:p>
           <a:p>
             <a:r>
@@ -27392,6 +28308,13 @@
               </a:rPr>
               <a:t>:[</a:t>
             </a:r>
+            <a:endParaRPr lang="en-US" altLang="zh-TW" b="0" dirty="0">
+              <a:solidFill>
+                <a:srgbClr val="F8F8F2"/>
+              </a:solidFill>
+              <a:effectLst/>
+              <a:latin typeface="Consolas" panose="020B0609020204030204" pitchFamily="49" charset="0"/>
+            </a:endParaRPr>
           </a:p>
           <a:p>
             <a:pPr lvl="2"/>
@@ -27405,6 +28328,13 @@
               </a:rPr>
               <a:t>{</a:t>
             </a:r>
+            <a:endParaRPr lang="en-US" altLang="zh-TW" b="0" dirty="0">
+              <a:solidFill>
+                <a:srgbClr val="F8F8F2"/>
+              </a:solidFill>
+              <a:effectLst/>
+              <a:latin typeface="Consolas" panose="020B0609020204030204" pitchFamily="49" charset="0"/>
+            </a:endParaRPr>
           </a:p>
           <a:p>
             <a:pPr lvl="3"/>
@@ -27478,6 +28408,13 @@
               </a:rPr>
               <a:t>,</a:t>
             </a:r>
+            <a:endParaRPr lang="en-US" altLang="zh-TW" b="0" dirty="0">
+              <a:solidFill>
+                <a:srgbClr val="F8F8F2"/>
+              </a:solidFill>
+              <a:effectLst/>
+              <a:latin typeface="Consolas" panose="020B0609020204030204" pitchFamily="49" charset="0"/>
+            </a:endParaRPr>
           </a:p>
           <a:p>
             <a:pPr lvl="2"/>
@@ -27491,6 +28428,13 @@
               </a:rPr>
               <a:t>},</a:t>
             </a:r>
+            <a:endParaRPr lang="en-US" altLang="zh-TW" b="0" dirty="0">
+              <a:solidFill>
+                <a:srgbClr val="F8F8F2"/>
+              </a:solidFill>
+              <a:effectLst/>
+              <a:latin typeface="Consolas" panose="020B0609020204030204" pitchFamily="49" charset="0"/>
+            </a:endParaRPr>
           </a:p>
           <a:p>
             <a:pPr lvl="2"/>
@@ -27504,6 +28448,13 @@
               </a:rPr>
               <a:t>{</a:t>
             </a:r>
+            <a:endParaRPr lang="en-US" altLang="zh-TW" b="0" dirty="0">
+              <a:solidFill>
+                <a:srgbClr val="F8F8F2"/>
+              </a:solidFill>
+              <a:effectLst/>
+              <a:latin typeface="Consolas" panose="020B0609020204030204" pitchFamily="49" charset="0"/>
+            </a:endParaRPr>
           </a:p>
           <a:p>
             <a:pPr lvl="3"/>
@@ -27577,6 +28528,13 @@
               </a:rPr>
               <a:t>,</a:t>
             </a:r>
+            <a:endParaRPr lang="en-US" altLang="zh-TW" b="0" dirty="0">
+              <a:solidFill>
+                <a:srgbClr val="F8F8F2"/>
+              </a:solidFill>
+              <a:effectLst/>
+              <a:latin typeface="Consolas" panose="020B0609020204030204" pitchFamily="49" charset="0"/>
+            </a:endParaRPr>
           </a:p>
           <a:p>
             <a:pPr lvl="2"/>
@@ -27590,6 +28548,13 @@
               </a:rPr>
               <a:t>},</a:t>
             </a:r>
+            <a:endParaRPr lang="en-US" altLang="zh-TW" b="0" dirty="0">
+              <a:solidFill>
+                <a:srgbClr val="F8F8F2"/>
+              </a:solidFill>
+              <a:effectLst/>
+              <a:latin typeface="Consolas" panose="020B0609020204030204" pitchFamily="49" charset="0"/>
+            </a:endParaRPr>
           </a:p>
           <a:p>
             <a:pPr lvl="2"/>
@@ -27603,6 +28568,13 @@
               </a:rPr>
               <a:t>{</a:t>
             </a:r>
+            <a:endParaRPr lang="en-US" altLang="zh-TW" b="0" dirty="0">
+              <a:solidFill>
+                <a:srgbClr val="F8F8F2"/>
+              </a:solidFill>
+              <a:effectLst/>
+              <a:latin typeface="Consolas" panose="020B0609020204030204" pitchFamily="49" charset="0"/>
+            </a:endParaRPr>
           </a:p>
           <a:p>
             <a:pPr lvl="3"/>
@@ -27676,6 +28648,13 @@
               </a:rPr>
               <a:t>,</a:t>
             </a:r>
+            <a:endParaRPr lang="en-US" altLang="zh-TW" b="0" dirty="0">
+              <a:solidFill>
+                <a:srgbClr val="F8F8F2"/>
+              </a:solidFill>
+              <a:effectLst/>
+              <a:latin typeface="Consolas" panose="020B0609020204030204" pitchFamily="49" charset="0"/>
+            </a:endParaRPr>
           </a:p>
           <a:p>
             <a:pPr lvl="2"/>
@@ -27689,6 +28668,13 @@
               </a:rPr>
               <a:t>}</a:t>
             </a:r>
+            <a:endParaRPr lang="en-US" altLang="zh-TW" b="0" dirty="0">
+              <a:solidFill>
+                <a:srgbClr val="F8F8F2"/>
+              </a:solidFill>
+              <a:effectLst/>
+              <a:latin typeface="Consolas" panose="020B0609020204030204" pitchFamily="49" charset="0"/>
+            </a:endParaRPr>
           </a:p>
           <a:p>
             <a:pPr lvl="1"/>
@@ -27702,6 +28688,13 @@
               </a:rPr>
               <a:t>]</a:t>
             </a:r>
+            <a:endParaRPr lang="en-US" altLang="zh-TW" b="0" dirty="0">
+              <a:solidFill>
+                <a:srgbClr val="F8F8F2"/>
+              </a:solidFill>
+              <a:effectLst/>
+              <a:latin typeface="Consolas" panose="020B0609020204030204" pitchFamily="49" charset="0"/>
+            </a:endParaRPr>
           </a:p>
           <a:p>
             <a:r>
@@ -27714,15 +28707,20 @@
               </a:rPr>
               <a:t>}</a:t>
             </a:r>
+            <a:endParaRPr lang="en-US" altLang="zh-TW" b="0" dirty="0">
+              <a:solidFill>
+                <a:srgbClr val="F8F8F2"/>
+              </a:solidFill>
+              <a:effectLst/>
+              <a:latin typeface="Consolas" panose="020B0609020204030204" pitchFamily="49" charset="0"/>
+            </a:endParaRPr>
           </a:p>
         </p:txBody>
       </p:sp>
       <p:sp>
         <p:nvSpPr>
           <p:cNvPr id="5" name="標題 1"/>
-          <p:cNvSpPr txBox="1">
-            <a:spLocks/>
-          </p:cNvSpPr>
+          <p:cNvSpPr txBox="1"/>
           <p:nvPr/>
         </p:nvSpPr>
         <p:spPr>
@@ -27779,15 +28777,20 @@
               </a:rPr>
               <a:t> 物件包陣列</a:t>
             </a:r>
+            <a:endParaRPr lang="zh-TW" altLang="en-US" b="1" dirty="0">
+              <a:solidFill>
+                <a:schemeClr val="bg1"/>
+              </a:solidFill>
+              <a:latin typeface="Microsoft YaHei UI" panose="020B0503020204020204" pitchFamily="34" charset="-122"/>
+              <a:ea typeface="Microsoft YaHei UI" panose="020B0503020204020204" pitchFamily="34" charset="-122"/>
+            </a:endParaRPr>
           </a:p>
         </p:txBody>
       </p:sp>
       <p:sp>
         <p:nvSpPr>
           <p:cNvPr id="6" name="標題 1"/>
-          <p:cNvSpPr txBox="1">
-            <a:spLocks/>
-          </p:cNvSpPr>
+          <p:cNvSpPr txBox="1"/>
           <p:nvPr/>
         </p:nvSpPr>
         <p:spPr>
@@ -27899,11 +28902,6 @@
         </p:txBody>
       </p:sp>
     </p:spTree>
-    <p:extLst>
-      <p:ext uri="{BB962C8B-B14F-4D97-AF65-F5344CB8AC3E}">
-        <p14:creationId xmlns:p14="http://schemas.microsoft.com/office/powerpoint/2010/main" val="1780115323"/>
-      </p:ext>
-    </p:extLst>
   </p:cSld>
   <p:clrMapOvr>
     <a:masterClrMapping/>
@@ -28107,6 +29105,13 @@
               </a:rPr>
               <a:t>){</a:t>
             </a:r>
+            <a:endParaRPr lang="en-US" altLang="zh-TW" b="0" dirty="0">
+              <a:solidFill>
+                <a:srgbClr val="F8F8F2"/>
+              </a:solidFill>
+              <a:effectLst/>
+              <a:latin typeface="Consolas" panose="020B0609020204030204" pitchFamily="49" charset="0"/>
+            </a:endParaRPr>
           </a:p>
           <a:p>
             <a:r>
@@ -28149,6 +29154,13 @@
               </a:rPr>
               <a:t>(e);</a:t>
             </a:r>
+            <a:endParaRPr lang="en-US" altLang="zh-TW" b="0" dirty="0">
+              <a:solidFill>
+                <a:srgbClr val="F8F8F2"/>
+              </a:solidFill>
+              <a:effectLst/>
+              <a:latin typeface="Consolas" panose="020B0609020204030204" pitchFamily="49" charset="0"/>
+            </a:endParaRPr>
           </a:p>
           <a:p>
             <a:r>
@@ -28161,15 +29173,20 @@
               </a:rPr>
               <a:t>});</a:t>
             </a:r>
+            <a:endParaRPr lang="en-US" altLang="zh-TW" b="0" dirty="0">
+              <a:solidFill>
+                <a:srgbClr val="F8F8F2"/>
+              </a:solidFill>
+              <a:effectLst/>
+              <a:latin typeface="Consolas" panose="020B0609020204030204" pitchFamily="49" charset="0"/>
+            </a:endParaRPr>
           </a:p>
         </p:txBody>
       </p:sp>
       <p:sp>
         <p:nvSpPr>
           <p:cNvPr id="5" name="標題 1"/>
-          <p:cNvSpPr txBox="1">
-            <a:spLocks/>
-          </p:cNvSpPr>
+          <p:cNvSpPr txBox="1"/>
           <p:nvPr/>
         </p:nvSpPr>
         <p:spPr>
@@ -28294,11 +29311,6 @@
         </p:style>
       </p:cxnSp>
     </p:spTree>
-    <p:extLst>
-      <p:ext uri="{BB962C8B-B14F-4D97-AF65-F5344CB8AC3E}">
-        <p14:creationId xmlns:p14="http://schemas.microsoft.com/office/powerpoint/2010/main" val="1307889018"/>
-      </p:ext>
-    </p:extLst>
   </p:cSld>
   <p:clrMapOvr>
     <a:masterClrMapping/>
@@ -28367,9 +29379,7 @@
       <p:sp>
         <p:nvSpPr>
           <p:cNvPr id="5" name="標題 1"/>
-          <p:cNvSpPr txBox="1">
-            <a:spLocks/>
-          </p:cNvSpPr>
+          <p:cNvSpPr txBox="1"/>
           <p:nvPr/>
         </p:nvSpPr>
         <p:spPr>
@@ -28440,15 +29450,17 @@
               </a:rPr>
               <a:t>，不會再繼續執行了</a:t>
             </a:r>
+            <a:endParaRPr lang="zh-TW" altLang="en-US" sz="2000" dirty="0">
+              <a:solidFill>
+                <a:srgbClr val="323230"/>
+              </a:solidFill>
+              <a:latin typeface="Microsoft YaHei UI" panose="020B0503020204020204" pitchFamily="34" charset="-122"/>
+              <a:ea typeface="Microsoft YaHei UI" panose="020B0503020204020204" pitchFamily="34" charset="-122"/>
+            </a:endParaRPr>
           </a:p>
         </p:txBody>
       </p:sp>
     </p:spTree>
-    <p:extLst>
-      <p:ext uri="{BB962C8B-B14F-4D97-AF65-F5344CB8AC3E}">
-        <p14:creationId xmlns:p14="http://schemas.microsoft.com/office/powerpoint/2010/main" val="1149184927"/>
-      </p:ext>
-    </p:extLst>
   </p:cSld>
   <p:clrMapOvr>
     <a:masterClrMapping/>
@@ -28499,7 +29511,7 @@
     </a:clrScheme>
     <a:fontScheme name="Office">
       <a:majorFont>
-        <a:latin typeface="Calibri Light" panose="020F0302020204030204"/>
+        <a:latin typeface="Calibri Light"/>
         <a:ea typeface=""/>
         <a:cs typeface=""/>
         <a:font script="Jpan" typeface="ＭＳ Ｐゴシック"/>
@@ -28534,7 +29546,7 @@
         <a:font script="Geor" typeface="Sylfaen"/>
       </a:majorFont>
       <a:minorFont>
-        <a:latin typeface="Calibri" panose="020F0502020204030204"/>
+        <a:latin typeface="Calibri"/>
         <a:ea typeface=""/>
         <a:cs typeface=""/>
         <a:font script="Jpan" typeface="ＭＳ Ｐゴシック"/>
@@ -28707,8 +29719,265 @@
       </a:bgFillStyleLst>
     </a:fmtScheme>
   </a:themeElements>
-  <a:objectDefaults/>
-  <a:extraClrSchemeLst/>
+  <a:extLst>
+    <a:ext uri="{05A4C25C-085E-4340-85A3-A5531E510DB2}">
+      <thm15:themeFamily xmlns:thm15="http://schemas.microsoft.com/office/thememl/2012/main" name="Office Theme" id="{62F939B6-93AF-4DB8-9C6B-D6C7DFDC589F}" vid="{4A3C46E8-61CC-4603-A589-7422A47A8E4A}"/>
+    </a:ext>
+  </a:extLst>
+</a:theme>
+</file>
+
+<file path=ppt/theme/theme2.xml><?xml version="1.0" encoding="utf-8"?>
+<a:theme xmlns:a="http://schemas.openxmlformats.org/drawingml/2006/main" name="Office 主题">
+  <a:themeElements>
+    <a:clrScheme name="Office">
+      <a:dk1>
+        <a:sysClr val="windowText" lastClr="000000"/>
+      </a:dk1>
+      <a:lt1>
+        <a:sysClr val="window" lastClr="FFFFFF"/>
+      </a:lt1>
+      <a:dk2>
+        <a:srgbClr val="44546A"/>
+      </a:dk2>
+      <a:lt2>
+        <a:srgbClr val="E7E6E6"/>
+      </a:lt2>
+      <a:accent1>
+        <a:srgbClr val="5B9BD5"/>
+      </a:accent1>
+      <a:accent2>
+        <a:srgbClr val="ED7D31"/>
+      </a:accent2>
+      <a:accent3>
+        <a:srgbClr val="A5A5A5"/>
+      </a:accent3>
+      <a:accent4>
+        <a:srgbClr val="FFC000"/>
+      </a:accent4>
+      <a:accent5>
+        <a:srgbClr val="4472C4"/>
+      </a:accent5>
+      <a:accent6>
+        <a:srgbClr val="70AD47"/>
+      </a:accent6>
+      <a:hlink>
+        <a:srgbClr val="0563C1"/>
+      </a:hlink>
+      <a:folHlink>
+        <a:srgbClr val="954F72"/>
+      </a:folHlink>
+    </a:clrScheme>
+    <a:fontScheme name="Office">
+      <a:majorFont>
+        <a:latin typeface="Calibri Light"/>
+        <a:ea typeface=""/>
+        <a:cs typeface=""/>
+        <a:font script="Jpan" typeface="ＭＳ Ｐゴシック"/>
+        <a:font script="Hang" typeface="맑은 고딕"/>
+        <a:font script="Hans" typeface="宋体"/>
+        <a:font script="Hant" typeface="新細明體"/>
+        <a:font script="Arab" typeface="Times New Roman"/>
+        <a:font script="Hebr" typeface="Times New Roman"/>
+        <a:font script="Thai" typeface="Angsana New"/>
+        <a:font script="Ethi" typeface="Nyala"/>
+        <a:font script="Beng" typeface="Vrinda"/>
+        <a:font script="Gujr" typeface="Shruti"/>
+        <a:font script="Khmr" typeface="MoolBoran"/>
+        <a:font script="Knda" typeface="Tunga"/>
+        <a:font script="Guru" typeface="Raavi"/>
+        <a:font script="Cans" typeface="Euphemia"/>
+        <a:font script="Cher" typeface="Plantagenet Cherokee"/>
+        <a:font script="Yiii" typeface="Microsoft Yi Baiti"/>
+        <a:font script="Tibt" typeface="Microsoft Himalaya"/>
+        <a:font script="Thaa" typeface="MV Boli"/>
+        <a:font script="Deva" typeface="Mangal"/>
+        <a:font script="Telu" typeface="Gautami"/>
+        <a:font script="Taml" typeface="Latha"/>
+        <a:font script="Syrc" typeface="Estrangelo Edessa"/>
+        <a:font script="Orya" typeface="Kalinga"/>
+        <a:font script="Mlym" typeface="Kartika"/>
+        <a:font script="Laoo" typeface="DokChampa"/>
+        <a:font script="Sinh" typeface="Iskoola Pota"/>
+        <a:font script="Mong" typeface="Mongolian Baiti"/>
+        <a:font script="Viet" typeface="Times New Roman"/>
+        <a:font script="Uigh" typeface="Microsoft Uighur"/>
+        <a:font script="Geor" typeface="Sylfaen"/>
+      </a:majorFont>
+      <a:minorFont>
+        <a:latin typeface="Calibri"/>
+        <a:ea typeface=""/>
+        <a:cs typeface=""/>
+        <a:font script="Jpan" typeface="ＭＳ Ｐゴシック"/>
+        <a:font script="Hang" typeface="맑은 고딕"/>
+        <a:font script="Hans" typeface="宋体"/>
+        <a:font script="Hant" typeface="新細明體"/>
+        <a:font script="Arab" typeface="Arial"/>
+        <a:font script="Hebr" typeface="Arial"/>
+        <a:font script="Thai" typeface="Cordia New"/>
+        <a:font script="Ethi" typeface="Nyala"/>
+        <a:font script="Beng" typeface="Vrinda"/>
+        <a:font script="Gujr" typeface="Shruti"/>
+        <a:font script="Khmr" typeface="DaunPenh"/>
+        <a:font script="Knda" typeface="Tunga"/>
+        <a:font script="Guru" typeface="Raavi"/>
+        <a:font script="Cans" typeface="Euphemia"/>
+        <a:font script="Cher" typeface="Plantagenet Cherokee"/>
+        <a:font script="Yiii" typeface="Microsoft Yi Baiti"/>
+        <a:font script="Tibt" typeface="Microsoft Himalaya"/>
+        <a:font script="Thaa" typeface="MV Boli"/>
+        <a:font script="Deva" typeface="Mangal"/>
+        <a:font script="Telu" typeface="Gautami"/>
+        <a:font script="Taml" typeface="Latha"/>
+        <a:font script="Syrc" typeface="Estrangelo Edessa"/>
+        <a:font script="Orya" typeface="Kalinga"/>
+        <a:font script="Mlym" typeface="Kartika"/>
+        <a:font script="Laoo" typeface="DokChampa"/>
+        <a:font script="Sinh" typeface="Iskoola Pota"/>
+        <a:font script="Mong" typeface="Mongolian Baiti"/>
+        <a:font script="Viet" typeface="Arial"/>
+        <a:font script="Uigh" typeface="Microsoft Uighur"/>
+        <a:font script="Geor" typeface="Sylfaen"/>
+      </a:minorFont>
+    </a:fontScheme>
+    <a:fmtScheme name="Office">
+      <a:fillStyleLst>
+        <a:solidFill>
+          <a:schemeClr val="phClr"/>
+        </a:solidFill>
+        <a:gradFill rotWithShape="1">
+          <a:gsLst>
+            <a:gs pos="0">
+              <a:schemeClr val="phClr">
+                <a:lumMod val="110000"/>
+                <a:satMod val="105000"/>
+                <a:tint val="67000"/>
+              </a:schemeClr>
+            </a:gs>
+            <a:gs pos="50000">
+              <a:schemeClr val="phClr">
+                <a:lumMod val="105000"/>
+                <a:satMod val="103000"/>
+                <a:tint val="73000"/>
+              </a:schemeClr>
+            </a:gs>
+            <a:gs pos="100000">
+              <a:schemeClr val="phClr">
+                <a:lumMod val="105000"/>
+                <a:satMod val="109000"/>
+                <a:tint val="81000"/>
+              </a:schemeClr>
+            </a:gs>
+          </a:gsLst>
+          <a:lin ang="5400000" scaled="0"/>
+        </a:gradFill>
+        <a:gradFill rotWithShape="1">
+          <a:gsLst>
+            <a:gs pos="0">
+              <a:schemeClr val="phClr">
+                <a:satMod val="103000"/>
+                <a:lumMod val="102000"/>
+                <a:tint val="94000"/>
+              </a:schemeClr>
+            </a:gs>
+            <a:gs pos="50000">
+              <a:schemeClr val="phClr">
+                <a:satMod val="110000"/>
+                <a:lumMod val="100000"/>
+                <a:shade val="100000"/>
+              </a:schemeClr>
+            </a:gs>
+            <a:gs pos="100000">
+              <a:schemeClr val="phClr">
+                <a:lumMod val="99000"/>
+                <a:satMod val="120000"/>
+                <a:shade val="78000"/>
+              </a:schemeClr>
+            </a:gs>
+          </a:gsLst>
+          <a:lin ang="5400000" scaled="0"/>
+        </a:gradFill>
+      </a:fillStyleLst>
+      <a:lnStyleLst>
+        <a:ln w="6350" cap="flat" cmpd="sng" algn="ctr">
+          <a:solidFill>
+            <a:schemeClr val="phClr"/>
+          </a:solidFill>
+          <a:prstDash val="solid"/>
+          <a:miter lim="800000"/>
+        </a:ln>
+        <a:ln w="12700" cap="flat" cmpd="sng" algn="ctr">
+          <a:solidFill>
+            <a:schemeClr val="phClr"/>
+          </a:solidFill>
+          <a:prstDash val="solid"/>
+          <a:miter lim="800000"/>
+        </a:ln>
+        <a:ln w="19050" cap="flat" cmpd="sng" algn="ctr">
+          <a:solidFill>
+            <a:schemeClr val="phClr"/>
+          </a:solidFill>
+          <a:prstDash val="solid"/>
+          <a:miter lim="800000"/>
+        </a:ln>
+      </a:lnStyleLst>
+      <a:effectStyleLst>
+        <a:effectStyle>
+          <a:effectLst/>
+        </a:effectStyle>
+        <a:effectStyle>
+          <a:effectLst/>
+        </a:effectStyle>
+        <a:effectStyle>
+          <a:effectLst>
+            <a:outerShdw blurRad="57150" dist="19050" dir="5400000" algn="ctr" rotWithShape="0">
+              <a:srgbClr val="000000">
+                <a:alpha val="63000"/>
+              </a:srgbClr>
+            </a:outerShdw>
+          </a:effectLst>
+        </a:effectStyle>
+      </a:effectStyleLst>
+      <a:bgFillStyleLst>
+        <a:solidFill>
+          <a:schemeClr val="phClr"/>
+        </a:solidFill>
+        <a:solidFill>
+          <a:schemeClr val="phClr">
+            <a:tint val="95000"/>
+            <a:satMod val="170000"/>
+          </a:schemeClr>
+        </a:solidFill>
+        <a:gradFill rotWithShape="1">
+          <a:gsLst>
+            <a:gs pos="0">
+              <a:schemeClr val="phClr">
+                <a:tint val="93000"/>
+                <a:satMod val="150000"/>
+                <a:shade val="98000"/>
+                <a:lumMod val="102000"/>
+              </a:schemeClr>
+            </a:gs>
+            <a:gs pos="50000">
+              <a:schemeClr val="phClr">
+                <a:tint val="98000"/>
+                <a:satMod val="130000"/>
+                <a:shade val="90000"/>
+                <a:lumMod val="103000"/>
+              </a:schemeClr>
+            </a:gs>
+            <a:gs pos="100000">
+              <a:schemeClr val="phClr">
+                <a:shade val="63000"/>
+                <a:satMod val="120000"/>
+              </a:schemeClr>
+            </a:gs>
+          </a:gsLst>
+          <a:lin ang="5400000" scaled="0"/>
+        </a:gradFill>
+      </a:bgFillStyleLst>
+    </a:fmtScheme>
+  </a:themeElements>
   <a:extLst>
     <a:ext uri="{05A4C25C-085E-4340-85A3-A5531E510DB2}">
       <thm15:themeFamily xmlns:thm15="http://schemas.microsoft.com/office/thememl/2012/main" name="Office Theme" id="{62F939B6-93AF-4DB8-9C6B-D6C7DFDC589F}" vid="{4A3C46E8-61CC-4603-A589-7422A47A8E4A}"/>
